--- a/Machine_Learning/ML_Mid_Slide.pptx
+++ b/Machine_Learning/ML_Mid_Slide.pptx
@@ -5,7 +5,7 @@
     <p:sldMasterId id="2147483660" r:id="rId1"/>
   </p:sldMasterIdLst>
   <p:notesMasterIdLst>
-    <p:notesMasterId r:id="rId38"/>
+    <p:notesMasterId r:id="rId44"/>
   </p:notesMasterIdLst>
   <p:sldIdLst>
     <p:sldId id="256" r:id="rId2"/>
@@ -32,18 +32,24 @@
     <p:sldId id="275" r:id="rId23"/>
     <p:sldId id="284" r:id="rId24"/>
     <p:sldId id="276" r:id="rId25"/>
-    <p:sldId id="286" r:id="rId26"/>
-    <p:sldId id="287" r:id="rId27"/>
-    <p:sldId id="288" r:id="rId28"/>
-    <p:sldId id="289" r:id="rId29"/>
-    <p:sldId id="290" r:id="rId30"/>
-    <p:sldId id="291" r:id="rId31"/>
-    <p:sldId id="292" r:id="rId32"/>
-    <p:sldId id="293" r:id="rId33"/>
-    <p:sldId id="294" r:id="rId34"/>
-    <p:sldId id="295" r:id="rId35"/>
-    <p:sldId id="278" r:id="rId36"/>
-    <p:sldId id="285" r:id="rId37"/>
+    <p:sldId id="296" r:id="rId26"/>
+    <p:sldId id="297" r:id="rId27"/>
+    <p:sldId id="298" r:id="rId28"/>
+    <p:sldId id="299" r:id="rId29"/>
+    <p:sldId id="286" r:id="rId30"/>
+    <p:sldId id="289" r:id="rId31"/>
+    <p:sldId id="290" r:id="rId32"/>
+    <p:sldId id="291" r:id="rId33"/>
+    <p:sldId id="292" r:id="rId34"/>
+    <p:sldId id="293" r:id="rId35"/>
+    <p:sldId id="294" r:id="rId36"/>
+    <p:sldId id="295" r:id="rId37"/>
+    <p:sldId id="431" r:id="rId38"/>
+    <p:sldId id="432" r:id="rId39"/>
+    <p:sldId id="433" r:id="rId40"/>
+    <p:sldId id="434" r:id="rId41"/>
+    <p:sldId id="278" r:id="rId42"/>
+    <p:sldId id="285" r:id="rId43"/>
   </p:sldIdLst>
   <p:sldSz cx="9144000" cy="6858000" type="screen4x3"/>
   <p:notesSz cx="6858000" cy="9144000"/>
@@ -1248,13 +1254,6 @@
         </dgm:presLayoutVars>
       </dgm:prSet>
       <dgm:spPr/>
-      <dgm:t>
-        <a:bodyPr/>
-        <a:lstStyle/>
-        <a:p>
-          <a:endParaRPr lang="en-US"/>
-        </a:p>
-      </dgm:t>
     </dgm:pt>
     <dgm:pt modelId="{FB9753EE-2A6A-4D6C-9E8A-66C23339591D}" type="pres">
       <dgm:prSet presAssocID="{BA98134B-60A1-4F26-A7CB-8467F9F97642}" presName="Name1" presStyleCnt="0"/>
@@ -1287,13 +1286,6 @@
         </dgm:presLayoutVars>
       </dgm:prSet>
       <dgm:spPr/>
-      <dgm:t>
-        <a:bodyPr/>
-        <a:lstStyle/>
-        <a:p>
-          <a:endParaRPr lang="en-US"/>
-        </a:p>
-      </dgm:t>
     </dgm:pt>
     <dgm:pt modelId="{41D52635-A5AB-7A48-9E83-AC6894D68015}" type="pres">
       <dgm:prSet presAssocID="{C21EBF25-71D4-DD4B-9FE6-E9B571AD4B95}" presName="accent_1" presStyleCnt="0"/>
@@ -1310,13 +1302,6 @@
         </dgm:presLayoutVars>
       </dgm:prSet>
       <dgm:spPr/>
-      <dgm:t>
-        <a:bodyPr/>
-        <a:lstStyle/>
-        <a:p>
-          <a:endParaRPr lang="en-US"/>
-        </a:p>
-      </dgm:t>
     </dgm:pt>
     <dgm:pt modelId="{FFBBA606-5743-7142-82DC-B49BDFC0002D}" type="pres">
       <dgm:prSet presAssocID="{5343F06D-5950-4BA4-89F3-CC5F904F7977}" presName="accent_2" presStyleCnt="0"/>
@@ -1333,13 +1318,6 @@
         </dgm:presLayoutVars>
       </dgm:prSet>
       <dgm:spPr/>
-      <dgm:t>
-        <a:bodyPr/>
-        <a:lstStyle/>
-        <a:p>
-          <a:endParaRPr lang="en-US"/>
-        </a:p>
-      </dgm:t>
     </dgm:pt>
     <dgm:pt modelId="{A60A22D3-C08F-E447-97CF-84D9604853A5}" type="pres">
       <dgm:prSet presAssocID="{27BFC98D-CE3F-4D2A-91A0-EC381967408E}" presName="accent_3" presStyleCnt="0"/>
@@ -1356,13 +1334,6 @@
         </dgm:presLayoutVars>
       </dgm:prSet>
       <dgm:spPr/>
-      <dgm:t>
-        <a:bodyPr/>
-        <a:lstStyle/>
-        <a:p>
-          <a:endParaRPr lang="en-US"/>
-        </a:p>
-      </dgm:t>
     </dgm:pt>
     <dgm:pt modelId="{EFC6DB12-C162-424A-BF88-4705D847B7E9}" type="pres">
       <dgm:prSet presAssocID="{4AAFA2E5-B861-3C4D-804E-9F19E99C0596}" presName="accent_4" presStyleCnt="0"/>
@@ -1374,16 +1345,16 @@
     </dgm:pt>
   </dgm:ptLst>
   <dgm:cxnLst>
+    <dgm:cxn modelId="{9C693D03-C220-4C83-8E2F-5E0F0FAAFF93}" srcId="{BA98134B-60A1-4F26-A7CB-8467F9F97642}" destId="{27BFC98D-CE3F-4D2A-91A0-EC381967408E}" srcOrd="2" destOrd="0" parTransId="{C2438D82-2C38-49F7-BCB1-EC1CF05D38A3}" sibTransId="{A1F37F77-AC5B-4782-A3F0-4629DABC2B69}"/>
+    <dgm:cxn modelId="{1D477A07-C0E4-0547-810B-64118E773D5B}" srcId="{BA98134B-60A1-4F26-A7CB-8467F9F97642}" destId="{C21EBF25-71D4-DD4B-9FE6-E9B571AD4B95}" srcOrd="0" destOrd="0" parTransId="{D49B00F9-81AC-AB41-B568-CE64D462EC09}" sibTransId="{8426892F-499A-AC45-9498-29E8CD052D4D}"/>
+    <dgm:cxn modelId="{41596F09-1BF5-504B-84E0-239F667D2D4B}" type="presOf" srcId="{4AAFA2E5-B861-3C4D-804E-9F19E99C0596}" destId="{F4433999-F814-B64E-88F4-196083E64C19}" srcOrd="0" destOrd="0" presId="urn:microsoft.com/office/officeart/2008/layout/VerticalCurvedList"/>
+    <dgm:cxn modelId="{1D76B779-01E0-514C-8DEF-4F29E25E5740}" type="presOf" srcId="{8426892F-499A-AC45-9498-29E8CD052D4D}" destId="{9F81315D-EF7A-41E5-98DA-299F6ED41334}" srcOrd="0" destOrd="0" presId="urn:microsoft.com/office/officeart/2008/layout/VerticalCurvedList"/>
     <dgm:cxn modelId="{7C0DB791-9BE2-4019-8CBB-B051DC0BA2DC}" srcId="{BA98134B-60A1-4F26-A7CB-8467F9F97642}" destId="{5343F06D-5950-4BA4-89F3-CC5F904F7977}" srcOrd="1" destOrd="0" parTransId="{6C362217-FF26-4B51-BCBF-E58BA3601B09}" sibTransId="{5C1B2FC4-E6B5-4B1C-A4BE-98C901F8417D}"/>
+    <dgm:cxn modelId="{494C86A8-4361-0F4E-87C6-418BFF8C2C39}" type="presOf" srcId="{5343F06D-5950-4BA4-89F3-CC5F904F7977}" destId="{3E9967CE-4207-B74C-8470-48DB4C9DB24E}" srcOrd="0" destOrd="0" presId="urn:microsoft.com/office/officeart/2008/layout/VerticalCurvedList"/>
     <dgm:cxn modelId="{075661A9-4503-5C4E-8051-7FFB68C1C159}" type="presOf" srcId="{27BFC98D-CE3F-4D2A-91A0-EC381967408E}" destId="{2B7BC285-255F-5047-9169-7289A94FBD0A}" srcOrd="0" destOrd="0" presId="urn:microsoft.com/office/officeart/2008/layout/VerticalCurvedList"/>
-    <dgm:cxn modelId="{494C86A8-4361-0F4E-87C6-418BFF8C2C39}" type="presOf" srcId="{5343F06D-5950-4BA4-89F3-CC5F904F7977}" destId="{3E9967CE-4207-B74C-8470-48DB4C9DB24E}" srcOrd="0" destOrd="0" presId="urn:microsoft.com/office/officeart/2008/layout/VerticalCurvedList"/>
+    <dgm:cxn modelId="{2286D4C7-F003-0A48-9882-3FCCACA97554}" type="presOf" srcId="{C21EBF25-71D4-DD4B-9FE6-E9B571AD4B95}" destId="{5FA065F9-8948-A148-AB8F-23032679CABC}" srcOrd="0" destOrd="0" presId="urn:microsoft.com/office/officeart/2008/layout/VerticalCurvedList"/>
+    <dgm:cxn modelId="{079B66DC-2614-4C73-BA9C-3438E09CEBC7}" type="presOf" srcId="{BA98134B-60A1-4F26-A7CB-8467F9F97642}" destId="{B2A9F47D-D1E9-416D-80C3-BDDB9110BD4F}" srcOrd="0" destOrd="0" presId="urn:microsoft.com/office/officeart/2008/layout/VerticalCurvedList"/>
     <dgm:cxn modelId="{E94F4BF4-9AB5-AB42-AACD-D2321071B9E6}" srcId="{BA98134B-60A1-4F26-A7CB-8467F9F97642}" destId="{4AAFA2E5-B861-3C4D-804E-9F19E99C0596}" srcOrd="3" destOrd="0" parTransId="{5D845B1D-BB0A-CD4F-BB27-6245A5106F1A}" sibTransId="{92855619-2BE2-F24A-9097-60F155C3E79E}"/>
-    <dgm:cxn modelId="{41596F09-1BF5-504B-84E0-239F667D2D4B}" type="presOf" srcId="{4AAFA2E5-B861-3C4D-804E-9F19E99C0596}" destId="{F4433999-F814-B64E-88F4-196083E64C19}" srcOrd="0" destOrd="0" presId="urn:microsoft.com/office/officeart/2008/layout/VerticalCurvedList"/>
-    <dgm:cxn modelId="{079B66DC-2614-4C73-BA9C-3438E09CEBC7}" type="presOf" srcId="{BA98134B-60A1-4F26-A7CB-8467F9F97642}" destId="{B2A9F47D-D1E9-416D-80C3-BDDB9110BD4F}" srcOrd="0" destOrd="0" presId="urn:microsoft.com/office/officeart/2008/layout/VerticalCurvedList"/>
-    <dgm:cxn modelId="{1D477A07-C0E4-0547-810B-64118E773D5B}" srcId="{BA98134B-60A1-4F26-A7CB-8467F9F97642}" destId="{C21EBF25-71D4-DD4B-9FE6-E9B571AD4B95}" srcOrd="0" destOrd="0" parTransId="{D49B00F9-81AC-AB41-B568-CE64D462EC09}" sibTransId="{8426892F-499A-AC45-9498-29E8CD052D4D}"/>
-    <dgm:cxn modelId="{1D76B779-01E0-514C-8DEF-4F29E25E5740}" type="presOf" srcId="{8426892F-499A-AC45-9498-29E8CD052D4D}" destId="{9F81315D-EF7A-41E5-98DA-299F6ED41334}" srcOrd="0" destOrd="0" presId="urn:microsoft.com/office/officeart/2008/layout/VerticalCurvedList"/>
-    <dgm:cxn modelId="{2286D4C7-F003-0A48-9882-3FCCACA97554}" type="presOf" srcId="{C21EBF25-71D4-DD4B-9FE6-E9B571AD4B95}" destId="{5FA065F9-8948-A148-AB8F-23032679CABC}" srcOrd="0" destOrd="0" presId="urn:microsoft.com/office/officeart/2008/layout/VerticalCurvedList"/>
-    <dgm:cxn modelId="{9C693D03-C220-4C83-8E2F-5E0F0FAAFF93}" srcId="{BA98134B-60A1-4F26-A7CB-8467F9F97642}" destId="{27BFC98D-CE3F-4D2A-91A0-EC381967408E}" srcOrd="2" destOrd="0" parTransId="{C2438D82-2C38-49F7-BCB1-EC1CF05D38A3}" sibTransId="{A1F37F77-AC5B-4782-A3F0-4629DABC2B69}"/>
     <dgm:cxn modelId="{396B11F9-30AE-724A-A875-2330EA3A158D}" type="presParOf" srcId="{B2A9F47D-D1E9-416D-80C3-BDDB9110BD4F}" destId="{FB9753EE-2A6A-4D6C-9E8A-66C23339591D}" srcOrd="0" destOrd="0" presId="urn:microsoft.com/office/officeart/2008/layout/VerticalCurvedList"/>
     <dgm:cxn modelId="{F89727E8-9780-BD4D-A54D-B0ECDA28E3A4}" type="presParOf" srcId="{FB9753EE-2A6A-4D6C-9E8A-66C23339591D}" destId="{56F301E7-95A3-41C7-BF57-409F69B21DDD}" srcOrd="0" destOrd="0" presId="urn:microsoft.com/office/officeart/2008/layout/VerticalCurvedList"/>
     <dgm:cxn modelId="{A7830498-15DA-0944-B5AB-B7629B85212A}" type="presParOf" srcId="{56F301E7-95A3-41C7-BF57-409F69B21DDD}" destId="{FBA0292D-2161-415C-957D-C14086D18540}" srcOrd="0" destOrd="0" presId="urn:microsoft.com/office/officeart/2008/layout/VerticalCurvedList"/>
@@ -1520,12 +1491,12 @@
         </a:fontRef>
       </dsp:style>
       <dsp:txBody>
-        <a:bodyPr spcFirstLastPara="0" vert="horz" wrap="square" lIns="625362" tIns="109220" rIns="109220" bIns="109220" numCol="1" spcCol="1270" anchor="ctr" anchorCtr="0">
+        <a:bodyPr spcFirstLastPara="0" vert="horz" wrap="square" lIns="625362" tIns="111760" rIns="111760" bIns="111760" numCol="1" spcCol="1270" anchor="ctr" anchorCtr="0">
           <a:noAutofit/>
         </a:bodyPr>
         <a:lstStyle/>
         <a:p>
-          <a:pPr lvl="0" algn="l" defTabSz="1911350">
+          <a:pPr marL="0" lvl="0" indent="0" algn="l" defTabSz="1955800">
             <a:lnSpc>
               <a:spcPct val="90000"/>
             </a:lnSpc>
@@ -1535,9 +1506,10 @@
             <a:spcAft>
               <a:spcPct val="35000"/>
             </a:spcAft>
+            <a:buNone/>
           </a:pPr>
           <a:r>
-            <a:rPr lang="en-US" sz="4300" kern="1200" dirty="0">
+            <a:rPr lang="en-US" sz="4400" kern="1200" dirty="0">
               <a:latin typeface="Times New Roman" panose="02020603050405020304" pitchFamily="18" charset="0"/>
               <a:cs typeface="Times New Roman" panose="02020603050405020304" pitchFamily="18" charset="0"/>
             </a:rPr>
@@ -1652,12 +1624,12 @@
         </a:fontRef>
       </dsp:style>
       <dsp:txBody>
-        <a:bodyPr spcFirstLastPara="0" vert="horz" wrap="square" lIns="625362" tIns="109220" rIns="109220" bIns="109220" numCol="1" spcCol="1270" anchor="ctr" anchorCtr="0">
+        <a:bodyPr spcFirstLastPara="0" vert="horz" wrap="square" lIns="625362" tIns="111760" rIns="111760" bIns="111760" numCol="1" spcCol="1270" anchor="ctr" anchorCtr="0">
           <a:noAutofit/>
         </a:bodyPr>
         <a:lstStyle/>
         <a:p>
-          <a:pPr lvl="0" algn="l" defTabSz="1911350">
+          <a:pPr marL="0" lvl="0" indent="0" algn="l" defTabSz="1955800">
             <a:lnSpc>
               <a:spcPct val="90000"/>
             </a:lnSpc>
@@ -1667,9 +1639,10 @@
             <a:spcAft>
               <a:spcPct val="35000"/>
             </a:spcAft>
+            <a:buNone/>
           </a:pPr>
           <a:r>
-            <a:rPr lang="vi-VN" sz="4300" kern="1200" dirty="0">
+            <a:rPr lang="vi-VN" sz="4400" kern="1200" dirty="0">
               <a:latin typeface="Times New Roman" panose="02020603050405020304" pitchFamily="18" charset="0"/>
               <a:cs typeface="Times New Roman" panose="02020603050405020304" pitchFamily="18" charset="0"/>
             </a:rPr>
@@ -1784,12 +1757,12 @@
         </a:fontRef>
       </dsp:style>
       <dsp:txBody>
-        <a:bodyPr spcFirstLastPara="0" vert="horz" wrap="square" lIns="625362" tIns="109220" rIns="109220" bIns="109220" numCol="1" spcCol="1270" anchor="ctr" anchorCtr="0">
+        <a:bodyPr spcFirstLastPara="0" vert="horz" wrap="square" lIns="625362" tIns="111760" rIns="111760" bIns="111760" numCol="1" spcCol="1270" anchor="ctr" anchorCtr="0">
           <a:noAutofit/>
         </a:bodyPr>
         <a:lstStyle/>
         <a:p>
-          <a:pPr lvl="0" algn="l" defTabSz="1911350">
+          <a:pPr marL="0" lvl="0" indent="0" algn="l" defTabSz="1955800">
             <a:lnSpc>
               <a:spcPct val="90000"/>
             </a:lnSpc>
@@ -1799,9 +1772,10 @@
             <a:spcAft>
               <a:spcPct val="35000"/>
             </a:spcAft>
+            <a:buNone/>
           </a:pPr>
           <a:r>
-            <a:rPr lang="en-US" sz="4300" kern="1200" dirty="0">
+            <a:rPr lang="en-US" sz="4400" kern="1200" dirty="0">
               <a:latin typeface="Times New Roman" panose="02020603050405020304" pitchFamily="18" charset="0"/>
               <a:cs typeface="Times New Roman" panose="02020603050405020304" pitchFamily="18" charset="0"/>
             </a:rPr>
@@ -1916,12 +1890,12 @@
         </a:fontRef>
       </dsp:style>
       <dsp:txBody>
-        <a:bodyPr spcFirstLastPara="0" vert="horz" wrap="square" lIns="625362" tIns="109220" rIns="109220" bIns="109220" numCol="1" spcCol="1270" anchor="ctr" anchorCtr="0">
+        <a:bodyPr spcFirstLastPara="0" vert="horz" wrap="square" lIns="625362" tIns="111760" rIns="111760" bIns="111760" numCol="1" spcCol="1270" anchor="ctr" anchorCtr="0">
           <a:noAutofit/>
         </a:bodyPr>
         <a:lstStyle/>
         <a:p>
-          <a:pPr lvl="0" algn="l" defTabSz="1911350">
+          <a:pPr marL="0" lvl="0" indent="0" algn="l" defTabSz="1955800">
             <a:lnSpc>
               <a:spcPct val="90000"/>
             </a:lnSpc>
@@ -1931,9 +1905,10 @@
             <a:spcAft>
               <a:spcPct val="35000"/>
             </a:spcAft>
+            <a:buNone/>
           </a:pPr>
           <a:r>
-            <a:rPr lang="en-US" sz="4300" kern="1200" dirty="0">
+            <a:rPr lang="en-US" sz="4400" kern="1200" dirty="0">
               <a:latin typeface="Times New Roman" panose="02020603050405020304" pitchFamily="18" charset="0"/>
               <a:cs typeface="Times New Roman" panose="02020603050405020304" pitchFamily="18" charset="0"/>
             </a:rPr>
@@ -4391,7 +4366,7 @@
           <a:p>
             <a:fld id="{35C7765A-14CA-45B7-BE00-229806C1F44D}" type="datetimeFigureOut">
               <a:rPr lang="en-US" smtClean="0"/>
-              <a:t>7/2/2019</a:t>
+              <a:t>7/14/19</a:t>
             </a:fld>
             <a:endParaRPr lang="en-US"/>
           </a:p>
@@ -5137,7 +5112,7 @@
           <a:lstStyle/>
           <a:p>
             <a:r>
-              <a:rPr lang="vi-VN" dirty="0" smtClean="0"/>
+              <a:rPr lang="vi-VN" dirty="0"/>
               <a:t>Hàm sigmoid có dạng sigmoid(z) = 1/(1 + exp(−z)) với đồ thị như trong Hình 16.5a. Nếu đầu vào lớn, hàm số sẽ cho đầu ra gần với 1. Với đầu vào nhỏ (rất âm), hàm số sẽ cho đầu ra gần với 0. Trước đây, hàm kích hoạt này được sử dụng nhiều vì có đạo hàm rất đẹp. Những năm gần đây, hàm số này ít khi được sử dụng</a:t>
             </a:r>
             <a:endParaRPr lang="en-US" dirty="0"/>
@@ -5225,7 +5200,7 @@
           <a:lstStyle/>
           <a:p>
             <a:r>
-              <a:rPr lang="vi-VN" dirty="0" smtClean="0"/>
+              <a:rPr lang="vi-VN" dirty="0"/>
               <a:t>Một nhược điểm dễ nhận thấy là khi đầu vào có trị tuyệt đối lớn (rất âm hoặc rất dương), đạo hàm của cả sigmoid và tanh sẽ rất gần với 0. Điều này đồng nghĩa với việc các hệ số tương ứng với unit đang xét sẽ gần như không được cập nhật khi sử dụng công thức cập nhật gradient desent. Thêm nữa, khi khởi tạo các hệ số cho multilayer neural network với hàm kích hoạt sigmoid, chúng ta phải tránh trường hợp đầu vào một hidden layer nào đó quá lớn, vì khi đó đầu ra của hidden layer đó sẽ rất gần với 0 hoặc 1, dẫn đến đạo hàm bằng 0 và gradient desent hoạt động không hiệu quả.</a:t>
             </a:r>
             <a:endParaRPr lang="en-US" dirty="0"/>
@@ -5313,7 +5288,7 @@
           <a:lstStyle/>
           <a:p>
             <a:r>
-              <a:rPr lang="vi-VN" dirty="0" smtClean="0"/>
+              <a:rPr lang="vi-VN" dirty="0"/>
               <a:t>ReLU được chứng minh giúp cho việc huấn luyện các multilayer neural network và deep network (rất nhiều hidden layer) nhanh hơn rất nhiều so với hàm tanh [KSH12]. Hình 16.6b so sánh sự hội tụ của hàm mất mát khi sử dụng hai hàm kích hoặc ReLU và tanh. Sự tăng tốc này được cho là vì ReLU được tính toán gần như tức thời và gradient của nó cũng được tính cực nhanh. Mặc dù cũng có nhược điểm đạo hàm bằng 0 với các giá trị đầu vào âm, ReLU được chứng minh bằng thực nghiệm rằng có thể khắc phục việc này bằng việc tăng số hidden unit4 . ReLU trở thành hàm kích hoạt đầu tiên chúng ta nên thử khi thiết kế một multilayer neural network. Hầu hết các network đều có hàm kích hoạt là ReLU trong các hidden unit, trừ hàm kích hoạt ở output layer phụ thuộc vào đầu ra thực sự của mỗi bài toán (có thể nhận giá trị âm, hoặc nhị phân, v.v.). Ngoài ra, các biến thể của ReLU như leaky rectified linear unit (Leaky ReLU), parametric rectified linear unit (PReLU) và randomized leaky rectified linear units (RReLU) [XWCL15] cũng được sử dụng và được báo cáo có kết quả tốt. Trong thực tế, trước khi thiết kế, ta thường không biết chính xác hàm kích hoạt nào sẽ cho kết quả tốt nhất. Tuy nhiên, ta nên bắt đầu bằng ReLU, nếu kết quả chưa khả quan thì có thể thay thế bằng các biến thể của nó và so sánh kết quả</a:t>
             </a:r>
             <a:endParaRPr lang="en-US" dirty="0"/>
@@ -5471,7 +5446,7 @@
           <a:p>
             <a:fld id="{661F9CCF-B563-4907-9568-EFEA5C456742}" type="slidenum">
               <a:rPr lang="en-US" smtClean="0"/>
-              <a:t>25</a:t>
+              <a:t>29</a:t>
             </a:fld>
             <a:endParaRPr lang="en-US"/>
           </a:p>
@@ -5671,7 +5646,7 @@
           <a:p>
             <a:fld id="{4991AF5A-9910-41DD-A133-FFDD6DBB2BEC}" type="datetime1">
               <a:rPr lang="vi-VN" smtClean="0"/>
-              <a:t>02/07/2019</a:t>
+              <a:t>14/07/2019</a:t>
             </a:fld>
             <a:endParaRPr lang="vi-VN"/>
           </a:p>
@@ -5841,7 +5816,7 @@
           <a:p>
             <a:fld id="{AE827A03-1D7C-4B60-9555-5108E2BD2BA3}" type="datetime1">
               <a:rPr lang="vi-VN" smtClean="0"/>
-              <a:t>02/07/2019</a:t>
+              <a:t>14/07/2019</a:t>
             </a:fld>
             <a:endParaRPr lang="vi-VN"/>
           </a:p>
@@ -6021,7 +5996,7 @@
           <a:p>
             <a:fld id="{48BA028C-0339-41CC-9AD0-BB0EFA10D107}" type="datetime1">
               <a:rPr lang="vi-VN" smtClean="0"/>
-              <a:t>02/07/2019</a:t>
+              <a:t>14/07/2019</a:t>
             </a:fld>
             <a:endParaRPr lang="vi-VN"/>
           </a:p>
@@ -6427,7 +6402,7 @@
           <a:p>
             <a:fld id="{BCE30B88-6042-475A-9AD8-6BFFF02E013D}" type="datetime1">
               <a:rPr lang="vi-VN" smtClean="0"/>
-              <a:t>02/07/2019</a:t>
+              <a:t>14/07/2019</a:t>
             </a:fld>
             <a:endParaRPr lang="vi-VN"/>
           </a:p>
@@ -6673,7 +6648,7 @@
           <a:p>
             <a:fld id="{C2F25F7B-94C1-4212-9706-37EAE2176153}" type="datetime1">
               <a:rPr lang="vi-VN" smtClean="0"/>
-              <a:t>02/07/2019</a:t>
+              <a:t>14/07/2019</a:t>
             </a:fld>
             <a:endParaRPr lang="vi-VN"/>
           </a:p>
@@ -6961,7 +6936,7 @@
           <a:p>
             <a:fld id="{D78FC2EB-DA89-4984-A3A0-96F3B61DC36E}" type="datetime1">
               <a:rPr lang="vi-VN" smtClean="0"/>
-              <a:t>02/07/2019</a:t>
+              <a:t>14/07/2019</a:t>
             </a:fld>
             <a:endParaRPr lang="vi-VN"/>
           </a:p>
@@ -7383,7 +7358,7 @@
           <a:p>
             <a:fld id="{BA500F14-D266-414B-A860-7461A903D090}" type="datetime1">
               <a:rPr lang="vi-VN" smtClean="0"/>
-              <a:t>02/07/2019</a:t>
+              <a:t>14/07/2019</a:t>
             </a:fld>
             <a:endParaRPr lang="vi-VN"/>
           </a:p>
@@ -7508,7 +7483,7 @@
           <a:p>
             <a:fld id="{01A4E0B0-1928-41A5-BD12-A82EA9ACB69E}" type="datetime1">
               <a:rPr lang="vi-VN" smtClean="0"/>
-              <a:t>02/07/2019</a:t>
+              <a:t>14/07/2019</a:t>
             </a:fld>
             <a:endParaRPr lang="vi-VN"/>
           </a:p>
@@ -7603,7 +7578,7 @@
           <a:p>
             <a:fld id="{E7C7BB4A-667B-42D1-83C9-0AA7CA3F5699}" type="datetime1">
               <a:rPr lang="vi-VN" smtClean="0"/>
-              <a:t>02/07/2019</a:t>
+              <a:t>14/07/2019</a:t>
             </a:fld>
             <a:endParaRPr lang="vi-VN"/>
           </a:p>
@@ -7880,7 +7855,7 @@
           <a:p>
             <a:fld id="{0E802EEF-B49F-423B-945E-B503E6142287}" type="datetime1">
               <a:rPr lang="vi-VN" smtClean="0"/>
-              <a:t>02/07/2019</a:t>
+              <a:t>14/07/2019</a:t>
             </a:fld>
             <a:endParaRPr lang="vi-VN"/>
           </a:p>
@@ -8137,7 +8112,7 @@
           <a:p>
             <a:fld id="{DE812893-65B3-42B4-9DF9-26A1CDC185EE}" type="datetime1">
               <a:rPr lang="vi-VN" smtClean="0"/>
-              <a:t>02/07/2019</a:t>
+              <a:t>14/07/2019</a:t>
             </a:fld>
             <a:endParaRPr lang="vi-VN"/>
           </a:p>
@@ -8350,7 +8325,7 @@
           <a:p>
             <a:fld id="{9B466265-DBBC-440C-B0F9-7F9F259790B0}" type="datetime1">
               <a:rPr lang="vi-VN" smtClean="0"/>
-              <a:t>02/07/2019</a:t>
+              <a:t>14/07/2019</a:t>
             </a:fld>
             <a:endParaRPr lang="vi-VN"/>
           </a:p>
@@ -9552,7 +9527,7 @@
           <p:cNvPr id="2" name="Title 1">
             <a:extLst>
               <a:ext uri="{FF2B5EF4-FFF2-40B4-BE49-F238E27FC236}">
-                <a16:creationId xmlns:a16="http://schemas.microsoft.com/office/drawing/2014/main" xmlns="" id="{EDB1149E-072A-894F-9D84-7495C7D0DE40}"/>
+                <a16:creationId xmlns:a16="http://schemas.microsoft.com/office/drawing/2014/main" id="{EDB1149E-072A-894F-9D84-7495C7D0DE40}"/>
               </a:ext>
             </a:extLst>
           </p:cNvPr>
@@ -9580,7 +9555,7 @@
           <p:cNvPr id="3" name="Content Placeholder 2">
             <a:extLst>
               <a:ext uri="{FF2B5EF4-FFF2-40B4-BE49-F238E27FC236}">
-                <a16:creationId xmlns:a16="http://schemas.microsoft.com/office/drawing/2014/main" xmlns="" id="{7119FE65-3BAE-294F-8362-6D393675C0B8}"/>
+                <a16:creationId xmlns:a16="http://schemas.microsoft.com/office/drawing/2014/main" id="{7119FE65-3BAE-294F-8362-6D393675C0B8}"/>
               </a:ext>
             </a:extLst>
           </p:cNvPr>
@@ -9948,7 +9923,7 @@
           <p:cNvPr id="4" name="Slide Number Placeholder 3">
             <a:extLst>
               <a:ext uri="{FF2B5EF4-FFF2-40B4-BE49-F238E27FC236}">
-                <a16:creationId xmlns:a16="http://schemas.microsoft.com/office/drawing/2014/main" xmlns="" id="{A8FEB2F2-BFEE-194F-B830-816052596526}"/>
+                <a16:creationId xmlns:a16="http://schemas.microsoft.com/office/drawing/2014/main" id="{A8FEB2F2-BFEE-194F-B830-816052596526}"/>
               </a:ext>
             </a:extLst>
           </p:cNvPr>
@@ -10007,7 +9982,7 @@
           <p:cNvPr id="2" name="Title 1">
             <a:extLst>
               <a:ext uri="{FF2B5EF4-FFF2-40B4-BE49-F238E27FC236}">
-                <a16:creationId xmlns:a16="http://schemas.microsoft.com/office/drawing/2014/main" xmlns="" id="{16419492-7CF5-6D4B-8824-F39B7731BCF8}"/>
+                <a16:creationId xmlns:a16="http://schemas.microsoft.com/office/drawing/2014/main" id="{16419492-7CF5-6D4B-8824-F39B7731BCF8}"/>
               </a:ext>
             </a:extLst>
           </p:cNvPr>
@@ -10037,7 +10012,7 @@
               <p:cNvPr id="3" name="Content Placeholder 2">
                 <a:extLst>
                   <a:ext uri="{FF2B5EF4-FFF2-40B4-BE49-F238E27FC236}">
-                    <a16:creationId xmlns:a16="http://schemas.microsoft.com/office/drawing/2014/main" xmlns="" id="{E90E6D64-8489-A747-98A0-9D42C53FCA80}"/>
+                    <a16:creationId xmlns:a16="http://schemas.microsoft.com/office/drawing/2014/main" id="{E90E6D64-8489-A747-98A0-9D42C53FCA80}"/>
                   </a:ext>
                 </a:extLst>
               </p:cNvPr>
@@ -10171,7 +10146,7 @@
                             <a:latin typeface="Cambria Math" panose="02040503050406030204" pitchFamily="18" charset="0"/>
                             <a:ea typeface="Cambria Math" panose="02040503050406030204" pitchFamily="18" charset="0"/>
                           </a:rPr>
-                          <m:t>∇</m:t>
+                          <m:t>𝛻</m:t>
                         </m:r>
                       </m:e>
                       <m:sub>
@@ -10445,7 +10420,7 @@
           <p:cNvPr id="4" name="Slide Number Placeholder 3">
             <a:extLst>
               <a:ext uri="{FF2B5EF4-FFF2-40B4-BE49-F238E27FC236}">
-                <a16:creationId xmlns:a16="http://schemas.microsoft.com/office/drawing/2014/main" xmlns="" id="{E49E1A05-C04F-7C40-8589-CE3175578836}"/>
+                <a16:creationId xmlns:a16="http://schemas.microsoft.com/office/drawing/2014/main" id="{E49E1A05-C04F-7C40-8589-CE3175578836}"/>
               </a:ext>
             </a:extLst>
           </p:cNvPr>
@@ -10515,10 +10490,9 @@
           <a:lstStyle/>
           <a:p>
             <a:r>
-              <a:rPr lang="en-US" dirty="0" smtClean="0"/>
+              <a:rPr lang="en-US" dirty="0"/>
               <a:t>EPOCH</a:t>
             </a:r>
-            <a:endParaRPr lang="en-US" dirty="0"/>
           </a:p>
         </p:txBody>
       </p:sp>
@@ -10541,36 +10515,28 @@
               <a:rPr lang="vi-VN" dirty="0"/>
               <a:t>Mỗi lần duyệt một lượt qua tất cả các điểm trên toàn bộ dữ liệu được gọi là một epoch (số nhiều epoches). </a:t>
             </a:r>
-            <a:endParaRPr lang="en-US" dirty="0" smtClean="0"/>
-          </a:p>
-          <a:p>
             <a:endParaRPr lang="en-US" dirty="0"/>
           </a:p>
           <a:p>
-            <a:r>
-              <a:rPr lang="vi-VN" dirty="0" smtClean="0"/>
-              <a:t>Với </a:t>
-            </a:r>
+            <a:endParaRPr lang="en-US" dirty="0"/>
+          </a:p>
+          <a:p>
             <a:r>
               <a:rPr lang="vi-VN" dirty="0"/>
-              <a:t>GD thông thường, mỗi epoch ứng với một lần cập nhật </a:t>
+              <a:t>Với GD thông thường, mỗi epoch ứng với một lần cập nhật </a:t>
             </a:r>
             <a:r>
               <a:rPr lang="el-GR" dirty="0"/>
-              <a:t>θ</a:t>
-            </a:r>
-            <a:r>
-              <a:rPr lang="el-GR" dirty="0" smtClean="0"/>
-              <a:t>.</a:t>
-            </a:r>
-            <a:endParaRPr lang="en-US" dirty="0" smtClean="0"/>
-          </a:p>
-          <a:p>
+              <a:t>θ.</a:t>
+            </a:r>
             <a:endParaRPr lang="en-US" dirty="0"/>
           </a:p>
           <a:p>
-            <a:r>
-              <a:rPr lang="el-GR" dirty="0" smtClean="0"/>
+            <a:endParaRPr lang="en-US" dirty="0"/>
+          </a:p>
+          <a:p>
+            <a:r>
+              <a:rPr lang="el-GR" dirty="0"/>
               <a:t> </a:t>
             </a:r>
             <a:r>
@@ -10658,15 +10624,14 @@
           <a:lstStyle/>
           <a:p>
             <a:r>
-              <a:rPr lang="en-US" dirty="0" smtClean="0"/>
+              <a:rPr lang="en-US" dirty="0"/>
               <a:t>ACTIVE FUNCTIONS</a:t>
             </a:r>
-            <a:endParaRPr lang="en-US" dirty="0"/>
           </a:p>
         </p:txBody>
       </p:sp>
-      <mc:AlternateContent xmlns:mc="http://schemas.openxmlformats.org/markup-compatibility/2006">
-        <mc:Choice xmlns:a14="http://schemas.microsoft.com/office/drawing/2010/main" Requires="a14">
+      <mc:AlternateContent xmlns:mc="http://schemas.openxmlformats.org/markup-compatibility/2006" xmlns:a14="http://schemas.microsoft.com/office/drawing/2010/main">
+        <mc:Choice Requires="a14">
           <p:sp>
             <p:nvSpPr>
               <p:cNvPr id="3" name="Content Placeholder 2"/>
@@ -10683,10 +10648,10 @@
               <a:lstStyle/>
               <a:p>
                 <a:r>
-                  <a:rPr lang="vi-VN" dirty="0" smtClean="0"/>
+                  <a:rPr lang="vi-VN" dirty="0"/>
                   <a:t>Mỗi output của một layer (trừ input layer) được tính dựa vào công thức </a:t>
                 </a:r>
-                <a:endParaRPr lang="en-US" dirty="0" smtClean="0"/>
+                <a:endParaRPr lang="en-US" dirty="0"/>
               </a:p>
               <a:p>
                 <a:endParaRPr lang="en-US" dirty="0"/>
@@ -10853,13 +10818,7 @@
                                 <a:rPr lang="en-US" b="0" i="1" smtClean="0">
                                   <a:latin typeface="Cambria Math" panose="02040503050406030204" pitchFamily="18" charset="0"/>
                                 </a:rPr>
-                                <m:t>−</m:t>
-                              </m:r>
-                              <m:r>
-                                <a:rPr lang="en-US" b="0" i="1" smtClean="0">
-                                  <a:latin typeface="Cambria Math" panose="02040503050406030204" pitchFamily="18" charset="0"/>
-                                </a:rPr>
-                                <m:t>1</m:t>
+                                <m:t>−1</m:t>
                               </m:r>
                             </m:e>
                           </m:d>
@@ -10905,10 +10864,9 @@
                     </m:oMath>
                   </m:oMathPara>
                 </a14:m>
-                <a:endParaRPr lang="en-US" dirty="0" smtClean="0"/>
+                <a:endParaRPr lang="en-US" dirty="0"/>
               </a:p>
               <a:p>
-                <a:pPr/>
                 <a:r>
                   <a:rPr lang="en-US" dirty="0" err="1"/>
                   <a:t>Trong</a:t>
@@ -10961,7 +10919,7 @@
                   </m:oMath>
                 </a14:m>
                 <a:r>
-                  <a:rPr lang="en-US" dirty="0" smtClean="0"/>
+                  <a:rPr lang="en-US" dirty="0"/>
                   <a:t> là </a:t>
                 </a:r>
                 <a:r>
@@ -11001,22 +10959,19 @@
                   <a:t>tuyến</a:t>
                 </a:r>
                 <a:r>
-                  <a:rPr lang="en-US" dirty="0" smtClean="0"/>
+                  <a:rPr lang="en-US" dirty="0"/>
                   <a:t>.</a:t>
                 </a:r>
               </a:p>
               <a:p>
-                <a:pPr/>
-                <a:endParaRPr lang="en-US" dirty="0" smtClean="0"/>
-              </a:p>
-              <a:p>
-                <a:pPr/>
                 <a:endParaRPr lang="en-US" dirty="0"/>
               </a:p>
               <a:p>
-                <a:pPr/>
-                <a:r>
-                  <a:rPr lang="en-US" dirty="0" smtClean="0"/>
+                <a:endParaRPr lang="en-US" dirty="0"/>
+              </a:p>
+              <a:p>
+                <a:r>
+                  <a:rPr lang="en-US" dirty="0"/>
                   <a:t> </a:t>
                 </a:r>
                 <a:r>
@@ -11287,7 +11242,7 @@
             </p:txBody>
           </p:sp>
         </mc:Choice>
-        <mc:Fallback>
+        <mc:Fallback xmlns="">
           <p:sp>
             <p:nvSpPr>
               <p:cNvPr id="3" name="Content Placeholder 2"/>
@@ -11420,10 +11375,10 @@
               <a:t> </a:t>
             </a:r>
             <a:r>
-              <a:rPr lang="en-US" dirty="0" err="1" smtClean="0"/>
+              <a:rPr lang="en-US" dirty="0" err="1"/>
               <a:t>sgn</a:t>
             </a:r>
-            <a:endParaRPr lang="en-US" dirty="0" smtClean="0"/>
+            <a:endParaRPr lang="en-US" dirty="0"/>
           </a:p>
           <a:p>
             <a:pPr lvl="1"/>
@@ -11431,7 +11386,7 @@
               <a:rPr lang="vi-VN" dirty="0"/>
               <a:t>Hàm sgn chỉ được sử dụng trong perceptron. </a:t>
             </a:r>
-            <a:endParaRPr lang="en-US" dirty="0" smtClean="0"/>
+            <a:endParaRPr lang="en-US" dirty="0"/>
           </a:p>
           <a:p>
             <a:pPr lvl="1"/>
@@ -11440,12 +11395,8 @@
           <a:p>
             <a:pPr lvl="1"/>
             <a:r>
-              <a:rPr lang="vi-VN" dirty="0" smtClean="0"/>
-              <a:t>Trong </a:t>
-            </a:r>
-            <a:r>
               <a:rPr lang="vi-VN" dirty="0"/>
-              <a:t>thực tế, hàm sgn không được sử dụng vì và đạo hàm tại hầu hết các điểm bằng 0 (trừ tại điểm 0 không có đạo hàm). Việc đạo hàm bằng 0 này khiến cho các thuật toán dựa trên gradient không hoạt động. </a:t>
+              <a:t>Trong thực tế, hàm sgn không được sử dụng vì và đạo hàm tại hầu hết các điểm bằng 0 (trừ tại điểm 0 không có đạo hàm). Việc đạo hàm bằng 0 này khiến cho các thuật toán dựa trên gradient không hoạt động. </a:t>
             </a:r>
             <a:endParaRPr lang="en-US" dirty="0"/>
           </a:p>
@@ -11584,10 +11535,10 @@
               <a:t> </a:t>
             </a:r>
             <a:r>
-              <a:rPr lang="en-US" dirty="0" err="1" smtClean="0"/>
+              <a:rPr lang="en-US" dirty="0" err="1"/>
               <a:t>tanh</a:t>
             </a:r>
-            <a:endParaRPr lang="en-US" dirty="0" smtClean="0"/>
+            <a:endParaRPr lang="en-US" dirty="0"/>
           </a:p>
           <a:p>
             <a:pPr lvl="1"/>
@@ -11624,14 +11575,14 @@
               <a:t>(−z))</a:t>
             </a:r>
             <a:r>
-              <a:rPr lang="vi-VN" dirty="0" smtClean="0"/>
+              <a:rPr lang="vi-VN" dirty="0"/>
               <a:t>. </a:t>
             </a:r>
-            <a:endParaRPr lang="en-US" dirty="0" smtClean="0"/>
+            <a:endParaRPr lang="en-US" dirty="0"/>
           </a:p>
           <a:p>
             <a:pPr lvl="1"/>
-            <a:endParaRPr lang="en-US" dirty="0" smtClean="0"/>
+            <a:endParaRPr lang="en-US" dirty="0"/>
           </a:p>
           <a:p>
             <a:pPr lvl="1"/>
@@ -11772,34 +11723,26 @@
               <a:t> </a:t>
             </a:r>
             <a:r>
-              <a:rPr lang="en-US" dirty="0" err="1" smtClean="0"/>
+              <a:rPr lang="en-US" dirty="0" err="1"/>
               <a:t>tanh</a:t>
             </a:r>
-            <a:endParaRPr lang="en-US" dirty="0" smtClean="0"/>
+            <a:endParaRPr lang="en-US" dirty="0"/>
           </a:p>
           <a:p>
             <a:pPr lvl="1"/>
             <a:r>
               <a:rPr lang="vi-VN" dirty="0"/>
-              <a:t>Một hàm tương tự thường được sử dụng và mang lại hiệu quả tốt hơn là hàm tanh với tanh(z) = exp(z) − exp (−z</a:t>
-            </a:r>
-            <a:r>
-              <a:rPr lang="vi-VN" dirty="0" smtClean="0"/>
-              <a:t>)</a:t>
-            </a:r>
-            <a:r>
-              <a:rPr lang="en-US" dirty="0" smtClean="0"/>
+              <a:t>Một hàm tương tự thường được sử dụng và mang lại hiệu quả tốt hơn là hàm tanh với tanh(z) = exp(z) − exp (−z)</a:t>
+            </a:r>
+            <a:r>
+              <a:rPr lang="en-US" dirty="0"/>
               <a:t> /</a:t>
             </a:r>
             <a:r>
-              <a:rPr lang="vi-VN" dirty="0" smtClean="0"/>
-              <a:t> </a:t>
-            </a:r>
-            <a:r>
               <a:rPr lang="vi-VN" dirty="0"/>
-              <a:t>exp(z) + exp(−z) . </a:t>
-            </a:r>
-            <a:endParaRPr lang="en-US" dirty="0" smtClean="0"/>
+              <a:t> exp(z) + exp(−z) . </a:t>
+            </a:r>
+            <a:endParaRPr lang="en-US" dirty="0"/>
           </a:p>
           <a:p>
             <a:pPr lvl="1"/>
@@ -11808,14 +11751,10 @@
           <a:p>
             <a:pPr lvl="1"/>
             <a:r>
-              <a:rPr lang="vi-VN" dirty="0" smtClean="0"/>
-              <a:t>Hàm </a:t>
-            </a:r>
-            <a:r>
               <a:rPr lang="vi-VN" dirty="0"/>
-              <a:t>số này có tính chất đầu ra chạy từ -1 đến 1, khiến cho nó có tính chất zero-centered, thay vì chỉ dương như hàm sigmoid. Gần đây, hàm sigmoid chỉ được sử dụng ở output layer khi yêu cầu của đầu ra là các giá trị nhị phân</a:t>
-            </a:r>
-            <a:endParaRPr lang="en-US" dirty="0" smtClean="0"/>
+              <a:t>Hàm số này có tính chất đầu ra chạy từ -1 đến 1, khiến cho nó có tính chất zero-centered, thay vì chỉ dương như hàm sigmoid. Gần đây, hàm sigmoid chỉ được sử dụng ở output layer khi yêu cầu của đầu ra là các giá trị nhị phân</a:t>
+            </a:r>
+            <a:endParaRPr lang="en-US" dirty="0"/>
           </a:p>
           <a:p>
             <a:pPr lvl="1"/>
@@ -11946,22 +11885,18 @@
           <a:lstStyle/>
           <a:p>
             <a:r>
-              <a:rPr lang="en-US" dirty="0" err="1" smtClean="0"/>
+              <a:rPr lang="en-US" dirty="0" err="1"/>
               <a:t>ReLU</a:t>
             </a:r>
-            <a:endParaRPr lang="en-US" dirty="0" smtClean="0"/>
+            <a:endParaRPr lang="en-US" dirty="0"/>
           </a:p>
           <a:p>
             <a:pPr lvl="1"/>
             <a:r>
               <a:rPr lang="vi-VN" dirty="0"/>
-              <a:t>ReLU (Rectified Linear Unit) được sử dụng rộng rãi gần đây vì tính đơn giản của </a:t>
-            </a:r>
-            <a:r>
-              <a:rPr lang="vi-VN" dirty="0" smtClean="0"/>
-              <a:t>nó</a:t>
-            </a:r>
-            <a:endParaRPr lang="en-US" dirty="0" smtClean="0"/>
+              <a:t>ReLU (Rectified Linear Unit) được sử dụng rộng rãi gần đây vì tính đơn giản của nó</a:t>
+            </a:r>
+            <a:endParaRPr lang="en-US" dirty="0"/>
           </a:p>
           <a:p>
             <a:pPr lvl="1"/>
@@ -11970,14 +11905,10 @@
           <a:p>
             <a:pPr lvl="1"/>
             <a:r>
-              <a:rPr lang="vi-VN" dirty="0" smtClean="0"/>
-              <a:t>Hàm </a:t>
-            </a:r>
-            <a:r>
               <a:rPr lang="vi-VN" dirty="0"/>
-              <a:t>ReLU có công thức toán học f(z) = max(0, z) - rất đơn giản, rất lợi về mặt tính toán. </a:t>
-            </a:r>
-            <a:endParaRPr lang="en-US" dirty="0" smtClean="0"/>
+              <a:t>Hàm ReLU có công thức toán học f(z) = max(0, z) - rất đơn giản, rất lợi về mặt tính toán. </a:t>
+            </a:r>
+            <a:endParaRPr lang="en-US" dirty="0"/>
           </a:p>
           <a:p>
             <a:pPr lvl="1"/>
@@ -11986,16 +11917,8 @@
           <a:p>
             <a:pPr lvl="1"/>
             <a:r>
-              <a:rPr lang="vi-VN" dirty="0" smtClean="0"/>
-              <a:t>Đạo </a:t>
-            </a:r>
-            <a:r>
               <a:rPr lang="vi-VN" dirty="0"/>
-              <a:t>hàm của nó bằng 0 tại các điểm âm, bằng 1 tại các điểm </a:t>
-            </a:r>
-            <a:r>
-              <a:rPr lang="vi-VN" dirty="0" smtClean="0"/>
-              <a:t>dương</a:t>
+              <a:t>Đạo hàm của nó bằng 0 tại các điểm âm, bằng 1 tại các điểm dương</a:t>
             </a:r>
             <a:endParaRPr lang="en-US" dirty="0"/>
           </a:p>
@@ -12100,15 +12023,14 @@
           <a:lstStyle/>
           <a:p>
             <a:r>
-              <a:rPr lang="en-US" dirty="0" smtClean="0"/>
+              <a:rPr lang="en-US" dirty="0"/>
               <a:t>SOFT-MAX FUNCTION</a:t>
             </a:r>
-            <a:endParaRPr lang="en-US" dirty="0"/>
           </a:p>
         </p:txBody>
       </p:sp>
-      <mc:AlternateContent xmlns:mc="http://schemas.openxmlformats.org/markup-compatibility/2006">
-        <mc:Choice xmlns:a14="http://schemas.microsoft.com/office/drawing/2010/main" Requires="a14">
+      <mc:AlternateContent xmlns:mc="http://schemas.openxmlformats.org/markup-compatibility/2006" xmlns:a14="http://schemas.microsoft.com/office/drawing/2010/main">
+        <mc:Choice Requires="a14">
           <p:sp>
             <p:nvSpPr>
               <p:cNvPr id="3" name="Content Placeholder 2"/>
@@ -12127,7 +12049,7 @@
               <a:lstStyle/>
               <a:p>
                 <a:r>
-                  <a:rPr lang="vi-VN" dirty="0" smtClean="0"/>
+                  <a:rPr lang="vi-VN" dirty="0"/>
                   <a:t>Chúng ta cần một mô hình xác suất sao cho với mỗi input</a:t>
                 </a:r>
                 <a14:m>
@@ -12147,7 +12069,7 @@
                   </m:oMath>
                 </a14:m>
                 <a:r>
-                  <a:rPr lang="vi-VN" dirty="0" smtClean="0"/>
+                  <a:rPr lang="vi-VN" dirty="0"/>
                   <a:t>, </a:t>
                 </a:r>
                 <a14:m>
@@ -12180,30 +12102,18 @@
                   </m:oMath>
                 </a14:m>
                 <a:r>
-                  <a:rPr lang="vi-VN" dirty="0" smtClean="0"/>
-                  <a:t> </a:t>
-                </a:r>
-                <a:r>
                   <a:rPr lang="vi-VN" dirty="0"/>
-                  <a:t>thể hiện xác suất để input đó rơi vào lớp thứ i</a:t>
-                </a:r>
-                <a:r>
-                  <a:rPr lang="vi-VN" dirty="0" smtClean="0"/>
-                  <a:t>.</a:t>
-                </a:r>
-                <a:endParaRPr lang="en-US" dirty="0" smtClean="0"/>
+                  <a:t> thể hiện xác suất để input đó rơi vào lớp thứ i.</a:t>
+                </a:r>
+                <a:endParaRPr lang="en-US" dirty="0"/>
               </a:p>
               <a:p>
                 <a:endParaRPr lang="en-US" dirty="0"/>
               </a:p>
               <a:p>
                 <a:r>
-                  <a:rPr lang="vi-VN" dirty="0" smtClean="0"/>
-                  <a:t> </a:t>
-                </a:r>
-                <a:r>
                   <a:rPr lang="vi-VN" dirty="0"/>
-                  <a:t>Vậy điều kiện cần là các </a:t>
+                  <a:t> Vậy điều kiện cần là các </a:t>
                 </a:r>
                 <a14:m>
                   <m:oMath xmlns:m="http://schemas.openxmlformats.org/officeDocument/2006/math">
@@ -12239,26 +12149,22 @@
                   <a:t> phải dương và tổng của chúng bằng </a:t>
                 </a:r>
                 <a:r>
-                  <a:rPr lang="en-US" dirty="0" smtClean="0"/>
+                  <a:rPr lang="en-US" dirty="0"/>
                   <a:t>1</a:t>
                 </a:r>
                 <a:r>
-                  <a:rPr lang="vi-VN" dirty="0" smtClean="0"/>
+                  <a:rPr lang="vi-VN" dirty="0"/>
                   <a:t>.</a:t>
                 </a:r>
-                <a:endParaRPr lang="en-US" dirty="0" smtClean="0"/>
+                <a:endParaRPr lang="en-US" dirty="0"/>
               </a:p>
               <a:p>
                 <a:endParaRPr lang="en-US" dirty="0"/>
               </a:p>
               <a:p>
                 <a:r>
-                  <a:rPr lang="vi-VN" dirty="0" smtClean="0"/>
-                  <a:t> </a:t>
-                </a:r>
-                <a:r>
                   <a:rPr lang="vi-VN" dirty="0"/>
-                  <a:t>Ngoài ra, ta sẽ thêm một điều kiện cũng rất tự nhiên nữa, đó là giá trị </a:t>
+                  <a:t> Ngoài ra, ta sẽ thêm một điều kiện cũng rất tự nhiên nữa, đó là giá trị </a:t>
                 </a:r>
                 <a14:m>
                   <m:oMath xmlns:m="http://schemas.openxmlformats.org/officeDocument/2006/math">
@@ -12341,14 +12247,10 @@
                   </m:oMath>
                 </a14:m>
                 <a:r>
-                  <a:rPr lang="vi-VN" dirty="0" smtClean="0"/>
-                  <a:t>càng </a:t>
-                </a:r>
-                <a:r>
                   <a:rPr lang="vi-VN" dirty="0"/>
-                  <a:t>lớn thì xác suất dữ liệu rơi vào lớp thứ i càng cao. </a:t>
-                </a:r>
-                <a:endParaRPr lang="en-US" dirty="0" smtClean="0"/>
+                  <a:t>càng lớn thì xác suất dữ liệu rơi vào lớp thứ i càng cao. </a:t>
+                </a:r>
+                <a:endParaRPr lang="en-US" dirty="0"/>
               </a:p>
               <a:p>
                 <a:pPr marL="0" indent="0">
@@ -12524,7 +12426,7 @@
                     </m:oMath>
                   </m:oMathPara>
                 </a14:m>
-                <a:endParaRPr lang="en-US" dirty="0" smtClean="0"/>
+                <a:endParaRPr lang="en-US" dirty="0"/>
               </a:p>
               <a:p>
                 <a:r>
@@ -12565,16 +12467,12 @@
                   <a:t> , thoả mãn tất cả các điều kiện đã xét: dương, tổng bằng </a:t>
                 </a:r>
                 <a:r>
-                  <a:rPr lang="en-US" dirty="0" smtClean="0"/>
+                  <a:rPr lang="en-US" dirty="0"/>
                   <a:t>1</a:t>
                 </a:r>
                 <a:r>
-                  <a:rPr lang="vi-VN" dirty="0" smtClean="0"/>
-                  <a:t>, </a:t>
-                </a:r>
-                <a:r>
                   <a:rPr lang="vi-VN" dirty="0"/>
-                  <a:t>giữ được thứ tự của </a:t>
+                  <a:t>, giữ được thứ tự của </a:t>
                 </a:r>
                 <a14:m>
                   <m:oMath xmlns:m="http://schemas.openxmlformats.org/officeDocument/2006/math">
@@ -12609,7 +12507,7 @@
                   <a:rPr lang="vi-VN" dirty="0"/>
                   <a:t> . Hàm số này được gọi là softmax function.</a:t>
                 </a:r>
-                <a:endParaRPr lang="en-US" dirty="0" smtClean="0"/>
+                <a:endParaRPr lang="en-US" dirty="0"/>
               </a:p>
               <a:p>
                 <a:pPr marL="0" indent="0">
@@ -12626,7 +12524,7 @@
             </p:txBody>
           </p:sp>
         </mc:Choice>
-        <mc:Fallback>
+        <mc:Fallback xmlns="">
           <p:sp>
             <p:nvSpPr>
               <p:cNvPr id="3" name="Content Placeholder 2"/>
@@ -12729,10 +12627,9 @@
           <a:lstStyle/>
           <a:p>
             <a:r>
-              <a:rPr lang="en-US" dirty="0" smtClean="0"/>
+              <a:rPr lang="en-US" dirty="0"/>
               <a:t>TRAIN, TEST, VALIDATION DATASET</a:t>
             </a:r>
-            <a:endParaRPr lang="en-US" dirty="0"/>
           </a:p>
         </p:txBody>
       </p:sp>
@@ -12755,25 +12652,17 @@
               <a:rPr lang="vi-VN" dirty="0"/>
               <a:t>Tập huấn luyện sẽ được dùng để tìm các tham số mô hình. </a:t>
             </a:r>
-            <a:endParaRPr lang="en-US" dirty="0" smtClean="0"/>
-          </a:p>
-          <a:p>
             <a:endParaRPr lang="en-US" dirty="0"/>
           </a:p>
           <a:p>
-            <a:r>
-              <a:rPr lang="vi-VN" dirty="0" smtClean="0"/>
-              <a:t>Tập </a:t>
-            </a:r>
+            <a:endParaRPr lang="en-US" dirty="0"/>
+          </a:p>
+          <a:p>
             <a:r>
               <a:rPr lang="vi-VN" dirty="0"/>
-              <a:t>kiểm thử được dùng để đánh giá năng lực của mô hình tìm </a:t>
-            </a:r>
-            <a:r>
-              <a:rPr lang="vi-VN" dirty="0" smtClean="0"/>
-              <a:t>được</a:t>
-            </a:r>
-            <a:endParaRPr lang="en-US" dirty="0" smtClean="0"/>
+              <a:t>Tập kiểm thử được dùng để đánh giá năng lực của mô hình tìm được</a:t>
+            </a:r>
+            <a:endParaRPr lang="en-US" dirty="0"/>
           </a:p>
           <a:p>
             <a:endParaRPr lang="en-US" dirty="0"/>
@@ -12957,10 +12846,9 @@
           <a:lstStyle/>
           <a:p>
             <a:r>
-              <a:rPr lang="en-US" dirty="0" smtClean="0"/>
+              <a:rPr lang="en-US" dirty="0"/>
               <a:t>CROSS VALIDATION</a:t>
             </a:r>
-            <a:endParaRPr lang="en-US" dirty="0"/>
           </a:p>
         </p:txBody>
       </p:sp>
@@ -12981,48 +12869,28 @@
           <a:p>
             <a:r>
               <a:rPr lang="vi-VN" dirty="0"/>
-              <a:t>Cross-validation là một cải tiến của validation với lượng dữ liệu trong validation set là nhỏ nhưng chất lượng mô hình được đánh giá trên nhiều tập validation khác nhau</a:t>
-            </a:r>
-            <a:r>
-              <a:rPr lang="vi-VN" dirty="0" smtClean="0"/>
-              <a:t>.</a:t>
+              <a:t>Cross-validation là một cải tiến của validation với lượng dữ liệu trong validation set là nhỏ nhưng chất lượng mô hình được đánh giá trên nhiều tập validation khác nhau.</a:t>
             </a:r>
             <a:endParaRPr lang="en-US" dirty="0"/>
           </a:p>
           <a:p>
             <a:r>
-              <a:rPr lang="vi-VN" dirty="0" smtClean="0"/>
-              <a:t> </a:t>
-            </a:r>
-            <a:r>
               <a:rPr lang="vi-VN" dirty="0"/>
-              <a:t>Một cách thường được sử dụng là chia training set ra k tập con không giao nhau, có kích thước gần bằng nhau. Tại mỗi lần, được gọi là một run, một trong số k tập con được lấy ra làm validation set. Nhiều mô hình khác nhau sẽ được xây dựng dựa vào hợp của k − 1 tập con còn </a:t>
-            </a:r>
-            <a:r>
-              <a:rPr lang="vi-VN" dirty="0" smtClean="0"/>
-              <a:t>lại.</a:t>
-            </a:r>
-            <a:endParaRPr lang="en-US" dirty="0" smtClean="0"/>
-          </a:p>
-          <a:p>
-            <a:r>
-              <a:rPr lang="vi-VN" dirty="0" smtClean="0"/>
-              <a:t>Mô </a:t>
-            </a:r>
+              <a:t> Một cách thường được sử dụng là chia training set ra k tập con không giao nhau, có kích thước gần bằng nhau. Tại mỗi lần, được gọi là một run, một trong số k tập con được lấy ra làm validation set. Nhiều mô hình khác nhau sẽ được xây dựng dựa vào hợp của k − 1 tập con còn lại.</a:t>
+            </a:r>
+            <a:endParaRPr lang="en-US" dirty="0"/>
+          </a:p>
+          <a:p>
             <a:r>
               <a:rPr lang="vi-VN" dirty="0"/>
-              <a:t>hình cuối được xác định dựa trên trung bình của các training error và validation error. Cách làm này còn có tên gọi là k-fold cross-validation. </a:t>
-            </a:r>
-            <a:endParaRPr lang="en-US" dirty="0" smtClean="0"/>
-          </a:p>
-          <a:p>
-            <a:r>
-              <a:rPr lang="vi-VN" dirty="0" smtClean="0"/>
-              <a:t>Khi </a:t>
-            </a:r>
+              <a:t>Mô hình cuối được xác định dựa trên trung bình của các training error và validation error. Cách làm này còn có tên gọi là k-fold cross-validation. </a:t>
+            </a:r>
+            <a:endParaRPr lang="en-US" dirty="0"/>
+          </a:p>
+          <a:p>
             <a:r>
               <a:rPr lang="vi-VN" dirty="0"/>
-              <a:t>k bằng với số lượng phần tử trong training set ban đầu, tức mỗi tập con có đúng một phần tử, ta gọi kỹ thuật này là leave-one-out.</a:t>
+              <a:t>Khi k bằng với số lượng phần tử trong training set ban đầu, tức mỗi tập con có đúng một phần tử, ta gọi kỹ thuật này là leave-one-out.</a:t>
             </a:r>
             <a:endParaRPr lang="en-US" dirty="0"/>
           </a:p>
@@ -13097,10 +12965,9 @@
           <a:lstStyle/>
           <a:p>
             <a:r>
-              <a:rPr lang="en-US" dirty="0" smtClean="0"/>
+              <a:rPr lang="en-US" dirty="0"/>
               <a:t>PREDICTION, RECALL, F1-SCORE, ACCURACY</a:t>
             </a:r>
-            <a:endParaRPr lang="en-US" dirty="0"/>
           </a:p>
         </p:txBody>
       </p:sp>
@@ -13179,7 +13046,7 @@
           <a:lstStyle/>
           <a:p>
             <a:r>
-              <a:rPr lang="en-US" dirty="0" smtClean="0">
+              <a:rPr lang="en-US" dirty="0">
                 <a:latin typeface="Times New Roman" panose="02020603050405020304" pitchFamily="18" charset="0"/>
                 <a:cs typeface="Times New Roman" panose="02020603050405020304" pitchFamily="18" charset="0"/>
               </a:rPr>
@@ -13194,40 +13061,40 @@
           </a:p>
           <a:p>
             <a:r>
-              <a:rPr lang="en-US" dirty="0" smtClean="0">
+              <a:rPr lang="en-US" dirty="0">
                 <a:latin typeface="Times New Roman" panose="02020603050405020304" pitchFamily="18" charset="0"/>
                 <a:cs typeface="Times New Roman" panose="02020603050405020304" pitchFamily="18" charset="0"/>
               </a:rPr>
               <a:t>Recall = TP / (</a:t>
             </a:r>
             <a:r>
-              <a:rPr lang="vi-VN" dirty="0" smtClean="0">
+              <a:rPr lang="vi-VN" dirty="0">
                 <a:latin typeface="Times New Roman" panose="02020603050405020304" pitchFamily="18" charset="0"/>
                 <a:cs typeface="Times New Roman" panose="02020603050405020304" pitchFamily="18" charset="0"/>
               </a:rPr>
               <a:t>TP + FN</a:t>
             </a:r>
             <a:r>
-              <a:rPr lang="en-US" dirty="0" smtClean="0">
+              <a:rPr lang="en-US" dirty="0">
                 <a:latin typeface="Times New Roman" panose="02020603050405020304" pitchFamily="18" charset="0"/>
                 <a:cs typeface="Times New Roman" panose="02020603050405020304" pitchFamily="18" charset="0"/>
               </a:rPr>
               <a:t>)</a:t>
             </a:r>
-            <a:endParaRPr lang="vi-VN" dirty="0" smtClean="0">
-              <a:latin typeface="Times New Roman" panose="02020603050405020304" pitchFamily="18" charset="0"/>
-              <a:cs typeface="Times New Roman" panose="02020603050405020304" pitchFamily="18" charset="0"/>
-            </a:endParaRPr>
-          </a:p>
-          <a:p>
             <a:endParaRPr lang="vi-VN" dirty="0">
               <a:latin typeface="Times New Roman" panose="02020603050405020304" pitchFamily="18" charset="0"/>
               <a:cs typeface="Times New Roman" panose="02020603050405020304" pitchFamily="18" charset="0"/>
             </a:endParaRPr>
           </a:p>
           <a:p>
-            <a:r>
-              <a:rPr lang="vi-VN" dirty="0" smtClean="0">
+            <a:endParaRPr lang="vi-VN" dirty="0">
+              <a:latin typeface="Times New Roman" panose="02020603050405020304" pitchFamily="18" charset="0"/>
+              <a:cs typeface="Times New Roman" panose="02020603050405020304" pitchFamily="18" charset="0"/>
+            </a:endParaRPr>
+          </a:p>
+          <a:p>
+            <a:r>
+              <a:rPr lang="vi-VN" dirty="0">
                 <a:latin typeface="Times New Roman" panose="02020603050405020304" pitchFamily="18" charset="0"/>
                 <a:cs typeface="Times New Roman" panose="02020603050405020304" pitchFamily="18" charset="0"/>
               </a:rPr>
@@ -13242,23 +13109,19 @@
           </a:p>
           <a:p>
             <a:r>
-              <a:rPr lang="vi-VN" dirty="0" smtClean="0">
+              <a:rPr lang="vi-VN" dirty="0">
                 <a:latin typeface="Times New Roman" panose="02020603050405020304" pitchFamily="18" charset="0"/>
                 <a:cs typeface="Times New Roman" panose="02020603050405020304" pitchFamily="18" charset="0"/>
               </a:rPr>
               <a:t>F1 = (2 TP ) / (2TP + FP + FN)</a:t>
             </a:r>
             <a:r>
-              <a:rPr lang="en-US" dirty="0" smtClean="0">
+              <a:rPr lang="en-US" dirty="0">
                 <a:latin typeface="Times New Roman" panose="02020603050405020304" pitchFamily="18" charset="0"/>
                 <a:cs typeface="Times New Roman" panose="02020603050405020304" pitchFamily="18" charset="0"/>
               </a:rPr>
               <a:t> </a:t>
             </a:r>
-            <a:endParaRPr lang="en-US" dirty="0">
-              <a:latin typeface="Times New Roman" panose="02020603050405020304" pitchFamily="18" charset="0"/>
-              <a:cs typeface="Times New Roman" panose="02020603050405020304" pitchFamily="18" charset="0"/>
-            </a:endParaRPr>
           </a:p>
         </p:txBody>
       </p:sp>
@@ -13308,10 +13171,9 @@
           <a:lstStyle/>
           <a:p>
             <a:r>
-              <a:rPr lang="en-US" dirty="0" smtClean="0"/>
+              <a:rPr lang="en-US" dirty="0"/>
               <a:t>OVERFITING AND REGULARIZATION</a:t>
             </a:r>
-            <a:endParaRPr lang="en-US" dirty="0"/>
           </a:p>
         </p:txBody>
       </p:sp>
@@ -13334,51 +13196,35 @@
               <a:rPr lang="vi-VN" dirty="0"/>
               <a:t>Overfitting là hiện tượng mô hình tìm được quá khớp với dữ liệu huấn luyện. </a:t>
             </a:r>
-            <a:endParaRPr lang="en-US" dirty="0" smtClean="0"/>
-          </a:p>
-          <a:p>
             <a:endParaRPr lang="en-US" dirty="0"/>
           </a:p>
           <a:p>
-            <a:r>
-              <a:rPr lang="vi-VN" dirty="0" smtClean="0"/>
-              <a:t>Việc </a:t>
-            </a:r>
+            <a:endParaRPr lang="en-US" dirty="0"/>
+          </a:p>
+          <a:p>
             <a:r>
               <a:rPr lang="vi-VN" dirty="0"/>
-              <a:t>này sẽ gây ra hậu quả lớn nếu trong training set có nhiễu. </a:t>
-            </a:r>
-            <a:endParaRPr lang="en-US" dirty="0" smtClean="0"/>
-          </a:p>
-          <a:p>
+              <a:t>Việc này sẽ gây ra hậu quả lớn nếu trong training set có nhiễu. </a:t>
+            </a:r>
             <a:endParaRPr lang="en-US" dirty="0"/>
           </a:p>
           <a:p>
-            <a:r>
-              <a:rPr lang="vi-VN" dirty="0" smtClean="0"/>
-              <a:t>Khi </a:t>
-            </a:r>
+            <a:endParaRPr lang="en-US" dirty="0"/>
+          </a:p>
+          <a:p>
             <a:r>
               <a:rPr lang="vi-VN" dirty="0"/>
-              <a:t>đó, mô hình quá chú trọng vào việc xấp xỉ training set mà quên đi việc quan trọng hơn là tính tổng quát, khiến cho mô hình không thực sự mô tả tốt dữ liệu ngoài training set</a:t>
-            </a:r>
-            <a:r>
-              <a:rPr lang="vi-VN" dirty="0" smtClean="0"/>
-              <a:t>.</a:t>
-            </a:r>
-            <a:endParaRPr lang="en-US" dirty="0" smtClean="0"/>
-          </a:p>
-          <a:p>
+              <a:t>Khi đó, mô hình quá chú trọng vào việc xấp xỉ training set mà quên đi việc quan trọng hơn là tính tổng quát, khiến cho mô hình không thực sự mô tả tốt dữ liệu ngoài training set.</a:t>
+            </a:r>
             <a:endParaRPr lang="en-US" dirty="0"/>
           </a:p>
           <a:p>
-            <a:r>
-              <a:rPr lang="vi-VN" dirty="0" smtClean="0"/>
-              <a:t> </a:t>
-            </a:r>
+            <a:endParaRPr lang="en-US" dirty="0"/>
+          </a:p>
+          <a:p>
             <a:r>
               <a:rPr lang="vi-VN" dirty="0"/>
-              <a:t>Overfitting đặc biệt xảy ra khi lượng dữ liệu huấn luyện quá nhỏ hoặc độ phức tạp của mô hình quá cao.</a:t>
+              <a:t> Overfitting đặc biệt xảy ra khi lượng dữ liệu huấn luyện quá nhỏ hoặc độ phức tạp của mô hình quá cao.</a:t>
             </a:r>
             <a:endParaRPr lang="en-US" dirty="0"/>
           </a:p>
@@ -13480,53 +13326,33 @@
               <a:rPr lang="vi-VN" dirty="0"/>
               <a:t>Một nhược điểm lớn của cross-validation là số lượng mô hình cần huấn luyện tỉ lệ thuận với k. </a:t>
             </a:r>
-            <a:endParaRPr lang="en-US" dirty="0" smtClean="0"/>
-          </a:p>
-          <a:p>
-            <a:r>
-              <a:rPr lang="vi-VN" dirty="0" smtClean="0"/>
-              <a:t>Điều </a:t>
-            </a:r>
+            <a:endParaRPr lang="en-US" dirty="0"/>
+          </a:p>
+          <a:p>
             <a:r>
               <a:rPr lang="vi-VN" dirty="0"/>
-              <a:t>đáng nói là mô hình polynomial regression như trên chỉ có một tham số liên quan đến độ phức tạp của mô hình cần xác định là bậc của đa thức. </a:t>
-            </a:r>
-            <a:endParaRPr lang="en-US" dirty="0" smtClean="0"/>
-          </a:p>
-          <a:p>
-            <a:r>
-              <a:rPr lang="vi-VN" dirty="0" smtClean="0"/>
-              <a:t>Trong </a:t>
-            </a:r>
+              <a:t>Điều đáng nói là mô hình polynomial regression như trên chỉ có một tham số liên quan đến độ phức tạp của mô hình cần xác định là bậc của đa thức. </a:t>
+            </a:r>
+            <a:endParaRPr lang="en-US" dirty="0"/>
+          </a:p>
+          <a:p>
             <a:r>
               <a:rPr lang="vi-VN" dirty="0"/>
-              <a:t>các nhiều bài toán, lượng tham số cần xác định thường lớn hơn nhiều, và khoảng giá trị của mỗi tham số cũng rộng hơn nhiều, chưa kể đến việc có những tham số có thể là số thực. </a:t>
-            </a:r>
-            <a:endParaRPr lang="en-US" dirty="0" smtClean="0"/>
-          </a:p>
-          <a:p>
-            <a:r>
-              <a:rPr lang="vi-VN" dirty="0" smtClean="0"/>
-              <a:t>Điều </a:t>
-            </a:r>
+              <a:t>Trong các nhiều bài toán, lượng tham số cần xác định thường lớn hơn nhiều, và khoảng giá trị của mỗi tham số cũng rộng hơn nhiều, chưa kể đến việc có những tham số có thể là số thực. </a:t>
+            </a:r>
+            <a:endParaRPr lang="en-US" dirty="0"/>
+          </a:p>
+          <a:p>
             <a:r>
               <a:rPr lang="vi-VN" dirty="0"/>
-              <a:t>này dẫn đến việc huấn luyện nhiều mô hình là khó khả thi. Có một kỹ thuật giúp số mô hình cần huấn luyện giảm đi nhiều, thậm chí chỉ một mô hình. Kỹ thuật này có tên gọi là regularization</a:t>
-            </a:r>
-            <a:r>
-              <a:rPr lang="vi-VN" dirty="0" smtClean="0"/>
-              <a:t>.</a:t>
-            </a:r>
-            <a:endParaRPr lang="en-US" dirty="0" smtClean="0"/>
-          </a:p>
-          <a:p>
-            <a:r>
-              <a:rPr lang="vi-VN" dirty="0" smtClean="0"/>
-              <a:t> </a:t>
-            </a:r>
+              <a:t>Điều này dẫn đến việc huấn luyện nhiều mô hình là khó khả thi. Có một kỹ thuật giúp số mô hình cần huấn luyện giảm đi nhiều, thậm chí chỉ một mô hình. Kỹ thuật này có tên gọi là regularization.</a:t>
+            </a:r>
+            <a:endParaRPr lang="en-US" dirty="0"/>
+          </a:p>
+          <a:p>
             <a:r>
               <a:rPr lang="vi-VN" dirty="0"/>
-              <a:t>Regularization, một cách dễ hiểu, là thay đổi mô hình một chút, chấp nhận hy sinh độ chính xác trong training set, nhưng giảm độ phức tạp của mô hình, giúp tránh overfitting trong khi vẫn giữ được tính tổng quát của nó. Dưới đây là một vài kỹ thuật regularization</a:t>
+              <a:t> Regularization, một cách dễ hiểu, là thay đổi mô hình một chút, chấp nhận hy sinh độ chính xác trong training set, nhưng giảm độ phức tạp của mô hình, giúp tránh overfitting trong khi vẫn giữ được tính tổng quát của nó. Dưới đây là một vài kỹ thuật regularization</a:t>
             </a:r>
             <a:endParaRPr lang="en-US" dirty="0"/>
           </a:p>
@@ -13601,10 +13427,9 @@
           <a:lstStyle/>
           <a:p>
             <a:r>
-              <a:rPr lang="en-US" dirty="0" smtClean="0"/>
+              <a:rPr lang="en-US" dirty="0"/>
               <a:t>DROP OUT</a:t>
             </a:r>
-            <a:endParaRPr lang="en-US" dirty="0"/>
           </a:p>
         </p:txBody>
       </p:sp>
@@ -13627,57 +13452,31 @@
           <a:p>
             <a:r>
               <a:rPr lang="vi-VN" dirty="0"/>
-              <a:t>Như ta đã biết overfitting là một vấn nạn đối với Machine Learning, đặc biệt là trong mạng NN</a:t>
-            </a:r>
-            <a:r>
-              <a:rPr lang="vi-VN" dirty="0" smtClean="0"/>
-              <a:t>.</a:t>
-            </a:r>
-          </a:p>
-          <a:p>
-            <a:r>
-              <a:rPr lang="vi-VN" dirty="0" smtClean="0"/>
-              <a:t> </a:t>
-            </a:r>
+              <a:t>Như ta đã biết overfitting là một vấn nạn đối với Machine Learning, đặc biệt là trong mạng NN.</a:t>
+            </a:r>
+          </a:p>
+          <a:p>
             <a:r>
               <a:rPr lang="vi-VN" dirty="0"/>
-              <a:t>Khi muốn cho mô hình trở nên phức tạp hơn, ta thường tăng số lượng layer và số lượng unit của mỗi layer thay vì tăng bậc của feature như trước đây đã đề cập. </a:t>
-            </a:r>
-            <a:endParaRPr lang="vi-VN" dirty="0" smtClean="0"/>
-          </a:p>
-          <a:p>
-            <a:r>
-              <a:rPr lang="vi-VN" dirty="0" smtClean="0"/>
-              <a:t>Nhưng </a:t>
-            </a:r>
+              <a:t> Khi muốn cho mô hình trở nên phức tạp hơn, ta thường tăng số lượng layer và số lượng unit của mỗi layer thay vì tăng bậc của feature như trước đây đã đề cập. </a:t>
+            </a:r>
+          </a:p>
+          <a:p>
             <a:r>
               <a:rPr lang="vi-VN" dirty="0"/>
-              <a:t>khi mô hình phức tạp hơn, overfitting bắt đầu xuất hiện, vì số lượng tham số trong mạng NN nhiều và có “độ sâu” khác nhau, vì vậy khi áp dụng chung 𝝺 cho tất cả các tham số sẽ yêu cầu số lần training lớn để tìm được 𝝺 phù hợp. Có một kĩ thuật dành riêng cho mạng NN và khá đơn giản, đó là Drop-out (một kĩ thuật khác được biết đến tương tự là Drop-Connect). </a:t>
-            </a:r>
-            <a:endParaRPr lang="vi-VN" dirty="0" smtClean="0"/>
-          </a:p>
-          <a:p>
-            <a:r>
-              <a:rPr lang="vi-VN" dirty="0" smtClean="0"/>
-              <a:t>Drop-out </a:t>
-            </a:r>
+              <a:t>Nhưng khi mô hình phức tạp hơn, overfitting bắt đầu xuất hiện, vì số lượng tham số trong mạng NN nhiều và có “độ sâu” khác nhau, vì vậy khi áp dụng chung 𝝺 cho tất cả các tham số sẽ yêu cầu số lần training lớn để tìm được 𝝺 phù hợp. Có một kĩ thuật dành riêng cho mạng NN và khá đơn giản, đó là Drop-out (một kĩ thuật khác được biết đến tương tự là Drop-Connect). </a:t>
+            </a:r>
+          </a:p>
+          <a:p>
             <a:r>
               <a:rPr lang="vi-VN" dirty="0"/>
-              <a:t>là một kĩ thuật Regularization để chống lại vấn đề </a:t>
-            </a:r>
-            <a:r>
-              <a:rPr lang="vi-VN" dirty="0" smtClean="0"/>
-              <a:t>overfitting.</a:t>
-            </a:r>
-          </a:p>
-          <a:p>
-            <a:r>
-              <a:rPr lang="vi-VN" dirty="0" smtClean="0"/>
-              <a:t>Cách </a:t>
-            </a:r>
+              <a:t>Drop-out là một kĩ thuật Regularization để chống lại vấn đề overfitting.</a:t>
+            </a:r>
+          </a:p>
+          <a:p>
             <a:r>
               <a:rPr lang="vi-VN" dirty="0"/>
-              <a:t>Drop-out thực hiện là xoá bỏ một số unit trong các step training ứng với một giá trị xác suất </a:t>
+              <a:t>Cách Drop-out thực hiện là xoá bỏ một số unit trong các step training ứng với một giá trị xác suất </a:t>
             </a:r>
             <a:r>
               <a:rPr lang="vi-VN" b="1" dirty="0"/>
@@ -13728,6 +13527,1703 @@
 </file>
 
 <file path=ppt/slides/slide25.xml><?xml version="1.0" encoding="utf-8"?>
+<p:sld xmlns:a="http://schemas.openxmlformats.org/drawingml/2006/main" xmlns:r="http://schemas.openxmlformats.org/officeDocument/2006/relationships" xmlns:p="http://schemas.openxmlformats.org/presentationml/2006/main">
+  <p:cSld>
+    <p:spTree>
+      <p:nvGrpSpPr>
+        <p:cNvPr id="1" name=""/>
+        <p:cNvGrpSpPr/>
+        <p:nvPr/>
+      </p:nvGrpSpPr>
+      <p:grpSpPr>
+        <a:xfrm>
+          <a:off x="0" y="0"/>
+          <a:ext cx="0" cy="0"/>
+          <a:chOff x="0" y="0"/>
+          <a:chExt cx="0" cy="0"/>
+        </a:xfrm>
+      </p:grpSpPr>
+      <p:sp>
+        <p:nvSpPr>
+          <p:cNvPr id="2" name="Title 1">
+            <a:extLst>
+              <a:ext uri="{FF2B5EF4-FFF2-40B4-BE49-F238E27FC236}">
+                <a16:creationId xmlns:a16="http://schemas.microsoft.com/office/drawing/2014/main" id="{88253030-A42D-CD49-A056-B92A7BA5C9F0}"/>
+              </a:ext>
+            </a:extLst>
+          </p:cNvPr>
+          <p:cNvSpPr>
+            <a:spLocks noGrp="1"/>
+          </p:cNvSpPr>
+          <p:nvPr>
+            <p:ph type="title"/>
+          </p:nvPr>
+        </p:nvSpPr>
+        <p:spPr/>
+        <p:txBody>
+          <a:bodyPr/>
+          <a:lstStyle/>
+          <a:p>
+            <a:r>
+              <a:rPr lang="en-US" dirty="0"/>
+              <a:t>ARTIFICIAL NEURAL NETWORK</a:t>
+            </a:r>
+            <a:br>
+              <a:rPr lang="en-US" dirty="0"/>
+            </a:br>
+            <a:r>
+              <a:rPr lang="en-US" dirty="0"/>
+              <a:t>(ANN)</a:t>
+            </a:r>
+          </a:p>
+        </p:txBody>
+      </p:sp>
+      <p:sp>
+        <p:nvSpPr>
+          <p:cNvPr id="3" name="Content Placeholder 2">
+            <a:extLst>
+              <a:ext uri="{FF2B5EF4-FFF2-40B4-BE49-F238E27FC236}">
+                <a16:creationId xmlns:a16="http://schemas.microsoft.com/office/drawing/2014/main" id="{67BDD05A-EC95-6A49-8804-011D57862F6B}"/>
+              </a:ext>
+            </a:extLst>
+          </p:cNvPr>
+          <p:cNvSpPr>
+            <a:spLocks noGrp="1"/>
+          </p:cNvSpPr>
+          <p:nvPr>
+            <p:ph idx="1"/>
+          </p:nvPr>
+        </p:nvSpPr>
+        <p:spPr/>
+        <p:txBody>
+          <a:bodyPr/>
+          <a:lstStyle/>
+          <a:p>
+            <a:r>
+              <a:rPr lang="vi-VN" dirty="0"/>
+              <a:t>Gồm 3 thành phần chính: Input layer và output layer chỉ gồm 1 layer , hidden layer có thể có 1 hay nhiều layer tùy vào bài toán cụ thể.</a:t>
+            </a:r>
+          </a:p>
+          <a:p>
+            <a:endParaRPr lang="vi-VN" dirty="0"/>
+          </a:p>
+          <a:p>
+            <a:endParaRPr lang="vi-VN" dirty="0"/>
+          </a:p>
+          <a:p>
+            <a:endParaRPr lang="en-US" dirty="0"/>
+          </a:p>
+        </p:txBody>
+      </p:sp>
+      <p:sp>
+        <p:nvSpPr>
+          <p:cNvPr id="4" name="Slide Number Placeholder 3">
+            <a:extLst>
+              <a:ext uri="{FF2B5EF4-FFF2-40B4-BE49-F238E27FC236}">
+                <a16:creationId xmlns:a16="http://schemas.microsoft.com/office/drawing/2014/main" id="{14F1E5AE-B1E5-6840-B9A3-EBBD7FF8F381}"/>
+              </a:ext>
+            </a:extLst>
+          </p:cNvPr>
+          <p:cNvSpPr>
+            <a:spLocks noGrp="1"/>
+          </p:cNvSpPr>
+          <p:nvPr>
+            <p:ph type="sldNum" sz="quarter" idx="12"/>
+          </p:nvPr>
+        </p:nvSpPr>
+        <p:spPr/>
+        <p:txBody>
+          <a:bodyPr/>
+          <a:lstStyle/>
+          <a:p>
+            <a:fld id="{20B7F220-0825-4B9B-9156-FF79F33775FE}" type="slidenum">
+              <a:rPr lang="vi-VN" smtClean="0"/>
+              <a:t>25</a:t>
+            </a:fld>
+            <a:endParaRPr lang="vi-VN"/>
+          </a:p>
+        </p:txBody>
+      </p:sp>
+      <p:pic>
+        <p:nvPicPr>
+          <p:cNvPr id="5" name="Picture 4">
+            <a:extLst>
+              <a:ext uri="{FF2B5EF4-FFF2-40B4-BE49-F238E27FC236}">
+                <a16:creationId xmlns:a16="http://schemas.microsoft.com/office/drawing/2014/main" id="{1D98DF66-91FA-AC44-9CCF-50035D4DF563}"/>
+              </a:ext>
+            </a:extLst>
+          </p:cNvPr>
+          <p:cNvPicPr>
+            <a:picLocks noChangeAspect="1"/>
+          </p:cNvPicPr>
+          <p:nvPr/>
+        </p:nvPicPr>
+        <p:blipFill>
+          <a:blip r:embed="rId2"/>
+          <a:stretch>
+            <a:fillRect/>
+          </a:stretch>
+        </p:blipFill>
+        <p:spPr>
+          <a:xfrm>
+            <a:off x="1066800" y="2263783"/>
+            <a:ext cx="6985000" cy="4457700"/>
+          </a:xfrm>
+          <a:prstGeom prst="rect">
+            <a:avLst/>
+          </a:prstGeom>
+        </p:spPr>
+      </p:pic>
+    </p:spTree>
+    <p:extLst>
+      <p:ext uri="{BB962C8B-B14F-4D97-AF65-F5344CB8AC3E}">
+        <p14:creationId xmlns:p14="http://schemas.microsoft.com/office/powerpoint/2010/main" val="3313630628"/>
+      </p:ext>
+    </p:extLst>
+  </p:cSld>
+  <p:clrMapOvr>
+    <a:masterClrMapping/>
+  </p:clrMapOvr>
+</p:sld>
+</file>
+
+<file path=ppt/slides/slide26.xml><?xml version="1.0" encoding="utf-8"?>
+<p:sld xmlns:a="http://schemas.openxmlformats.org/drawingml/2006/main" xmlns:r="http://schemas.openxmlformats.org/officeDocument/2006/relationships" xmlns:p="http://schemas.openxmlformats.org/presentationml/2006/main">
+  <p:cSld>
+    <p:spTree>
+      <p:nvGrpSpPr>
+        <p:cNvPr id="1" name=""/>
+        <p:cNvGrpSpPr/>
+        <p:nvPr/>
+      </p:nvGrpSpPr>
+      <p:grpSpPr>
+        <a:xfrm>
+          <a:off x="0" y="0"/>
+          <a:ext cx="0" cy="0"/>
+          <a:chOff x="0" y="0"/>
+          <a:chExt cx="0" cy="0"/>
+        </a:xfrm>
+      </p:grpSpPr>
+      <p:sp>
+        <p:nvSpPr>
+          <p:cNvPr id="2" name="Title 1">
+            <a:extLst>
+              <a:ext uri="{FF2B5EF4-FFF2-40B4-BE49-F238E27FC236}">
+                <a16:creationId xmlns:a16="http://schemas.microsoft.com/office/drawing/2014/main" id="{DC9C3364-FCF5-7C4A-BB2B-DB1B14C55908}"/>
+              </a:ext>
+            </a:extLst>
+          </p:cNvPr>
+          <p:cNvSpPr>
+            <a:spLocks noGrp="1"/>
+          </p:cNvSpPr>
+          <p:nvPr>
+            <p:ph type="title"/>
+          </p:nvPr>
+        </p:nvSpPr>
+        <p:spPr/>
+        <p:txBody>
+          <a:bodyPr/>
+          <a:lstStyle/>
+          <a:p>
+            <a:r>
+              <a:rPr lang="en-US" dirty="0"/>
+              <a:t>ARTIFICIAL NEURAL NETWORK</a:t>
+            </a:r>
+            <a:br>
+              <a:rPr lang="en-US" dirty="0"/>
+            </a:br>
+            <a:r>
+              <a:rPr lang="en-US" dirty="0"/>
+              <a:t>(ANN)</a:t>
+            </a:r>
+          </a:p>
+        </p:txBody>
+      </p:sp>
+      <p:sp>
+        <p:nvSpPr>
+          <p:cNvPr id="3" name="Content Placeholder 2">
+            <a:extLst>
+              <a:ext uri="{FF2B5EF4-FFF2-40B4-BE49-F238E27FC236}">
+                <a16:creationId xmlns:a16="http://schemas.microsoft.com/office/drawing/2014/main" id="{3B7DC6C4-BC6B-6043-BC9C-ADEACDFF2125}"/>
+              </a:ext>
+            </a:extLst>
+          </p:cNvPr>
+          <p:cNvSpPr>
+            <a:spLocks noGrp="1"/>
+          </p:cNvSpPr>
+          <p:nvPr>
+            <p:ph idx="1"/>
+          </p:nvPr>
+        </p:nvSpPr>
+        <p:spPr/>
+        <p:txBody>
+          <a:bodyPr/>
+          <a:lstStyle/>
+          <a:p>
+            <a:r>
+              <a:rPr lang="en-US" dirty="0" err="1"/>
+              <a:t>Mỗi</a:t>
+            </a:r>
+            <a:r>
+              <a:rPr lang="en-US" dirty="0"/>
+              <a:t> </a:t>
+            </a:r>
+            <a:r>
+              <a:rPr lang="en-US" dirty="0" err="1"/>
+              <a:t>tầng</a:t>
+            </a:r>
+            <a:r>
+              <a:rPr lang="en-US" dirty="0"/>
+              <a:t> </a:t>
+            </a:r>
+            <a:r>
+              <a:rPr lang="en-US" dirty="0" err="1"/>
+              <a:t>gồm</a:t>
+            </a:r>
+            <a:r>
+              <a:rPr lang="en-US" dirty="0"/>
+              <a:t> </a:t>
+            </a:r>
+            <a:r>
+              <a:rPr lang="en-US" dirty="0" err="1"/>
+              <a:t>các</a:t>
+            </a:r>
+            <a:r>
+              <a:rPr lang="en-US" dirty="0"/>
+              <a:t> perceptron </a:t>
+            </a:r>
+            <a:r>
+              <a:rPr lang="en-US" dirty="0" err="1"/>
+              <a:t>nhận</a:t>
+            </a:r>
+            <a:r>
+              <a:rPr lang="en-US" dirty="0"/>
+              <a:t> </a:t>
+            </a:r>
+            <a:r>
+              <a:rPr lang="en-US" dirty="0" err="1"/>
+              <a:t>một</a:t>
+            </a:r>
+            <a:r>
+              <a:rPr lang="en-US" dirty="0"/>
+              <a:t> </a:t>
+            </a:r>
+            <a:r>
+              <a:rPr lang="en-US" dirty="0" err="1"/>
+              <a:t>hoặc</a:t>
+            </a:r>
+            <a:r>
+              <a:rPr lang="en-US" dirty="0"/>
+              <a:t> </a:t>
+            </a:r>
+            <a:r>
+              <a:rPr lang="en-US" dirty="0" err="1"/>
+              <a:t>nhiều</a:t>
+            </a:r>
+            <a:r>
+              <a:rPr lang="en-US" dirty="0"/>
+              <a:t> </a:t>
+            </a:r>
+            <a:r>
+              <a:rPr lang="en-US" dirty="0" err="1"/>
+              <a:t>đầu</a:t>
+            </a:r>
+            <a:r>
+              <a:rPr lang="en-US" dirty="0"/>
+              <a:t> </a:t>
+            </a:r>
+            <a:r>
+              <a:rPr lang="en-US" dirty="0" err="1"/>
+              <a:t>vào</a:t>
+            </a:r>
+            <a:r>
+              <a:rPr lang="en-US" dirty="0"/>
+              <a:t> </a:t>
+            </a:r>
+            <a:r>
+              <a:rPr lang="en-US" dirty="0" err="1"/>
+              <a:t>và</a:t>
+            </a:r>
+            <a:r>
+              <a:rPr lang="en-US" dirty="0"/>
+              <a:t> </a:t>
+            </a:r>
+            <a:r>
+              <a:rPr lang="en-US" dirty="0" err="1"/>
+              <a:t>cho</a:t>
+            </a:r>
+            <a:r>
+              <a:rPr lang="en-US" dirty="0"/>
+              <a:t> ra </a:t>
+            </a:r>
+            <a:r>
+              <a:rPr lang="en-US" dirty="0" err="1"/>
+              <a:t>một</a:t>
+            </a:r>
+            <a:r>
+              <a:rPr lang="en-US" dirty="0"/>
+              <a:t> </a:t>
+            </a:r>
+            <a:r>
+              <a:rPr lang="en-US" dirty="0" err="1"/>
+              <a:t>kết</a:t>
+            </a:r>
+            <a:r>
+              <a:rPr lang="en-US" dirty="0"/>
+              <a:t> </a:t>
+            </a:r>
+            <a:r>
+              <a:rPr lang="en-US" dirty="0" err="1"/>
+              <a:t>quả</a:t>
+            </a:r>
+            <a:r>
+              <a:rPr lang="en-US" dirty="0"/>
+              <a:t> </a:t>
+            </a:r>
+            <a:r>
+              <a:rPr lang="en-US" dirty="0" err="1"/>
+              <a:t>duy</a:t>
+            </a:r>
+            <a:r>
+              <a:rPr lang="en-US" dirty="0"/>
+              <a:t> </a:t>
+            </a:r>
+            <a:r>
+              <a:rPr lang="en-US" dirty="0" err="1"/>
+              <a:t>nhất</a:t>
+            </a:r>
+            <a:r>
+              <a:rPr lang="en-US" dirty="0"/>
+              <a:t>.</a:t>
+            </a:r>
+          </a:p>
+          <a:p>
+            <a:endParaRPr lang="en-US" dirty="0"/>
+          </a:p>
+        </p:txBody>
+      </p:sp>
+      <p:sp>
+        <p:nvSpPr>
+          <p:cNvPr id="4" name="Slide Number Placeholder 3">
+            <a:extLst>
+              <a:ext uri="{FF2B5EF4-FFF2-40B4-BE49-F238E27FC236}">
+                <a16:creationId xmlns:a16="http://schemas.microsoft.com/office/drawing/2014/main" id="{5C1F0C65-8ED6-4143-9C0B-475A073EFD68}"/>
+              </a:ext>
+            </a:extLst>
+          </p:cNvPr>
+          <p:cNvSpPr>
+            <a:spLocks noGrp="1"/>
+          </p:cNvSpPr>
+          <p:nvPr>
+            <p:ph type="sldNum" sz="quarter" idx="12"/>
+          </p:nvPr>
+        </p:nvSpPr>
+        <p:spPr/>
+        <p:txBody>
+          <a:bodyPr/>
+          <a:lstStyle/>
+          <a:p>
+            <a:fld id="{20B7F220-0825-4B9B-9156-FF79F33775FE}" type="slidenum">
+              <a:rPr lang="vi-VN" smtClean="0"/>
+              <a:t>26</a:t>
+            </a:fld>
+            <a:endParaRPr lang="vi-VN"/>
+          </a:p>
+        </p:txBody>
+      </p:sp>
+      <p:pic>
+        <p:nvPicPr>
+          <p:cNvPr id="6" name="Picture 5">
+            <a:extLst>
+              <a:ext uri="{FF2B5EF4-FFF2-40B4-BE49-F238E27FC236}">
+                <a16:creationId xmlns:a16="http://schemas.microsoft.com/office/drawing/2014/main" id="{998F965E-A7AA-834C-BD51-6CE79985D08E}"/>
+              </a:ext>
+            </a:extLst>
+          </p:cNvPr>
+          <p:cNvPicPr>
+            <a:picLocks noChangeAspect="1"/>
+          </p:cNvPicPr>
+          <p:nvPr/>
+        </p:nvPicPr>
+        <p:blipFill>
+          <a:blip r:embed="rId2"/>
+          <a:stretch>
+            <a:fillRect/>
+          </a:stretch>
+        </p:blipFill>
+        <p:spPr>
+          <a:xfrm>
+            <a:off x="1578085" y="2747827"/>
+            <a:ext cx="5987830" cy="2509967"/>
+          </a:xfrm>
+          <a:prstGeom prst="rect">
+            <a:avLst/>
+          </a:prstGeom>
+        </p:spPr>
+      </p:pic>
+    </p:spTree>
+    <p:extLst>
+      <p:ext uri="{BB962C8B-B14F-4D97-AF65-F5344CB8AC3E}">
+        <p14:creationId xmlns:p14="http://schemas.microsoft.com/office/powerpoint/2010/main" val="393616638"/>
+      </p:ext>
+    </p:extLst>
+  </p:cSld>
+  <p:clrMapOvr>
+    <a:masterClrMapping/>
+  </p:clrMapOvr>
+</p:sld>
+</file>
+
+<file path=ppt/slides/slide27.xml><?xml version="1.0" encoding="utf-8"?>
+<p:sld xmlns:a="http://schemas.openxmlformats.org/drawingml/2006/main" xmlns:r="http://schemas.openxmlformats.org/officeDocument/2006/relationships" xmlns:p="http://schemas.openxmlformats.org/presentationml/2006/main">
+  <p:cSld>
+    <p:spTree>
+      <p:nvGrpSpPr>
+        <p:cNvPr id="1" name=""/>
+        <p:cNvGrpSpPr/>
+        <p:nvPr/>
+      </p:nvGrpSpPr>
+      <p:grpSpPr>
+        <a:xfrm>
+          <a:off x="0" y="0"/>
+          <a:ext cx="0" cy="0"/>
+          <a:chOff x="0" y="0"/>
+          <a:chExt cx="0" cy="0"/>
+        </a:xfrm>
+      </p:grpSpPr>
+      <p:sp>
+        <p:nvSpPr>
+          <p:cNvPr id="2" name="Title 1">
+            <a:extLst>
+              <a:ext uri="{FF2B5EF4-FFF2-40B4-BE49-F238E27FC236}">
+                <a16:creationId xmlns:a16="http://schemas.microsoft.com/office/drawing/2014/main" id="{0B32C399-5819-4F40-BA70-D0A8802FD3A7}"/>
+              </a:ext>
+            </a:extLst>
+          </p:cNvPr>
+          <p:cNvSpPr>
+            <a:spLocks noGrp="1"/>
+          </p:cNvSpPr>
+          <p:nvPr>
+            <p:ph type="title"/>
+          </p:nvPr>
+        </p:nvSpPr>
+        <p:spPr/>
+        <p:txBody>
+          <a:bodyPr/>
+          <a:lstStyle/>
+          <a:p>
+            <a:r>
+              <a:rPr lang="en-US" dirty="0"/>
+              <a:t>ARTIFICIAL NEURAL NETWORK</a:t>
+            </a:r>
+            <a:br>
+              <a:rPr lang="en-US" dirty="0"/>
+            </a:br>
+            <a:r>
+              <a:rPr lang="en-US" dirty="0"/>
+              <a:t>(ANN)</a:t>
+            </a:r>
+          </a:p>
+        </p:txBody>
+      </p:sp>
+      <p:sp>
+        <p:nvSpPr>
+          <p:cNvPr id="3" name="Content Placeholder 2">
+            <a:extLst>
+              <a:ext uri="{FF2B5EF4-FFF2-40B4-BE49-F238E27FC236}">
+                <a16:creationId xmlns:a16="http://schemas.microsoft.com/office/drawing/2014/main" id="{AFCA0498-AC95-0B47-AB3E-C4F3D75E69A5}"/>
+              </a:ext>
+            </a:extLst>
+          </p:cNvPr>
+          <p:cNvSpPr>
+            <a:spLocks noGrp="1"/>
+          </p:cNvSpPr>
+          <p:nvPr>
+            <p:ph idx="1"/>
+          </p:nvPr>
+        </p:nvSpPr>
+        <p:spPr/>
+        <p:txBody>
+          <a:bodyPr/>
+          <a:lstStyle/>
+          <a:p>
+            <a:r>
+              <a:rPr lang="en-US" dirty="0" err="1"/>
+              <a:t>Quy</a:t>
+            </a:r>
+            <a:r>
+              <a:rPr lang="en-US" dirty="0"/>
+              <a:t> </a:t>
+            </a:r>
+            <a:r>
+              <a:rPr lang="en-US" dirty="0" err="1"/>
+              <a:t>trình</a:t>
+            </a:r>
+            <a:r>
+              <a:rPr lang="en-US" dirty="0"/>
+              <a:t> </a:t>
+            </a:r>
+            <a:r>
+              <a:rPr lang="en-US" dirty="0" err="1"/>
+              <a:t>của</a:t>
+            </a:r>
+            <a:r>
+              <a:rPr lang="en-US" dirty="0"/>
+              <a:t> </a:t>
+            </a:r>
+            <a:r>
+              <a:rPr lang="en-US" dirty="0" err="1"/>
+              <a:t>mạng</a:t>
+            </a:r>
+            <a:r>
+              <a:rPr lang="en-US" dirty="0"/>
+              <a:t> ANN</a:t>
+            </a:r>
+          </a:p>
+        </p:txBody>
+      </p:sp>
+      <p:sp>
+        <p:nvSpPr>
+          <p:cNvPr id="4" name="Slide Number Placeholder 3">
+            <a:extLst>
+              <a:ext uri="{FF2B5EF4-FFF2-40B4-BE49-F238E27FC236}">
+                <a16:creationId xmlns:a16="http://schemas.microsoft.com/office/drawing/2014/main" id="{08962CE1-3EF1-0D44-915E-58486D5D5444}"/>
+              </a:ext>
+            </a:extLst>
+          </p:cNvPr>
+          <p:cNvSpPr>
+            <a:spLocks noGrp="1"/>
+          </p:cNvSpPr>
+          <p:nvPr>
+            <p:ph type="sldNum" sz="quarter" idx="12"/>
+          </p:nvPr>
+        </p:nvSpPr>
+        <p:spPr/>
+        <p:txBody>
+          <a:bodyPr/>
+          <a:lstStyle/>
+          <a:p>
+            <a:fld id="{20B7F220-0825-4B9B-9156-FF79F33775FE}" type="slidenum">
+              <a:rPr lang="vi-VN" smtClean="0"/>
+              <a:t>27</a:t>
+            </a:fld>
+            <a:endParaRPr lang="vi-VN"/>
+          </a:p>
+        </p:txBody>
+      </p:sp>
+      <p:pic>
+        <p:nvPicPr>
+          <p:cNvPr id="6" name="Picture 5">
+            <a:extLst>
+              <a:ext uri="{FF2B5EF4-FFF2-40B4-BE49-F238E27FC236}">
+                <a16:creationId xmlns:a16="http://schemas.microsoft.com/office/drawing/2014/main" id="{E22EB181-61F2-354B-8E43-91F6ECFBA191}"/>
+              </a:ext>
+            </a:extLst>
+          </p:cNvPr>
+          <p:cNvPicPr>
+            <a:picLocks noChangeAspect="1"/>
+          </p:cNvPicPr>
+          <p:nvPr/>
+        </p:nvPicPr>
+        <p:blipFill>
+          <a:blip r:embed="rId2"/>
+          <a:stretch>
+            <a:fillRect/>
+          </a:stretch>
+        </p:blipFill>
+        <p:spPr>
+          <a:xfrm>
+            <a:off x="165964" y="2698492"/>
+            <a:ext cx="8812071" cy="3276601"/>
+          </a:xfrm>
+          <a:prstGeom prst="rect">
+            <a:avLst/>
+          </a:prstGeom>
+        </p:spPr>
+      </p:pic>
+    </p:spTree>
+    <p:extLst>
+      <p:ext uri="{BB962C8B-B14F-4D97-AF65-F5344CB8AC3E}">
+        <p14:creationId xmlns:p14="http://schemas.microsoft.com/office/powerpoint/2010/main" val="872401943"/>
+      </p:ext>
+    </p:extLst>
+  </p:cSld>
+  <p:clrMapOvr>
+    <a:masterClrMapping/>
+  </p:clrMapOvr>
+</p:sld>
+</file>
+
+<file path=ppt/slides/slide28.xml><?xml version="1.0" encoding="utf-8"?>
+<p:sld xmlns:a="http://schemas.openxmlformats.org/drawingml/2006/main" xmlns:r="http://schemas.openxmlformats.org/officeDocument/2006/relationships" xmlns:p="http://schemas.openxmlformats.org/presentationml/2006/main">
+  <p:cSld>
+    <p:spTree>
+      <p:nvGrpSpPr>
+        <p:cNvPr id="1" name=""/>
+        <p:cNvGrpSpPr/>
+        <p:nvPr/>
+      </p:nvGrpSpPr>
+      <p:grpSpPr>
+        <a:xfrm>
+          <a:off x="0" y="0"/>
+          <a:ext cx="0" cy="0"/>
+          <a:chOff x="0" y="0"/>
+          <a:chExt cx="0" cy="0"/>
+        </a:xfrm>
+      </p:grpSpPr>
+      <p:sp>
+        <p:nvSpPr>
+          <p:cNvPr id="2" name="Title 1">
+            <a:extLst>
+              <a:ext uri="{FF2B5EF4-FFF2-40B4-BE49-F238E27FC236}">
+                <a16:creationId xmlns:a16="http://schemas.microsoft.com/office/drawing/2014/main" id="{6CE8E14D-3B91-984E-AD97-EB0159C1659D}"/>
+              </a:ext>
+            </a:extLst>
+          </p:cNvPr>
+          <p:cNvSpPr>
+            <a:spLocks noGrp="1"/>
+          </p:cNvSpPr>
+          <p:nvPr>
+            <p:ph type="title"/>
+          </p:nvPr>
+        </p:nvSpPr>
+        <p:spPr/>
+        <p:txBody>
+          <a:bodyPr/>
+          <a:lstStyle/>
+          <a:p>
+            <a:r>
+              <a:rPr lang="en-US" dirty="0"/>
+              <a:t>ARTIFICIAL NEURAL NETWORK</a:t>
+            </a:r>
+            <a:br>
+              <a:rPr lang="en-US" dirty="0"/>
+            </a:br>
+            <a:r>
+              <a:rPr lang="en-US" dirty="0"/>
+              <a:t>(ANN)</a:t>
+            </a:r>
+          </a:p>
+        </p:txBody>
+      </p:sp>
+      <p:sp>
+        <p:nvSpPr>
+          <p:cNvPr id="3" name="Content Placeholder 2">
+            <a:extLst>
+              <a:ext uri="{FF2B5EF4-FFF2-40B4-BE49-F238E27FC236}">
+                <a16:creationId xmlns:a16="http://schemas.microsoft.com/office/drawing/2014/main" id="{32E15262-73CF-064E-A71F-96E889416A93}"/>
+              </a:ext>
+            </a:extLst>
+          </p:cNvPr>
+          <p:cNvSpPr>
+            <a:spLocks noGrp="1"/>
+          </p:cNvSpPr>
+          <p:nvPr>
+            <p:ph idx="1"/>
+          </p:nvPr>
+        </p:nvSpPr>
+        <p:spPr/>
+        <p:txBody>
+          <a:bodyPr/>
+          <a:lstStyle/>
+          <a:p>
+            <a:r>
+              <a:rPr lang="en-US" dirty="0"/>
+              <a:t>Chi </a:t>
+            </a:r>
+            <a:r>
+              <a:rPr lang="en-US" dirty="0" err="1"/>
+              <a:t>tiết</a:t>
+            </a:r>
+            <a:r>
+              <a:rPr lang="en-US" dirty="0"/>
+              <a:t> </a:t>
+            </a:r>
+            <a:r>
+              <a:rPr lang="en-US" dirty="0" err="1"/>
+              <a:t>về</a:t>
+            </a:r>
+            <a:r>
+              <a:rPr lang="en-US" dirty="0"/>
+              <a:t> </a:t>
+            </a:r>
+            <a:r>
+              <a:rPr lang="en-US" dirty="0" err="1"/>
+              <a:t>quy</a:t>
+            </a:r>
+            <a:r>
+              <a:rPr lang="en-US" dirty="0"/>
+              <a:t> </a:t>
+            </a:r>
+            <a:r>
+              <a:rPr lang="en-US" dirty="0" err="1"/>
+              <a:t>trình</a:t>
+            </a:r>
+            <a:endParaRPr lang="en-US" dirty="0"/>
+          </a:p>
+          <a:p>
+            <a:pPr marL="757231" lvl="1" indent="-457200">
+              <a:buFont typeface="+mj-lt"/>
+              <a:buAutoNum type="arabicPeriod"/>
+            </a:pPr>
+            <a:r>
+              <a:rPr lang="en-US" dirty="0" err="1"/>
+              <a:t>Giá</a:t>
+            </a:r>
+            <a:r>
+              <a:rPr lang="en-US" dirty="0"/>
+              <a:t> </a:t>
+            </a:r>
+            <a:r>
+              <a:rPr lang="en-US" dirty="0" err="1"/>
+              <a:t>trị</a:t>
+            </a:r>
+            <a:r>
+              <a:rPr lang="en-US" dirty="0"/>
+              <a:t> </a:t>
+            </a:r>
+            <a:r>
+              <a:rPr lang="en-US" dirty="0" err="1"/>
+              <a:t>đầu</a:t>
+            </a:r>
+            <a:r>
+              <a:rPr lang="en-US" dirty="0"/>
+              <a:t> </a:t>
+            </a:r>
+            <a:r>
+              <a:rPr lang="en-US" dirty="0" err="1"/>
+              <a:t>vào</a:t>
+            </a:r>
+            <a:r>
+              <a:rPr lang="en-US" dirty="0"/>
+              <a:t> </a:t>
+            </a:r>
+            <a:r>
+              <a:rPr lang="en-US" dirty="0" err="1"/>
+              <a:t>được</a:t>
+            </a:r>
+            <a:r>
+              <a:rPr lang="en-US" dirty="0"/>
+              <a:t> </a:t>
+            </a:r>
+            <a:r>
+              <a:rPr lang="en-US" dirty="0" err="1"/>
+              <a:t>kết</a:t>
+            </a:r>
+            <a:r>
+              <a:rPr lang="en-US" dirty="0"/>
+              <a:t> </a:t>
+            </a:r>
+            <a:r>
+              <a:rPr lang="en-US" dirty="0" err="1"/>
+              <a:t>hợp</a:t>
+            </a:r>
+            <a:r>
+              <a:rPr lang="en-US" dirty="0"/>
+              <a:t> </a:t>
+            </a:r>
+            <a:r>
+              <a:rPr lang="en-US" dirty="0" err="1"/>
+              <a:t>với</a:t>
+            </a:r>
+            <a:r>
+              <a:rPr lang="en-US" dirty="0"/>
+              <a:t> </a:t>
+            </a:r>
+            <a:r>
+              <a:rPr lang="en-US" dirty="0" err="1"/>
+              <a:t>bộ</a:t>
+            </a:r>
+            <a:r>
+              <a:rPr lang="en-US" dirty="0"/>
+              <a:t> </a:t>
+            </a:r>
+            <a:r>
+              <a:rPr lang="en-US" dirty="0" err="1"/>
+              <a:t>tham</a:t>
+            </a:r>
+            <a:r>
+              <a:rPr lang="en-US" dirty="0"/>
+              <a:t> </a:t>
+            </a:r>
+            <a:r>
+              <a:rPr lang="en-US" dirty="0" err="1"/>
+              <a:t>số</a:t>
+            </a:r>
+            <a:r>
+              <a:rPr lang="en-US" dirty="0"/>
+              <a:t> </a:t>
+            </a:r>
+            <a:r>
+              <a:rPr lang="en-US" dirty="0" err="1"/>
+              <a:t>được</a:t>
+            </a:r>
+            <a:r>
+              <a:rPr lang="en-US" dirty="0"/>
+              <a:t> </a:t>
+            </a:r>
+            <a:r>
+              <a:rPr lang="en-US" dirty="0" err="1"/>
+              <a:t>chọn</a:t>
+            </a:r>
+            <a:r>
+              <a:rPr lang="en-US" dirty="0"/>
+              <a:t> </a:t>
+            </a:r>
+            <a:r>
+              <a:rPr lang="en-US" dirty="0" err="1"/>
+              <a:t>ngẫu</a:t>
+            </a:r>
+            <a:r>
+              <a:rPr lang="en-US" dirty="0"/>
+              <a:t> </a:t>
+            </a:r>
+            <a:r>
+              <a:rPr lang="en-US" dirty="0" err="1"/>
+              <a:t>nhiên</a:t>
+            </a:r>
+            <a:r>
+              <a:rPr lang="en-US" dirty="0"/>
+              <a:t> (</a:t>
+            </a:r>
+            <a:r>
+              <a:rPr lang="en-US" dirty="0" err="1"/>
+              <a:t>trọng</a:t>
+            </a:r>
+            <a:r>
+              <a:rPr lang="en-US" dirty="0"/>
+              <a:t> </a:t>
+            </a:r>
+            <a:r>
+              <a:rPr lang="en-US" dirty="0" err="1"/>
+              <a:t>số</a:t>
+            </a:r>
+            <a:r>
+              <a:rPr lang="en-US" dirty="0"/>
+              <a:t> weight </a:t>
+            </a:r>
+            <a:r>
+              <a:rPr lang="en-US" dirty="0" err="1"/>
+              <a:t>và</a:t>
+            </a:r>
+            <a:r>
+              <a:rPr lang="en-US" dirty="0"/>
+              <a:t> </a:t>
+            </a:r>
+            <a:r>
+              <a:rPr lang="en-US" dirty="0" err="1"/>
+              <a:t>độ</a:t>
+            </a:r>
+            <a:r>
+              <a:rPr lang="en-US" dirty="0"/>
+              <a:t> </a:t>
+            </a:r>
+            <a:r>
+              <a:rPr lang="en-US" dirty="0" err="1"/>
+              <a:t>lệch</a:t>
+            </a:r>
+            <a:r>
+              <a:rPr lang="en-US" dirty="0"/>
+              <a:t> bias).</a:t>
+            </a:r>
+          </a:p>
+          <a:p>
+            <a:pPr marL="757231" lvl="1" indent="-457200">
+              <a:buFont typeface="+mj-lt"/>
+              <a:buAutoNum type="arabicPeriod"/>
+            </a:pPr>
+            <a:r>
+              <a:rPr lang="en-US" dirty="0" err="1"/>
+              <a:t>Các</a:t>
+            </a:r>
+            <a:r>
+              <a:rPr lang="en-US" dirty="0"/>
+              <a:t> </a:t>
+            </a:r>
+            <a:r>
+              <a:rPr lang="en-US" dirty="0" err="1"/>
+              <a:t>giá</a:t>
+            </a:r>
+            <a:r>
+              <a:rPr lang="en-US" dirty="0"/>
+              <a:t> </a:t>
+            </a:r>
+            <a:r>
+              <a:rPr lang="en-US" dirty="0" err="1"/>
+              <a:t>trị</a:t>
+            </a:r>
+            <a:r>
+              <a:rPr lang="en-US" dirty="0"/>
+              <a:t> </a:t>
+            </a:r>
+            <a:r>
+              <a:rPr lang="en-US" dirty="0" err="1"/>
+              <a:t>tham</a:t>
+            </a:r>
+            <a:r>
+              <a:rPr lang="en-US" dirty="0"/>
+              <a:t> </a:t>
+            </a:r>
+            <a:r>
+              <a:rPr lang="en-US" dirty="0" err="1"/>
+              <a:t>số</a:t>
+            </a:r>
+            <a:r>
+              <a:rPr lang="en-US" dirty="0"/>
+              <a:t> </a:t>
+            </a:r>
+            <a:r>
+              <a:rPr lang="en-US" dirty="0" err="1"/>
+              <a:t>được</a:t>
+            </a:r>
+            <a:r>
+              <a:rPr lang="en-US" dirty="0"/>
+              <a:t> </a:t>
+            </a:r>
+            <a:r>
+              <a:rPr lang="en-US" dirty="0" err="1"/>
+              <a:t>truyền</a:t>
+            </a:r>
+            <a:r>
+              <a:rPr lang="en-US" dirty="0"/>
+              <a:t> </a:t>
+            </a:r>
+            <a:r>
+              <a:rPr lang="en-US" dirty="0" err="1"/>
+              <a:t>vào</a:t>
+            </a:r>
+            <a:r>
+              <a:rPr lang="en-US" dirty="0"/>
+              <a:t> </a:t>
+            </a:r>
+            <a:r>
+              <a:rPr lang="en-US" dirty="0" err="1"/>
+              <a:t>các</a:t>
+            </a:r>
+            <a:r>
+              <a:rPr lang="en-US" dirty="0"/>
+              <a:t> perceptron, </a:t>
+            </a:r>
+            <a:r>
+              <a:rPr lang="en-US" dirty="0" err="1"/>
+              <a:t>sử</a:t>
+            </a:r>
+            <a:r>
+              <a:rPr lang="en-US" dirty="0"/>
+              <a:t> </a:t>
+            </a:r>
+            <a:r>
+              <a:rPr lang="en-US" dirty="0" err="1"/>
+              <a:t>dụng</a:t>
+            </a:r>
+            <a:r>
+              <a:rPr lang="en-US" dirty="0"/>
+              <a:t> </a:t>
+            </a:r>
+            <a:r>
+              <a:rPr lang="en-US" dirty="0" err="1"/>
+              <a:t>hàm</a:t>
+            </a:r>
+            <a:r>
+              <a:rPr lang="en-US" dirty="0"/>
+              <a:t> </a:t>
+            </a:r>
+            <a:r>
+              <a:rPr lang="en-US" dirty="0" err="1"/>
+              <a:t>kích</a:t>
+            </a:r>
+            <a:r>
+              <a:rPr lang="en-US" dirty="0"/>
+              <a:t> </a:t>
+            </a:r>
+            <a:r>
+              <a:rPr lang="en-US" dirty="0" err="1"/>
+              <a:t>hoạt</a:t>
+            </a:r>
+            <a:r>
+              <a:rPr lang="en-US" dirty="0"/>
+              <a:t> (sigmoid, tanh </a:t>
+            </a:r>
+            <a:r>
+              <a:rPr lang="en-US" dirty="0" err="1"/>
+              <a:t>hoặc</a:t>
+            </a:r>
+            <a:r>
+              <a:rPr lang="en-US" dirty="0"/>
+              <a:t> </a:t>
+            </a:r>
+            <a:r>
+              <a:rPr lang="en-US" dirty="0" err="1"/>
+              <a:t>ReLu</a:t>
+            </a:r>
+            <a:r>
+              <a:rPr lang="en-US" dirty="0"/>
+              <a:t>) </a:t>
+            </a:r>
+            <a:r>
+              <a:rPr lang="en-US" dirty="0" err="1"/>
+              <a:t>để</a:t>
+            </a:r>
+            <a:r>
+              <a:rPr lang="en-US" dirty="0"/>
+              <a:t> </a:t>
+            </a:r>
+            <a:r>
+              <a:rPr lang="en-US" dirty="0" err="1"/>
+              <a:t>sinh</a:t>
+            </a:r>
+            <a:r>
+              <a:rPr lang="en-US" dirty="0"/>
+              <a:t> </a:t>
+            </a:r>
+            <a:r>
+              <a:rPr lang="en-US" dirty="0" err="1"/>
+              <a:t>đầu</a:t>
+            </a:r>
+            <a:r>
+              <a:rPr lang="en-US" dirty="0"/>
+              <a:t> ra.</a:t>
+            </a:r>
+          </a:p>
+          <a:p>
+            <a:pPr marL="757231" lvl="1" indent="-457200">
+              <a:buFont typeface="+mj-lt"/>
+              <a:buAutoNum type="arabicPeriod"/>
+            </a:pPr>
+            <a:r>
+              <a:rPr lang="en-US" dirty="0"/>
+              <a:t>So </a:t>
+            </a:r>
+            <a:r>
+              <a:rPr lang="en-US" dirty="0" err="1"/>
+              <a:t>sánh</a:t>
+            </a:r>
+            <a:r>
+              <a:rPr lang="en-US" dirty="0"/>
+              <a:t> </a:t>
+            </a:r>
+            <a:r>
+              <a:rPr lang="en-US" dirty="0" err="1"/>
+              <a:t>đầu</a:t>
+            </a:r>
+            <a:r>
+              <a:rPr lang="en-US" dirty="0"/>
+              <a:t> ra </a:t>
+            </a:r>
+            <a:r>
+              <a:rPr lang="en-US" dirty="0" err="1"/>
+              <a:t>với</a:t>
+            </a:r>
+            <a:r>
+              <a:rPr lang="en-US" dirty="0"/>
+              <a:t> </a:t>
+            </a:r>
+            <a:r>
+              <a:rPr lang="en-US" dirty="0" err="1"/>
+              <a:t>kết</a:t>
+            </a:r>
+            <a:r>
+              <a:rPr lang="en-US" dirty="0"/>
+              <a:t> </a:t>
+            </a:r>
+            <a:r>
+              <a:rPr lang="en-US" dirty="0" err="1"/>
+              <a:t>quả</a:t>
+            </a:r>
+            <a:r>
+              <a:rPr lang="en-US" dirty="0"/>
+              <a:t> </a:t>
+            </a:r>
+            <a:r>
+              <a:rPr lang="en-US" dirty="0" err="1"/>
+              <a:t>được</a:t>
+            </a:r>
+            <a:r>
+              <a:rPr lang="en-US" dirty="0"/>
+              <a:t> </a:t>
+            </a:r>
+            <a:r>
+              <a:rPr lang="en-US" dirty="0" err="1"/>
+              <a:t>dán</a:t>
+            </a:r>
+            <a:r>
+              <a:rPr lang="en-US" dirty="0"/>
+              <a:t> </a:t>
+            </a:r>
+            <a:r>
+              <a:rPr lang="en-US" dirty="0" err="1"/>
+              <a:t>nhãn</a:t>
+            </a:r>
+            <a:r>
+              <a:rPr lang="en-US" dirty="0"/>
+              <a:t> </a:t>
+            </a:r>
+            <a:r>
+              <a:rPr lang="en-US" dirty="0" err="1"/>
+              <a:t>là</a:t>
+            </a:r>
+            <a:r>
+              <a:rPr lang="en-US" dirty="0"/>
+              <a:t> </a:t>
+            </a:r>
+            <a:r>
+              <a:rPr lang="en-US" dirty="0" err="1"/>
+              <a:t>đúng</a:t>
+            </a:r>
+            <a:r>
+              <a:rPr lang="en-US" dirty="0"/>
+              <a:t> </a:t>
+            </a:r>
+            <a:r>
+              <a:rPr lang="en-US" dirty="0" err="1"/>
+              <a:t>và</a:t>
+            </a:r>
+            <a:r>
+              <a:rPr lang="en-US" dirty="0"/>
+              <a:t> </a:t>
+            </a:r>
+            <a:r>
+              <a:rPr lang="en-US" dirty="0" err="1"/>
+              <a:t>tính</a:t>
+            </a:r>
+            <a:r>
+              <a:rPr lang="en-US" dirty="0"/>
+              <a:t> </a:t>
+            </a:r>
+            <a:r>
+              <a:rPr lang="en-US" dirty="0" err="1"/>
+              <a:t>toán</a:t>
+            </a:r>
+            <a:r>
+              <a:rPr lang="en-US" dirty="0"/>
+              <a:t> </a:t>
+            </a:r>
+            <a:r>
+              <a:rPr lang="en-US" dirty="0" err="1"/>
+              <a:t>hàm</a:t>
+            </a:r>
+            <a:r>
+              <a:rPr lang="en-US" dirty="0"/>
+              <a:t> </a:t>
+            </a:r>
+            <a:r>
+              <a:rPr lang="en-US" dirty="0" err="1"/>
+              <a:t>mất</a:t>
+            </a:r>
+            <a:r>
+              <a:rPr lang="en-US" dirty="0"/>
+              <a:t> </a:t>
+            </a:r>
+            <a:r>
+              <a:rPr lang="en-US" dirty="0" err="1"/>
+              <a:t>mát</a:t>
+            </a:r>
+            <a:r>
+              <a:rPr lang="en-US" dirty="0"/>
+              <a:t> (Loss function) </a:t>
+            </a:r>
+            <a:r>
+              <a:rPr lang="en-US" dirty="0" err="1"/>
+              <a:t>dựa</a:t>
+            </a:r>
+            <a:r>
+              <a:rPr lang="en-US" dirty="0"/>
+              <a:t> </a:t>
+            </a:r>
+            <a:r>
+              <a:rPr lang="en-US" dirty="0" err="1"/>
+              <a:t>trên</a:t>
+            </a:r>
+            <a:r>
+              <a:rPr lang="en-US" dirty="0"/>
+              <a:t> </a:t>
+            </a:r>
+            <a:r>
+              <a:rPr lang="en-US" dirty="0" err="1"/>
+              <a:t>độ</a:t>
+            </a:r>
+            <a:r>
+              <a:rPr lang="en-US" dirty="0"/>
+              <a:t> </a:t>
+            </a:r>
+            <a:r>
+              <a:rPr lang="en-US" dirty="0" err="1"/>
+              <a:t>lệch</a:t>
+            </a:r>
+            <a:r>
+              <a:rPr lang="en-US" dirty="0"/>
+              <a:t> </a:t>
+            </a:r>
+            <a:r>
+              <a:rPr lang="en-US" dirty="0" err="1"/>
+              <a:t>của</a:t>
+            </a:r>
+            <a:r>
+              <a:rPr lang="en-US" dirty="0"/>
+              <a:t> </a:t>
+            </a:r>
+            <a:r>
+              <a:rPr lang="en-US" dirty="0" err="1"/>
+              <a:t>đầu</a:t>
+            </a:r>
+            <a:r>
+              <a:rPr lang="en-US" dirty="0"/>
+              <a:t> ra </a:t>
+            </a:r>
+            <a:r>
+              <a:rPr lang="en-US" dirty="0" err="1"/>
+              <a:t>thực</a:t>
+            </a:r>
+            <a:r>
+              <a:rPr lang="en-US" dirty="0"/>
+              <a:t> </a:t>
+            </a:r>
+            <a:r>
+              <a:rPr lang="en-US" dirty="0" err="1"/>
+              <a:t>tế</a:t>
+            </a:r>
+            <a:r>
+              <a:rPr lang="en-US" dirty="0"/>
+              <a:t> </a:t>
+            </a:r>
+            <a:r>
+              <a:rPr lang="en-US" dirty="0" err="1"/>
+              <a:t>và</a:t>
+            </a:r>
+            <a:r>
+              <a:rPr lang="en-US" dirty="0"/>
+              <a:t> </a:t>
+            </a:r>
+            <a:r>
+              <a:rPr lang="en-US" dirty="0" err="1"/>
+              <a:t>đầu</a:t>
+            </a:r>
+            <a:r>
+              <a:rPr lang="en-US" dirty="0"/>
+              <a:t> ra </a:t>
+            </a:r>
+            <a:r>
+              <a:rPr lang="en-US" dirty="0" err="1"/>
+              <a:t>mong</a:t>
+            </a:r>
+            <a:r>
+              <a:rPr lang="en-US" dirty="0"/>
+              <a:t> </a:t>
+            </a:r>
+            <a:r>
+              <a:rPr lang="en-US" dirty="0" err="1"/>
+              <a:t>muốn</a:t>
+            </a:r>
+            <a:r>
+              <a:rPr lang="en-US" dirty="0"/>
+              <a:t>.</a:t>
+            </a:r>
+          </a:p>
+          <a:p>
+            <a:pPr marL="757231" lvl="1" indent="-457200">
+              <a:buFont typeface="+mj-lt"/>
+              <a:buAutoNum type="arabicPeriod"/>
+            </a:pPr>
+            <a:r>
+              <a:rPr lang="en-US" dirty="0" err="1"/>
+              <a:t>Truyền</a:t>
+            </a:r>
+            <a:r>
+              <a:rPr lang="en-US" dirty="0"/>
+              <a:t> </a:t>
+            </a:r>
+            <a:r>
+              <a:rPr lang="en-US" dirty="0" err="1"/>
+              <a:t>ngược</a:t>
+            </a:r>
+            <a:r>
+              <a:rPr lang="en-US" dirty="0"/>
+              <a:t> </a:t>
+            </a:r>
+            <a:r>
+              <a:rPr lang="en-US" dirty="0" err="1"/>
+              <a:t>giá</a:t>
+            </a:r>
+            <a:r>
+              <a:rPr lang="en-US" dirty="0"/>
+              <a:t> </a:t>
+            </a:r>
+            <a:r>
+              <a:rPr lang="en-US" dirty="0" err="1"/>
+              <a:t>trị</a:t>
+            </a:r>
+            <a:r>
+              <a:rPr lang="en-US" dirty="0"/>
+              <a:t> </a:t>
+            </a:r>
+            <a:r>
+              <a:rPr lang="en-US" dirty="0" err="1"/>
+              <a:t>mất</a:t>
+            </a:r>
+            <a:r>
+              <a:rPr lang="en-US" dirty="0"/>
+              <a:t> </a:t>
+            </a:r>
+            <a:r>
+              <a:rPr lang="en-US" dirty="0" err="1"/>
+              <a:t>mát</a:t>
+            </a:r>
+            <a:r>
+              <a:rPr lang="en-US" dirty="0"/>
+              <a:t> </a:t>
+            </a:r>
+            <a:r>
+              <a:rPr lang="en-US" dirty="0" err="1"/>
+              <a:t>để</a:t>
+            </a:r>
+            <a:r>
+              <a:rPr lang="en-US" dirty="0"/>
+              <a:t> </a:t>
+            </a:r>
+            <a:r>
+              <a:rPr lang="en-US" dirty="0" err="1"/>
+              <a:t>tiến</a:t>
+            </a:r>
+            <a:r>
+              <a:rPr lang="en-US" dirty="0"/>
+              <a:t> </a:t>
+            </a:r>
+            <a:r>
+              <a:rPr lang="en-US" dirty="0" err="1"/>
+              <a:t>hành</a:t>
+            </a:r>
+            <a:r>
+              <a:rPr lang="en-US" dirty="0"/>
+              <a:t> </a:t>
+            </a:r>
+            <a:r>
+              <a:rPr lang="en-US" dirty="0" err="1"/>
+              <a:t>cập</a:t>
+            </a:r>
+            <a:r>
+              <a:rPr lang="en-US" dirty="0"/>
+              <a:t> </a:t>
+            </a:r>
+            <a:r>
+              <a:rPr lang="en-US" dirty="0" err="1"/>
+              <a:t>nhật</a:t>
+            </a:r>
+            <a:r>
+              <a:rPr lang="en-US" dirty="0"/>
+              <a:t> </a:t>
+            </a:r>
+            <a:r>
+              <a:rPr lang="en-US" dirty="0" err="1"/>
+              <a:t>lại</a:t>
+            </a:r>
+            <a:r>
+              <a:rPr lang="en-US" dirty="0"/>
+              <a:t> </a:t>
+            </a:r>
+            <a:r>
+              <a:rPr lang="en-US" dirty="0" err="1"/>
+              <a:t>các</a:t>
+            </a:r>
+            <a:r>
+              <a:rPr lang="en-US" dirty="0"/>
+              <a:t> </a:t>
+            </a:r>
+            <a:r>
+              <a:rPr lang="en-US" dirty="0" err="1"/>
+              <a:t>tham</a:t>
+            </a:r>
+            <a:r>
+              <a:rPr lang="en-US" dirty="0"/>
+              <a:t> </a:t>
+            </a:r>
+            <a:r>
+              <a:rPr lang="en-US" dirty="0" err="1"/>
+              <a:t>số</a:t>
+            </a:r>
+            <a:r>
+              <a:rPr lang="en-US" dirty="0"/>
+              <a:t>.</a:t>
+            </a:r>
+          </a:p>
+          <a:p>
+            <a:pPr marL="757231" lvl="1" indent="-457200">
+              <a:buFont typeface="+mj-lt"/>
+              <a:buAutoNum type="arabicPeriod"/>
+            </a:pPr>
+            <a:r>
+              <a:rPr lang="en-US" dirty="0" err="1"/>
+              <a:t>Sử</a:t>
+            </a:r>
+            <a:r>
+              <a:rPr lang="en-US" dirty="0"/>
+              <a:t> </a:t>
+            </a:r>
+            <a:r>
+              <a:rPr lang="en-US" dirty="0" err="1"/>
+              <a:t>dụng</a:t>
+            </a:r>
+            <a:r>
+              <a:rPr lang="en-US" dirty="0"/>
+              <a:t> Gradient Descent </a:t>
+            </a:r>
+            <a:r>
+              <a:rPr lang="en-US" dirty="0" err="1"/>
+              <a:t>giảm</a:t>
+            </a:r>
+            <a:r>
+              <a:rPr lang="en-US" dirty="0"/>
+              <a:t> </a:t>
+            </a:r>
+            <a:r>
+              <a:rPr lang="en-US" dirty="0" err="1"/>
+              <a:t>mất</a:t>
+            </a:r>
+            <a:r>
+              <a:rPr lang="en-US" dirty="0"/>
+              <a:t> </a:t>
+            </a:r>
+            <a:r>
+              <a:rPr lang="en-US" dirty="0" err="1"/>
+              <a:t>mát</a:t>
+            </a:r>
+            <a:r>
+              <a:rPr lang="en-US" dirty="0"/>
+              <a:t> </a:t>
+            </a:r>
+            <a:r>
+              <a:rPr lang="en-US" dirty="0" err="1"/>
+              <a:t>và</a:t>
+            </a:r>
+            <a:r>
+              <a:rPr lang="en-US" dirty="0"/>
+              <a:t> </a:t>
+            </a:r>
+            <a:r>
+              <a:rPr lang="en-US" dirty="0" err="1"/>
+              <a:t>cập</a:t>
+            </a:r>
+            <a:r>
+              <a:rPr lang="en-US" dirty="0"/>
+              <a:t> </a:t>
+            </a:r>
+            <a:r>
+              <a:rPr lang="en-US" dirty="0" err="1"/>
+              <a:t>nhật</a:t>
+            </a:r>
+            <a:r>
+              <a:rPr lang="en-US" dirty="0"/>
+              <a:t> </a:t>
+            </a:r>
+            <a:r>
+              <a:rPr lang="en-US" dirty="0" err="1"/>
+              <a:t>lại</a:t>
+            </a:r>
+            <a:r>
+              <a:rPr lang="en-US" dirty="0"/>
+              <a:t> </a:t>
+            </a:r>
+            <a:r>
+              <a:rPr lang="en-US" dirty="0" err="1"/>
+              <a:t>tham</a:t>
+            </a:r>
+            <a:r>
+              <a:rPr lang="en-US" dirty="0"/>
+              <a:t> </a:t>
+            </a:r>
+            <a:r>
+              <a:rPr lang="en-US" dirty="0" err="1"/>
+              <a:t>số</a:t>
+            </a:r>
+            <a:r>
+              <a:rPr lang="en-US" dirty="0"/>
+              <a:t>.</a:t>
+            </a:r>
+          </a:p>
+          <a:p>
+            <a:pPr marL="757231" lvl="1" indent="-457200">
+              <a:buFont typeface="+mj-lt"/>
+              <a:buAutoNum type="arabicPeriod"/>
+            </a:pPr>
+            <a:r>
+              <a:rPr lang="en-US" dirty="0" err="1"/>
+              <a:t>Thực</a:t>
+            </a:r>
+            <a:r>
+              <a:rPr lang="en-US" dirty="0"/>
+              <a:t> </a:t>
+            </a:r>
+            <a:r>
+              <a:rPr lang="en-US" dirty="0" err="1"/>
+              <a:t>hiện</a:t>
+            </a:r>
+            <a:r>
+              <a:rPr lang="en-US" dirty="0"/>
+              <a:t> </a:t>
+            </a:r>
+            <a:r>
+              <a:rPr lang="en-US" dirty="0" err="1"/>
+              <a:t>lặp</a:t>
+            </a:r>
+            <a:r>
+              <a:rPr lang="en-US" dirty="0"/>
+              <a:t> </a:t>
+            </a:r>
+            <a:r>
+              <a:rPr lang="en-US" dirty="0" err="1"/>
+              <a:t>lại</a:t>
+            </a:r>
+            <a:r>
+              <a:rPr lang="en-US" dirty="0"/>
+              <a:t> </a:t>
+            </a:r>
+            <a:r>
+              <a:rPr lang="en-US" dirty="0" err="1"/>
+              <a:t>tới</a:t>
+            </a:r>
+            <a:r>
+              <a:rPr lang="en-US" dirty="0"/>
+              <a:t> </a:t>
+            </a:r>
+            <a:r>
+              <a:rPr lang="en-US" dirty="0" err="1"/>
+              <a:t>khi</a:t>
+            </a:r>
+            <a:r>
+              <a:rPr lang="en-US" dirty="0"/>
+              <a:t> </a:t>
+            </a:r>
+            <a:r>
+              <a:rPr lang="en-US" dirty="0" err="1"/>
+              <a:t>nhận</a:t>
+            </a:r>
+            <a:r>
+              <a:rPr lang="en-US" dirty="0"/>
+              <a:t> </a:t>
+            </a:r>
+            <a:r>
+              <a:rPr lang="en-US" dirty="0" err="1"/>
+              <a:t>được</a:t>
+            </a:r>
+            <a:r>
+              <a:rPr lang="en-US" dirty="0"/>
+              <a:t> </a:t>
+            </a:r>
+            <a:r>
+              <a:rPr lang="en-US" dirty="0" err="1"/>
+              <a:t>kết</a:t>
+            </a:r>
+            <a:r>
+              <a:rPr lang="en-US" dirty="0"/>
+              <a:t> </a:t>
+            </a:r>
+            <a:r>
+              <a:rPr lang="en-US" dirty="0" err="1"/>
+              <a:t>quả</a:t>
+            </a:r>
+            <a:r>
+              <a:rPr lang="en-US" dirty="0"/>
+              <a:t> </a:t>
+            </a:r>
+            <a:r>
+              <a:rPr lang="en-US" dirty="0" err="1"/>
+              <a:t>tốt</a:t>
+            </a:r>
+            <a:r>
+              <a:rPr lang="en-US" dirty="0"/>
+              <a:t> </a:t>
+            </a:r>
+            <a:r>
+              <a:rPr lang="en-US" dirty="0" err="1"/>
+              <a:t>nhất</a:t>
+            </a:r>
+            <a:r>
+              <a:rPr lang="en-US" dirty="0"/>
+              <a:t> </a:t>
+            </a:r>
+            <a:r>
+              <a:rPr lang="en-US" dirty="0" err="1"/>
+              <a:t>cho</a:t>
+            </a:r>
+            <a:r>
+              <a:rPr lang="en-US" dirty="0"/>
+              <a:t> </a:t>
+            </a:r>
+            <a:r>
+              <a:rPr lang="en-US" dirty="0" err="1"/>
+              <a:t>mô</a:t>
+            </a:r>
+            <a:r>
+              <a:rPr lang="en-US" dirty="0"/>
+              <a:t> </a:t>
+            </a:r>
+            <a:r>
+              <a:rPr lang="en-US" dirty="0" err="1"/>
+              <a:t>hình</a:t>
+            </a:r>
+            <a:r>
+              <a:rPr lang="en-US" dirty="0"/>
+              <a:t>.</a:t>
+            </a:r>
+          </a:p>
+          <a:p>
+            <a:pPr marL="757231" lvl="1" indent="-457200">
+              <a:buFont typeface="+mj-lt"/>
+              <a:buAutoNum type="arabicPeriod"/>
+            </a:pPr>
+            <a:endParaRPr lang="en-US" dirty="0"/>
+          </a:p>
+          <a:p>
+            <a:pPr marL="757231" lvl="1" indent="-457200">
+              <a:buFont typeface="+mj-lt"/>
+              <a:buAutoNum type="arabicPeriod"/>
+            </a:pPr>
+            <a:endParaRPr lang="en-US" dirty="0"/>
+          </a:p>
+        </p:txBody>
+      </p:sp>
+      <p:sp>
+        <p:nvSpPr>
+          <p:cNvPr id="4" name="Slide Number Placeholder 3">
+            <a:extLst>
+              <a:ext uri="{FF2B5EF4-FFF2-40B4-BE49-F238E27FC236}">
+                <a16:creationId xmlns:a16="http://schemas.microsoft.com/office/drawing/2014/main" id="{CC3D83E3-7928-7A4C-A776-3365DCDEBE0E}"/>
+              </a:ext>
+            </a:extLst>
+          </p:cNvPr>
+          <p:cNvSpPr>
+            <a:spLocks noGrp="1"/>
+          </p:cNvSpPr>
+          <p:nvPr>
+            <p:ph type="sldNum" sz="quarter" idx="12"/>
+          </p:nvPr>
+        </p:nvSpPr>
+        <p:spPr/>
+        <p:txBody>
+          <a:bodyPr/>
+          <a:lstStyle/>
+          <a:p>
+            <a:fld id="{20B7F220-0825-4B9B-9156-FF79F33775FE}" type="slidenum">
+              <a:rPr lang="vi-VN" smtClean="0"/>
+              <a:t>28</a:t>
+            </a:fld>
+            <a:endParaRPr lang="vi-VN"/>
+          </a:p>
+        </p:txBody>
+      </p:sp>
+    </p:spTree>
+    <p:extLst>
+      <p:ext uri="{BB962C8B-B14F-4D97-AF65-F5344CB8AC3E}">
+        <p14:creationId xmlns:p14="http://schemas.microsoft.com/office/powerpoint/2010/main" val="2352265622"/>
+      </p:ext>
+    </p:extLst>
+  </p:cSld>
+  <p:clrMapOvr>
+    <a:masterClrMapping/>
+  </p:clrMapOvr>
+</p:sld>
+</file>
+
+<file path=ppt/slides/slide29.xml><?xml version="1.0" encoding="utf-8"?>
 <p:sld xmlns:a="http://schemas.openxmlformats.org/drawingml/2006/main" xmlns:r="http://schemas.openxmlformats.org/officeDocument/2006/relationships" xmlns:p="http://schemas.openxmlformats.org/presentationml/2006/main">
   <p:cSld>
     <p:spTree>
@@ -13868,7 +15364,7 @@
           <p:cNvPr id="5" name="Slide Number Placeholder 4">
             <a:extLst>
               <a:ext uri="{FF2B5EF4-FFF2-40B4-BE49-F238E27FC236}">
-                <a16:creationId xmlns:a16="http://schemas.microsoft.com/office/drawing/2014/main" xmlns="" id="{753067ED-DE8A-4908-A143-90133F96E0DA}"/>
+                <a16:creationId xmlns:a16="http://schemas.microsoft.com/office/drawing/2014/main" id="{753067ED-DE8A-4908-A143-90133F96E0DA}"/>
               </a:ext>
             </a:extLst>
           </p:cNvPr>
@@ -13886,7 +15382,7 @@
           <a:p>
             <a:fld id="{20B7F220-0825-4B9B-9156-FF79F33775FE}" type="slidenum">
               <a:rPr lang="vi-VN" smtClean="0"/>
-              <a:t>25</a:t>
+              <a:t>29</a:t>
             </a:fld>
             <a:endParaRPr lang="vi-VN"/>
           </a:p>
@@ -13896,815 +15392,6 @@
     <p:extLst>
       <p:ext uri="{BB962C8B-B14F-4D97-AF65-F5344CB8AC3E}">
         <p14:creationId xmlns:p14="http://schemas.microsoft.com/office/powerpoint/2010/main" val="1373634001"/>
-      </p:ext>
-    </p:extLst>
-  </p:cSld>
-  <p:clrMapOvr>
-    <a:masterClrMapping/>
-  </p:clrMapOvr>
-</p:sld>
-</file>
-
-<file path=ppt/slides/slide26.xml><?xml version="1.0" encoding="utf-8"?>
-<p:sld xmlns:a="http://schemas.openxmlformats.org/drawingml/2006/main" xmlns:r="http://schemas.openxmlformats.org/officeDocument/2006/relationships" xmlns:p="http://schemas.openxmlformats.org/presentationml/2006/main">
-  <p:cSld>
-    <p:spTree>
-      <p:nvGrpSpPr>
-        <p:cNvPr id="1" name=""/>
-        <p:cNvGrpSpPr/>
-        <p:nvPr/>
-      </p:nvGrpSpPr>
-      <p:grpSpPr>
-        <a:xfrm>
-          <a:off x="0" y="0"/>
-          <a:ext cx="0" cy="0"/>
-          <a:chOff x="0" y="0"/>
-          <a:chExt cx="0" cy="0"/>
-        </a:xfrm>
-      </p:grpSpPr>
-      <p:sp>
-        <p:nvSpPr>
-          <p:cNvPr id="2" name="Title 1">
-            <a:extLst>
-              <a:ext uri="{FF2B5EF4-FFF2-40B4-BE49-F238E27FC236}">
-                <a16:creationId xmlns:a16="http://schemas.microsoft.com/office/drawing/2014/main" xmlns="" id="{626851DE-0591-481C-88DF-1EC109E1FFF6}"/>
-              </a:ext>
-            </a:extLst>
-          </p:cNvPr>
-          <p:cNvSpPr>
-            <a:spLocks noGrp="1"/>
-          </p:cNvSpPr>
-          <p:nvPr>
-            <p:ph type="title"/>
-          </p:nvPr>
-        </p:nvSpPr>
-        <p:spPr/>
-        <p:txBody>
-          <a:bodyPr/>
-          <a:lstStyle/>
-          <a:p>
-            <a:r>
-              <a:rPr lang="en-US"/>
-              <a:t>RECURRENT NEURAL NETWORK</a:t>
-            </a:r>
-            <a:br>
-              <a:rPr lang="en-US"/>
-            </a:br>
-            <a:r>
-              <a:rPr lang="en-US"/>
-              <a:t>(RNN)</a:t>
-            </a:r>
-          </a:p>
-        </p:txBody>
-      </p:sp>
-      <p:sp>
-        <p:nvSpPr>
-          <p:cNvPr id="6" name="Content Placeholder 5">
-            <a:extLst>
-              <a:ext uri="{FF2B5EF4-FFF2-40B4-BE49-F238E27FC236}">
-                <a16:creationId xmlns:a16="http://schemas.microsoft.com/office/drawing/2014/main" xmlns="" id="{E83D74D0-6FA4-4941-8FDC-8592BB9E87A5}"/>
-              </a:ext>
-            </a:extLst>
-          </p:cNvPr>
-          <p:cNvSpPr>
-            <a:spLocks noGrp="1"/>
-          </p:cNvSpPr>
-          <p:nvPr>
-            <p:ph idx="1"/>
-          </p:nvPr>
-        </p:nvSpPr>
-        <p:spPr>
-          <a:xfrm>
-            <a:off x="628650" y="2020129"/>
-            <a:ext cx="7886700" cy="3980621"/>
-          </a:xfrm>
-        </p:spPr>
-        <p:txBody>
-          <a:bodyPr/>
-          <a:lstStyle/>
-          <a:p>
-            <a:r>
-              <a:rPr lang="en-US"/>
-              <a:t>Chú thích hình ảnh: 1 hình ảnh cho ra 1 loạt từ mô tả</a:t>
-            </a:r>
-          </a:p>
-          <a:p>
-            <a:endParaRPr lang="en-US"/>
-          </a:p>
-          <a:p>
-            <a:endParaRPr lang="en-US"/>
-          </a:p>
-          <a:p>
-            <a:endParaRPr lang="en-US"/>
-          </a:p>
-          <a:p>
-            <a:endParaRPr lang="en-US"/>
-          </a:p>
-          <a:p>
-            <a:pPr marL="0" indent="0">
-              <a:buNone/>
-            </a:pPr>
-            <a:endParaRPr lang="en-US"/>
-          </a:p>
-          <a:p>
-            <a:pPr marL="0" indent="0">
-              <a:buNone/>
-            </a:pPr>
-            <a:endParaRPr lang="en-US"/>
-          </a:p>
-          <a:p>
-            <a:r>
-              <a:rPr lang="en-US"/>
-              <a:t>Phân loại: quyết định kết quả từ 1 số điều kiện </a:t>
-            </a:r>
-          </a:p>
-        </p:txBody>
-      </p:sp>
-      <p:pic>
-        <p:nvPicPr>
-          <p:cNvPr id="7" name="Content Placeholder 4" descr="Screen Clipping">
-            <a:extLst>
-              <a:ext uri="{FF2B5EF4-FFF2-40B4-BE49-F238E27FC236}">
-                <a16:creationId xmlns:a16="http://schemas.microsoft.com/office/drawing/2014/main" xmlns="" id="{A1BEFFF3-E742-41B6-8143-CF439B9D95DB}"/>
-              </a:ext>
-            </a:extLst>
-          </p:cNvPr>
-          <p:cNvPicPr>
-            <a:picLocks noChangeAspect="1"/>
-          </p:cNvPicPr>
-          <p:nvPr/>
-        </p:nvPicPr>
-        <p:blipFill>
-          <a:blip r:embed="rId2">
-            <a:extLst>
-              <a:ext uri="{28A0092B-C50C-407E-A947-70E740481C1C}">
-                <a14:useLocalDpi xmlns:a14="http://schemas.microsoft.com/office/drawing/2010/main" val="0"/>
-              </a:ext>
-            </a:extLst>
-          </a:blip>
-          <a:stretch>
-            <a:fillRect/>
-          </a:stretch>
-        </p:blipFill>
-        <p:spPr>
-          <a:xfrm>
-            <a:off x="3493143" y="2387876"/>
-            <a:ext cx="1078857" cy="2064832"/>
-          </a:xfrm>
-          <a:prstGeom prst="rect">
-            <a:avLst/>
-          </a:prstGeom>
-        </p:spPr>
-      </p:pic>
-      <p:pic>
-        <p:nvPicPr>
-          <p:cNvPr id="9" name="Picture 8" descr="Screen Clipping">
-            <a:extLst>
-              <a:ext uri="{FF2B5EF4-FFF2-40B4-BE49-F238E27FC236}">
-                <a16:creationId xmlns:a16="http://schemas.microsoft.com/office/drawing/2014/main" xmlns="" id="{47DCDFAE-1A8A-4D2B-BB1B-D021A3FD29AC}"/>
-              </a:ext>
-            </a:extLst>
-          </p:cNvPr>
-          <p:cNvPicPr>
-            <a:picLocks noChangeAspect="1"/>
-          </p:cNvPicPr>
-          <p:nvPr/>
-        </p:nvPicPr>
-        <p:blipFill>
-          <a:blip r:embed="rId3">
-            <a:extLst>
-              <a:ext uri="{28A0092B-C50C-407E-A947-70E740481C1C}">
-                <a14:useLocalDpi xmlns:a14="http://schemas.microsoft.com/office/drawing/2010/main" val="0"/>
-              </a:ext>
-            </a:extLst>
-          </a:blip>
-          <a:stretch>
-            <a:fillRect/>
-          </a:stretch>
-        </p:blipFill>
-        <p:spPr>
-          <a:xfrm>
-            <a:off x="6050688" y="3985931"/>
-            <a:ext cx="985975" cy="2014819"/>
-          </a:xfrm>
-          <a:prstGeom prst="rect">
-            <a:avLst/>
-          </a:prstGeom>
-        </p:spPr>
-      </p:pic>
-      <p:sp>
-        <p:nvSpPr>
-          <p:cNvPr id="3" name="Slide Number Placeholder 2">
-            <a:extLst>
-              <a:ext uri="{FF2B5EF4-FFF2-40B4-BE49-F238E27FC236}">
-                <a16:creationId xmlns:a16="http://schemas.microsoft.com/office/drawing/2014/main" xmlns="" id="{AB47698D-68D3-4F3F-974E-A51F67B9DF9F}"/>
-              </a:ext>
-            </a:extLst>
-          </p:cNvPr>
-          <p:cNvSpPr>
-            <a:spLocks noGrp="1"/>
-          </p:cNvSpPr>
-          <p:nvPr>
-            <p:ph type="sldNum" sz="quarter" idx="12"/>
-          </p:nvPr>
-        </p:nvSpPr>
-        <p:spPr/>
-        <p:txBody>
-          <a:bodyPr/>
-          <a:lstStyle/>
-          <a:p>
-            <a:fld id="{20B7F220-0825-4B9B-9156-FF79F33775FE}" type="slidenum">
-              <a:rPr lang="vi-VN" smtClean="0"/>
-              <a:t>26</a:t>
-            </a:fld>
-            <a:endParaRPr lang="vi-VN"/>
-          </a:p>
-        </p:txBody>
-      </p:sp>
-    </p:spTree>
-    <p:extLst>
-      <p:ext uri="{BB962C8B-B14F-4D97-AF65-F5344CB8AC3E}">
-        <p14:creationId xmlns:p14="http://schemas.microsoft.com/office/powerpoint/2010/main" val="2322571488"/>
-      </p:ext>
-    </p:extLst>
-  </p:cSld>
-  <p:clrMapOvr>
-    <a:masterClrMapping/>
-  </p:clrMapOvr>
-</p:sld>
-</file>
-
-<file path=ppt/slides/slide27.xml><?xml version="1.0" encoding="utf-8"?>
-<p:sld xmlns:a="http://schemas.openxmlformats.org/drawingml/2006/main" xmlns:r="http://schemas.openxmlformats.org/officeDocument/2006/relationships" xmlns:p="http://schemas.openxmlformats.org/presentationml/2006/main">
-  <p:cSld>
-    <p:spTree>
-      <p:nvGrpSpPr>
-        <p:cNvPr id="1" name=""/>
-        <p:cNvGrpSpPr/>
-        <p:nvPr/>
-      </p:nvGrpSpPr>
-      <p:grpSpPr>
-        <a:xfrm>
-          <a:off x="0" y="0"/>
-          <a:ext cx="0" cy="0"/>
-          <a:chOff x="0" y="0"/>
-          <a:chExt cx="0" cy="0"/>
-        </a:xfrm>
-      </p:grpSpPr>
-      <p:sp>
-        <p:nvSpPr>
-          <p:cNvPr id="3" name="Content Placeholder 2">
-            <a:extLst>
-              <a:ext uri="{FF2B5EF4-FFF2-40B4-BE49-F238E27FC236}">
-                <a16:creationId xmlns:a16="http://schemas.microsoft.com/office/drawing/2014/main" xmlns="" id="{62F5983C-D9E8-426E-B932-A907EC1D14A6}"/>
-              </a:ext>
-            </a:extLst>
-          </p:cNvPr>
-          <p:cNvSpPr>
-            <a:spLocks noGrp="1"/>
-          </p:cNvSpPr>
-          <p:nvPr>
-            <p:ph idx="1"/>
-          </p:nvPr>
-        </p:nvSpPr>
-        <p:spPr>
-          <a:xfrm>
-            <a:off x="344556" y="1961322"/>
-            <a:ext cx="8799443" cy="4395040"/>
-          </a:xfrm>
-        </p:spPr>
-        <p:txBody>
-          <a:bodyPr/>
-          <a:lstStyle/>
-          <a:p>
-            <a:r>
-              <a:rPr lang="en-US"/>
-              <a:t>Dịch thuật: dịch một câu thành ngôn ngữ khác</a:t>
-            </a:r>
-          </a:p>
-          <a:p>
-            <a:endParaRPr lang="en-US"/>
-          </a:p>
-          <a:p>
-            <a:endParaRPr lang="en-US"/>
-          </a:p>
-          <a:p>
-            <a:endParaRPr lang="en-US"/>
-          </a:p>
-          <a:p>
-            <a:endParaRPr lang="en-US"/>
-          </a:p>
-          <a:p>
-            <a:endParaRPr lang="en-US"/>
-          </a:p>
-          <a:p>
-            <a:r>
-              <a:rPr lang="en-US"/>
-              <a:t>Phân loại video trên từng khung hình  </a:t>
-            </a:r>
-          </a:p>
-        </p:txBody>
-      </p:sp>
-      <p:pic>
-        <p:nvPicPr>
-          <p:cNvPr id="5" name="Picture 4" descr="Screen Clipping">
-            <a:extLst>
-              <a:ext uri="{FF2B5EF4-FFF2-40B4-BE49-F238E27FC236}">
-                <a16:creationId xmlns:a16="http://schemas.microsoft.com/office/drawing/2014/main" xmlns="" id="{3C986878-A15B-4740-9309-4F8F8A72E4B5}"/>
-              </a:ext>
-            </a:extLst>
-          </p:cNvPr>
-          <p:cNvPicPr>
-            <a:picLocks noChangeAspect="1"/>
-          </p:cNvPicPr>
-          <p:nvPr/>
-        </p:nvPicPr>
-        <p:blipFill>
-          <a:blip r:embed="rId2">
-            <a:extLst>
-              <a:ext uri="{28A0092B-C50C-407E-A947-70E740481C1C}">
-                <a14:useLocalDpi xmlns:a14="http://schemas.microsoft.com/office/drawing/2010/main" val="0"/>
-              </a:ext>
-            </a:extLst>
-          </a:blip>
-          <a:stretch>
-            <a:fillRect/>
-          </a:stretch>
-        </p:blipFill>
-        <p:spPr>
-          <a:xfrm>
-            <a:off x="5880292" y="1505274"/>
-            <a:ext cx="1721884" cy="2057687"/>
-          </a:xfrm>
-          <a:prstGeom prst="rect">
-            <a:avLst/>
-          </a:prstGeom>
-        </p:spPr>
-      </p:pic>
-      <p:pic>
-        <p:nvPicPr>
-          <p:cNvPr id="7" name="Picture 6" descr="Screen Clipping">
-            <a:extLst>
-              <a:ext uri="{FF2B5EF4-FFF2-40B4-BE49-F238E27FC236}">
-                <a16:creationId xmlns:a16="http://schemas.microsoft.com/office/drawing/2014/main" xmlns="" id="{4B1B2750-100E-4877-AC77-A26F685F5EB0}"/>
-              </a:ext>
-            </a:extLst>
-          </p:cNvPr>
-          <p:cNvPicPr>
-            <a:picLocks noChangeAspect="1"/>
-          </p:cNvPicPr>
-          <p:nvPr/>
-        </p:nvPicPr>
-        <p:blipFill>
-          <a:blip r:embed="rId3">
-            <a:extLst>
-              <a:ext uri="{28A0092B-C50C-407E-A947-70E740481C1C}">
-                <a14:useLocalDpi xmlns:a14="http://schemas.microsoft.com/office/drawing/2010/main" val="0"/>
-              </a:ext>
-            </a:extLst>
-          </a:blip>
-          <a:stretch>
-            <a:fillRect/>
-          </a:stretch>
-        </p:blipFill>
-        <p:spPr>
-          <a:xfrm>
-            <a:off x="4744277" y="4158842"/>
-            <a:ext cx="1136015" cy="2014819"/>
-          </a:xfrm>
-          <a:prstGeom prst="rect">
-            <a:avLst/>
-          </a:prstGeom>
-        </p:spPr>
-      </p:pic>
-      <p:sp>
-        <p:nvSpPr>
-          <p:cNvPr id="2" name="Slide Number Placeholder 1">
-            <a:extLst>
-              <a:ext uri="{FF2B5EF4-FFF2-40B4-BE49-F238E27FC236}">
-                <a16:creationId xmlns:a16="http://schemas.microsoft.com/office/drawing/2014/main" xmlns="" id="{B10107CD-CDC4-4EF0-A2C0-2CBE3C65EE16}"/>
-              </a:ext>
-            </a:extLst>
-          </p:cNvPr>
-          <p:cNvSpPr>
-            <a:spLocks noGrp="1"/>
-          </p:cNvSpPr>
-          <p:nvPr>
-            <p:ph type="sldNum" sz="quarter" idx="12"/>
-          </p:nvPr>
-        </p:nvSpPr>
-        <p:spPr/>
-        <p:txBody>
-          <a:bodyPr/>
-          <a:lstStyle/>
-          <a:p>
-            <a:fld id="{20B7F220-0825-4B9B-9156-FF79F33775FE}" type="slidenum">
-              <a:rPr lang="vi-VN" smtClean="0"/>
-              <a:t>27</a:t>
-            </a:fld>
-            <a:endParaRPr lang="vi-VN"/>
-          </a:p>
-        </p:txBody>
-      </p:sp>
-      <p:sp>
-        <p:nvSpPr>
-          <p:cNvPr id="6" name="Title 1">
-            <a:extLst>
-              <a:ext uri="{FF2B5EF4-FFF2-40B4-BE49-F238E27FC236}">
-                <a16:creationId xmlns:a16="http://schemas.microsoft.com/office/drawing/2014/main" xmlns="" id="{3C11E9E2-78B0-401A-AC98-CF0315042510}"/>
-              </a:ext>
-            </a:extLst>
-          </p:cNvPr>
-          <p:cNvSpPr>
-            <a:spLocks noGrp="1"/>
-          </p:cNvSpPr>
-          <p:nvPr>
-            <p:ph type="title"/>
-          </p:nvPr>
-        </p:nvSpPr>
-        <p:spPr>
-          <a:xfrm>
-            <a:off x="1066800" y="189707"/>
-            <a:ext cx="8229600" cy="1143000"/>
-          </a:xfrm>
-        </p:spPr>
-        <p:txBody>
-          <a:bodyPr/>
-          <a:lstStyle/>
-          <a:p>
-            <a:r>
-              <a:rPr lang="en-US"/>
-              <a:t>RECURRENT NEURAL NETWORK</a:t>
-            </a:r>
-            <a:br>
-              <a:rPr lang="en-US"/>
-            </a:br>
-            <a:r>
-              <a:rPr lang="en-US"/>
-              <a:t>(RNN)</a:t>
-            </a:r>
-          </a:p>
-        </p:txBody>
-      </p:sp>
-    </p:spTree>
-    <p:extLst>
-      <p:ext uri="{BB962C8B-B14F-4D97-AF65-F5344CB8AC3E}">
-        <p14:creationId xmlns:p14="http://schemas.microsoft.com/office/powerpoint/2010/main" val="3292324208"/>
-      </p:ext>
-    </p:extLst>
-  </p:cSld>
-  <p:clrMapOvr>
-    <a:masterClrMapping/>
-  </p:clrMapOvr>
-</p:sld>
-</file>
-
-<file path=ppt/slides/slide28.xml><?xml version="1.0" encoding="utf-8"?>
-<p:sld xmlns:a="http://schemas.openxmlformats.org/drawingml/2006/main" xmlns:r="http://schemas.openxmlformats.org/officeDocument/2006/relationships" xmlns:p="http://schemas.openxmlformats.org/presentationml/2006/main">
-  <p:cSld>
-    <p:spTree>
-      <p:nvGrpSpPr>
-        <p:cNvPr id="1" name=""/>
-        <p:cNvGrpSpPr/>
-        <p:nvPr/>
-      </p:nvGrpSpPr>
-      <p:grpSpPr>
-        <a:xfrm>
-          <a:off x="0" y="0"/>
-          <a:ext cx="0" cy="0"/>
-          <a:chOff x="0" y="0"/>
-          <a:chExt cx="0" cy="0"/>
-        </a:xfrm>
-      </p:grpSpPr>
-      <p:sp>
-        <p:nvSpPr>
-          <p:cNvPr id="3" name="Content Placeholder 2">
-            <a:extLst>
-              <a:ext uri="{FF2B5EF4-FFF2-40B4-BE49-F238E27FC236}">
-                <a16:creationId xmlns:a16="http://schemas.microsoft.com/office/drawing/2014/main" xmlns="" id="{887EA317-ADAD-4F98-BB9B-BAA380100569}"/>
-              </a:ext>
-            </a:extLst>
-          </p:cNvPr>
-          <p:cNvSpPr>
-            <a:spLocks noGrp="1"/>
-          </p:cNvSpPr>
-          <p:nvPr>
-            <p:ph idx="1"/>
-          </p:nvPr>
-        </p:nvSpPr>
-        <p:spPr/>
-        <p:txBody>
-          <a:bodyPr/>
-          <a:lstStyle/>
-          <a:p>
-            <a:pPr algn="just"/>
-            <a:r>
-              <a:rPr lang="en-US"/>
-              <a:t>Là ô xanh, nhận các vector đầu vào lại mỗi b</a:t>
-            </a:r>
-            <a:r>
-              <a:rPr lang="vi-VN"/>
-              <a:t>ư</a:t>
-            </a:r>
-            <a:r>
-              <a:rPr lang="en-US"/>
-              <a:t>ớc thời gian.</a:t>
-            </a:r>
-          </a:p>
-          <a:p>
-            <a:pPr algn="just"/>
-            <a:r>
-              <a:rPr lang="en-US"/>
-              <a:t>Có các trọng số để xác định trạng thái của RNN tại mỗi b</a:t>
-            </a:r>
-            <a:r>
-              <a:rPr lang="vi-VN"/>
-              <a:t>ư</a:t>
-            </a:r>
-            <a:r>
-              <a:rPr lang="en-US"/>
-              <a:t>ớc thời gian, khi thay đổi các trọng số, RNN sẽ xử lý khác nhau đối với vector đầu vào.</a:t>
-            </a:r>
-          </a:p>
-        </p:txBody>
-      </p:sp>
-      <p:pic>
-        <p:nvPicPr>
-          <p:cNvPr id="5" name="Picture 4" descr="Screen Clipping">
-            <a:extLst>
-              <a:ext uri="{FF2B5EF4-FFF2-40B4-BE49-F238E27FC236}">
-                <a16:creationId xmlns:a16="http://schemas.microsoft.com/office/drawing/2014/main" xmlns="" id="{325C962E-2AAB-46CB-9172-133170E3FE27}"/>
-              </a:ext>
-            </a:extLst>
-          </p:cNvPr>
-          <p:cNvPicPr>
-            <a:picLocks noChangeAspect="1"/>
-          </p:cNvPicPr>
-          <p:nvPr/>
-        </p:nvPicPr>
-        <p:blipFill>
-          <a:blip r:embed="rId2">
-            <a:extLst>
-              <a:ext uri="{28A0092B-C50C-407E-A947-70E740481C1C}">
-                <a14:useLocalDpi xmlns:a14="http://schemas.microsoft.com/office/drawing/2010/main" val="0"/>
-              </a:ext>
-            </a:extLst>
-          </a:blip>
-          <a:stretch>
-            <a:fillRect/>
-          </a:stretch>
-        </p:blipFill>
-        <p:spPr>
-          <a:xfrm>
-            <a:off x="3594736" y="3485322"/>
-            <a:ext cx="1656015" cy="2004650"/>
-          </a:xfrm>
-          <a:prstGeom prst="rect">
-            <a:avLst/>
-          </a:prstGeom>
-        </p:spPr>
-      </p:pic>
-      <p:sp>
-        <p:nvSpPr>
-          <p:cNvPr id="4" name="Slide Number Placeholder 3">
-            <a:extLst>
-              <a:ext uri="{FF2B5EF4-FFF2-40B4-BE49-F238E27FC236}">
-                <a16:creationId xmlns:a16="http://schemas.microsoft.com/office/drawing/2014/main" xmlns="" id="{5C1E8DC8-F6E5-456E-804C-E79D37EABDA5}"/>
-              </a:ext>
-            </a:extLst>
-          </p:cNvPr>
-          <p:cNvSpPr>
-            <a:spLocks noGrp="1"/>
-          </p:cNvSpPr>
-          <p:nvPr>
-            <p:ph type="sldNum" sz="quarter" idx="12"/>
-          </p:nvPr>
-        </p:nvSpPr>
-        <p:spPr/>
-        <p:txBody>
-          <a:bodyPr/>
-          <a:lstStyle/>
-          <a:p>
-            <a:fld id="{20B7F220-0825-4B9B-9156-FF79F33775FE}" type="slidenum">
-              <a:rPr lang="vi-VN" smtClean="0"/>
-              <a:t>28</a:t>
-            </a:fld>
-            <a:endParaRPr lang="vi-VN"/>
-          </a:p>
-        </p:txBody>
-      </p:sp>
-      <p:sp>
-        <p:nvSpPr>
-          <p:cNvPr id="9" name="Title 1">
-            <a:extLst>
-              <a:ext uri="{FF2B5EF4-FFF2-40B4-BE49-F238E27FC236}">
-                <a16:creationId xmlns:a16="http://schemas.microsoft.com/office/drawing/2014/main" xmlns="" id="{D1F79AE5-C53A-47DB-8348-D4661DE7A7CA}"/>
-              </a:ext>
-            </a:extLst>
-          </p:cNvPr>
-          <p:cNvSpPr>
-            <a:spLocks noGrp="1"/>
-          </p:cNvSpPr>
-          <p:nvPr>
-            <p:ph type="title"/>
-          </p:nvPr>
-        </p:nvSpPr>
-        <p:spPr>
-          <a:xfrm>
-            <a:off x="1066800" y="189707"/>
-            <a:ext cx="8229600" cy="1143000"/>
-          </a:xfrm>
-        </p:spPr>
-        <p:txBody>
-          <a:bodyPr/>
-          <a:lstStyle/>
-          <a:p>
-            <a:r>
-              <a:rPr lang="en-US"/>
-              <a:t>RECURRENT NEURAL NETWORK</a:t>
-            </a:r>
-            <a:br>
-              <a:rPr lang="en-US"/>
-            </a:br>
-            <a:r>
-              <a:rPr lang="en-US"/>
-              <a:t>(RNN)</a:t>
-            </a:r>
-          </a:p>
-        </p:txBody>
-      </p:sp>
-    </p:spTree>
-    <p:extLst>
-      <p:ext uri="{BB962C8B-B14F-4D97-AF65-F5344CB8AC3E}">
-        <p14:creationId xmlns:p14="http://schemas.microsoft.com/office/powerpoint/2010/main" val="2436253367"/>
-      </p:ext>
-    </p:extLst>
-  </p:cSld>
-  <p:clrMapOvr>
-    <a:masterClrMapping/>
-  </p:clrMapOvr>
-</p:sld>
-</file>
-
-<file path=ppt/slides/slide29.xml><?xml version="1.0" encoding="utf-8"?>
-<p:sld xmlns:a="http://schemas.openxmlformats.org/drawingml/2006/main" xmlns:r="http://schemas.openxmlformats.org/officeDocument/2006/relationships" xmlns:p="http://schemas.openxmlformats.org/presentationml/2006/main">
-  <p:cSld>
-    <p:spTree>
-      <p:nvGrpSpPr>
-        <p:cNvPr id="1" name=""/>
-        <p:cNvGrpSpPr/>
-        <p:nvPr/>
-      </p:nvGrpSpPr>
-      <p:grpSpPr>
-        <a:xfrm>
-          <a:off x="0" y="0"/>
-          <a:ext cx="0" cy="0"/>
-          <a:chOff x="0" y="0"/>
-          <a:chExt cx="0" cy="0"/>
-        </a:xfrm>
-      </p:grpSpPr>
-      <p:sp>
-        <p:nvSpPr>
-          <p:cNvPr id="3" name="Content Placeholder 2">
-            <a:extLst>
-              <a:ext uri="{FF2B5EF4-FFF2-40B4-BE49-F238E27FC236}">
-                <a16:creationId xmlns:a16="http://schemas.microsoft.com/office/drawing/2014/main" xmlns="" id="{53D74479-F1BA-43EA-BDD7-AE397472AA41}"/>
-              </a:ext>
-            </a:extLst>
-          </p:cNvPr>
-          <p:cNvSpPr>
-            <a:spLocks noGrp="1"/>
-          </p:cNvSpPr>
-          <p:nvPr>
-            <p:ph idx="1"/>
-          </p:nvPr>
-        </p:nvSpPr>
-        <p:spPr>
-          <a:xfrm>
-            <a:off x="628650" y="1960493"/>
-            <a:ext cx="7886700" cy="3529479"/>
-          </a:xfrm>
-        </p:spPr>
-        <p:txBody>
-          <a:bodyPr/>
-          <a:lstStyle/>
-          <a:p>
-            <a:r>
-              <a:rPr lang="en-US"/>
-              <a:t>Tạo ra các vector đầu ra dựa trên trạng thái của RNN</a:t>
-            </a:r>
-          </a:p>
-        </p:txBody>
-      </p:sp>
-      <p:pic>
-        <p:nvPicPr>
-          <p:cNvPr id="5" name="Picture 4" descr="Screen Clipping">
-            <a:extLst>
-              <a:ext uri="{FF2B5EF4-FFF2-40B4-BE49-F238E27FC236}">
-                <a16:creationId xmlns:a16="http://schemas.microsoft.com/office/drawing/2014/main" xmlns="" id="{3CE56B1F-D331-4B11-AD77-026F08670941}"/>
-              </a:ext>
-            </a:extLst>
-          </p:cNvPr>
-          <p:cNvPicPr>
-            <a:picLocks noChangeAspect="1"/>
-          </p:cNvPicPr>
-          <p:nvPr/>
-        </p:nvPicPr>
-        <p:blipFill>
-          <a:blip r:embed="rId2">
-            <a:extLst>
-              <a:ext uri="{28A0092B-C50C-407E-A947-70E740481C1C}">
-                <a14:useLocalDpi xmlns:a14="http://schemas.microsoft.com/office/drawing/2010/main" val="0"/>
-              </a:ext>
-            </a:extLst>
-          </a:blip>
-          <a:stretch>
-            <a:fillRect/>
-          </a:stretch>
-        </p:blipFill>
-        <p:spPr>
-          <a:xfrm>
-            <a:off x="2746517" y="2710666"/>
-            <a:ext cx="3650966" cy="2779307"/>
-          </a:xfrm>
-          <a:prstGeom prst="rect">
-            <a:avLst/>
-          </a:prstGeom>
-        </p:spPr>
-      </p:pic>
-      <p:sp>
-        <p:nvSpPr>
-          <p:cNvPr id="4" name="Slide Number Placeholder 3">
-            <a:extLst>
-              <a:ext uri="{FF2B5EF4-FFF2-40B4-BE49-F238E27FC236}">
-                <a16:creationId xmlns:a16="http://schemas.microsoft.com/office/drawing/2014/main" xmlns="" id="{83E4358E-2DF4-4CDC-8975-62AE84497F1C}"/>
-              </a:ext>
-            </a:extLst>
-          </p:cNvPr>
-          <p:cNvSpPr>
-            <a:spLocks noGrp="1"/>
-          </p:cNvSpPr>
-          <p:nvPr>
-            <p:ph type="sldNum" sz="quarter" idx="12"/>
-          </p:nvPr>
-        </p:nvSpPr>
-        <p:spPr/>
-        <p:txBody>
-          <a:bodyPr/>
-          <a:lstStyle/>
-          <a:p>
-            <a:fld id="{20B7F220-0825-4B9B-9156-FF79F33775FE}" type="slidenum">
-              <a:rPr lang="vi-VN" smtClean="0"/>
-              <a:t>29</a:t>
-            </a:fld>
-            <a:endParaRPr lang="vi-VN"/>
-          </a:p>
-        </p:txBody>
-      </p:sp>
-      <p:sp>
-        <p:nvSpPr>
-          <p:cNvPr id="8" name="Title 1">
-            <a:extLst>
-              <a:ext uri="{FF2B5EF4-FFF2-40B4-BE49-F238E27FC236}">
-                <a16:creationId xmlns:a16="http://schemas.microsoft.com/office/drawing/2014/main" xmlns="" id="{4FB2DA77-CB7F-4A62-80F6-47F5D09E27A3}"/>
-              </a:ext>
-            </a:extLst>
-          </p:cNvPr>
-          <p:cNvSpPr>
-            <a:spLocks noGrp="1"/>
-          </p:cNvSpPr>
-          <p:nvPr>
-            <p:ph type="title"/>
-          </p:nvPr>
-        </p:nvSpPr>
-        <p:spPr>
-          <a:xfrm>
-            <a:off x="1066800" y="189707"/>
-            <a:ext cx="8229600" cy="1143000"/>
-          </a:xfrm>
-        </p:spPr>
-        <p:txBody>
-          <a:bodyPr/>
-          <a:lstStyle/>
-          <a:p>
-            <a:r>
-              <a:rPr lang="en-US"/>
-              <a:t>RECURRENT NEURAL NETWORK</a:t>
-            </a:r>
-            <a:br>
-              <a:rPr lang="en-US"/>
-            </a:br>
-            <a:r>
-              <a:rPr lang="en-US"/>
-              <a:t>(RNN)</a:t>
-            </a:r>
-          </a:p>
-        </p:txBody>
-      </p:sp>
-    </p:spTree>
-    <p:extLst>
-      <p:ext uri="{BB962C8B-B14F-4D97-AF65-F5344CB8AC3E}">
-        <p14:creationId xmlns:p14="http://schemas.microsoft.com/office/powerpoint/2010/main" val="886797302"/>
       </p:ext>
     </p:extLst>
   </p:cSld>
@@ -14736,7 +15423,7 @@
           <p:cNvPr id="2" name="Title 1">
             <a:extLst>
               <a:ext uri="{FF2B5EF4-FFF2-40B4-BE49-F238E27FC236}">
-                <a16:creationId xmlns:a16="http://schemas.microsoft.com/office/drawing/2014/main" xmlns="" id="{99CFBFA3-9845-AD46-BB1F-CF3D6AD45069}"/>
+                <a16:creationId xmlns:a16="http://schemas.microsoft.com/office/drawing/2014/main" id="{99CFBFA3-9845-AD46-BB1F-CF3D6AD45069}"/>
               </a:ext>
             </a:extLst>
           </p:cNvPr>
@@ -14765,7 +15452,7 @@
           <p:cNvPr id="3" name="Content Placeholder 2">
             <a:extLst>
               <a:ext uri="{FF2B5EF4-FFF2-40B4-BE49-F238E27FC236}">
-                <a16:creationId xmlns:a16="http://schemas.microsoft.com/office/drawing/2014/main" xmlns="" id="{67B53794-3EB5-D745-B4A6-BDB2D18A9110}"/>
+                <a16:creationId xmlns:a16="http://schemas.microsoft.com/office/drawing/2014/main" id="{67B53794-3EB5-D745-B4A6-BDB2D18A9110}"/>
               </a:ext>
             </a:extLst>
           </p:cNvPr>
@@ -15148,7 +15835,7 @@
           <p:cNvPr id="4" name="Slide Number Placeholder 3">
             <a:extLst>
               <a:ext uri="{FF2B5EF4-FFF2-40B4-BE49-F238E27FC236}">
-                <a16:creationId xmlns:a16="http://schemas.microsoft.com/office/drawing/2014/main" xmlns="" id="{486A7A2F-0E35-C543-B052-55913ECC7011}"/>
+                <a16:creationId xmlns:a16="http://schemas.microsoft.com/office/drawing/2014/main" id="{486A7A2F-0E35-C543-B052-55913ECC7011}"/>
               </a:ext>
             </a:extLst>
           </p:cNvPr>
@@ -15207,7 +15894,7 @@
           <p:cNvPr id="3" name="Content Placeholder 2">
             <a:extLst>
               <a:ext uri="{FF2B5EF4-FFF2-40B4-BE49-F238E27FC236}">
-                <a16:creationId xmlns:a16="http://schemas.microsoft.com/office/drawing/2014/main" xmlns="" id="{7B2685C7-DAFA-49B6-A014-0606C09DCB8A}"/>
+                <a16:creationId xmlns:a16="http://schemas.microsoft.com/office/drawing/2014/main" id="{887EA317-ADAD-4F98-BB9B-BAA380100569}"/>
               </a:ext>
             </a:extLst>
           </p:cNvPr>
@@ -15223,53 +15910,33 @@
           <a:bodyPr/>
           <a:lstStyle/>
           <a:p>
-            <a:r>
-              <a:rPr lang="en-US">
-                <a:latin typeface="Calibri (Body)"/>
-                <a:cs typeface="Times New Roman" panose="02020603050405020304" pitchFamily="18" charset="0"/>
-              </a:rPr>
-              <a:t>Xử</a:t>
-            </a:r>
-            <a:r>
-              <a:rPr lang="en-US">
-                <a:latin typeface="Calibri (Body)"/>
-              </a:rPr>
-              <a:t> lý </a:t>
-            </a:r>
-            <a:r>
-              <a:rPr lang="en-US">
-                <a:latin typeface="Calibri (Body)"/>
-                <a:cs typeface="Times New Roman" panose="02020603050405020304" pitchFamily="18" charset="0"/>
-              </a:rPr>
-              <a:t>một chuỗi các vector X, áp dụng công thức RNN tại mỗi b</a:t>
-            </a:r>
-            <a:r>
-              <a:rPr lang="vi-VN">
-                <a:latin typeface="Calibri (Body)"/>
-                <a:cs typeface="Times New Roman" panose="02020603050405020304" pitchFamily="18" charset="0"/>
-              </a:rPr>
+            <a:pPr algn="just"/>
+            <a:r>
+              <a:rPr lang="en-US"/>
+              <a:t>Là ô xanh, nhận các vector đầu vào lại mỗi b</a:t>
+            </a:r>
+            <a:r>
+              <a:rPr lang="vi-VN"/>
               <a:t>ư</a:t>
             </a:r>
             <a:r>
-              <a:rPr lang="en-US">
-                <a:latin typeface="Calibri (Body)"/>
-                <a:cs typeface="Times New Roman" panose="02020603050405020304" pitchFamily="18" charset="0"/>
-              </a:rPr>
-              <a:t>ớc thời gian: (chú ý công thức và tham số là giống nhau tại mỗi b</a:t>
-            </a:r>
-            <a:r>
-              <a:rPr lang="vi-VN">
-                <a:latin typeface="Calibri (Body)"/>
-                <a:cs typeface="Times New Roman" panose="02020603050405020304" pitchFamily="18" charset="0"/>
-              </a:rPr>
+              <a:rPr lang="en-US"/>
+              <a:t>ớc thời gian.</a:t>
+            </a:r>
+          </a:p>
+          <a:p>
+            <a:pPr algn="just"/>
+            <a:r>
+              <a:rPr lang="en-US"/>
+              <a:t>Có các trọng số để xác định trạng thái của RNN tại mỗi b</a:t>
+            </a:r>
+            <a:r>
+              <a:rPr lang="vi-VN"/>
               <a:t>ư</a:t>
             </a:r>
             <a:r>
-              <a:rPr lang="en-US">
-                <a:latin typeface="Calibri (Body)"/>
-                <a:cs typeface="Times New Roman" panose="02020603050405020304" pitchFamily="18" charset="0"/>
-              </a:rPr>
-              <a:t>ớc thời gian)</a:t>
+              <a:rPr lang="en-US"/>
+              <a:t>ớc thời gian, khi thay đổi các trọng số, RNN sẽ xử lý khác nhau đối với vector đầu vào.</a:t>
             </a:r>
           </a:p>
         </p:txBody>
@@ -15279,7 +15946,551 @@
           <p:cNvPr id="5" name="Picture 4" descr="Screen Clipping">
             <a:extLst>
               <a:ext uri="{FF2B5EF4-FFF2-40B4-BE49-F238E27FC236}">
-                <a16:creationId xmlns:a16="http://schemas.microsoft.com/office/drawing/2014/main" xmlns="" id="{D3093ECD-3BCA-421C-88ED-D6491CF7B6B2}"/>
+                <a16:creationId xmlns:a16="http://schemas.microsoft.com/office/drawing/2014/main" id="{325C962E-2AAB-46CB-9172-133170E3FE27}"/>
+              </a:ext>
+            </a:extLst>
+          </p:cNvPr>
+          <p:cNvPicPr>
+            <a:picLocks noChangeAspect="1"/>
+          </p:cNvPicPr>
+          <p:nvPr/>
+        </p:nvPicPr>
+        <p:blipFill>
+          <a:blip r:embed="rId2">
+            <a:extLst>
+              <a:ext uri="{28A0092B-C50C-407E-A947-70E740481C1C}">
+                <a14:useLocalDpi xmlns:a14="http://schemas.microsoft.com/office/drawing/2010/main" val="0"/>
+              </a:ext>
+            </a:extLst>
+          </a:blip>
+          <a:stretch>
+            <a:fillRect/>
+          </a:stretch>
+        </p:blipFill>
+        <p:spPr>
+          <a:xfrm>
+            <a:off x="3594736" y="3485322"/>
+            <a:ext cx="1656015" cy="2004650"/>
+          </a:xfrm>
+          <a:prstGeom prst="rect">
+            <a:avLst/>
+          </a:prstGeom>
+        </p:spPr>
+      </p:pic>
+      <p:sp>
+        <p:nvSpPr>
+          <p:cNvPr id="4" name="Slide Number Placeholder 3">
+            <a:extLst>
+              <a:ext uri="{FF2B5EF4-FFF2-40B4-BE49-F238E27FC236}">
+                <a16:creationId xmlns:a16="http://schemas.microsoft.com/office/drawing/2014/main" id="{5C1E8DC8-F6E5-456E-804C-E79D37EABDA5}"/>
+              </a:ext>
+            </a:extLst>
+          </p:cNvPr>
+          <p:cNvSpPr>
+            <a:spLocks noGrp="1"/>
+          </p:cNvSpPr>
+          <p:nvPr>
+            <p:ph type="sldNum" sz="quarter" idx="12"/>
+          </p:nvPr>
+        </p:nvSpPr>
+        <p:spPr/>
+        <p:txBody>
+          <a:bodyPr/>
+          <a:lstStyle/>
+          <a:p>
+            <a:fld id="{20B7F220-0825-4B9B-9156-FF79F33775FE}" type="slidenum">
+              <a:rPr lang="vi-VN" smtClean="0"/>
+              <a:t>30</a:t>
+            </a:fld>
+            <a:endParaRPr lang="vi-VN"/>
+          </a:p>
+        </p:txBody>
+      </p:sp>
+      <p:sp>
+        <p:nvSpPr>
+          <p:cNvPr id="9" name="Title 1">
+            <a:extLst>
+              <a:ext uri="{FF2B5EF4-FFF2-40B4-BE49-F238E27FC236}">
+                <a16:creationId xmlns:a16="http://schemas.microsoft.com/office/drawing/2014/main" id="{D1F79AE5-C53A-47DB-8348-D4661DE7A7CA}"/>
+              </a:ext>
+            </a:extLst>
+          </p:cNvPr>
+          <p:cNvSpPr>
+            <a:spLocks noGrp="1"/>
+          </p:cNvSpPr>
+          <p:nvPr>
+            <p:ph type="title"/>
+          </p:nvPr>
+        </p:nvSpPr>
+        <p:spPr>
+          <a:xfrm>
+            <a:off x="1066800" y="189707"/>
+            <a:ext cx="8229600" cy="1143000"/>
+          </a:xfrm>
+        </p:spPr>
+        <p:txBody>
+          <a:bodyPr/>
+          <a:lstStyle/>
+          <a:p>
+            <a:r>
+              <a:rPr lang="en-US"/>
+              <a:t>RECURRENT NEURAL NETWORK</a:t>
+            </a:r>
+            <a:br>
+              <a:rPr lang="en-US"/>
+            </a:br>
+            <a:r>
+              <a:rPr lang="en-US"/>
+              <a:t>(RNN)</a:t>
+            </a:r>
+          </a:p>
+        </p:txBody>
+      </p:sp>
+    </p:spTree>
+    <p:extLst>
+      <p:ext uri="{BB962C8B-B14F-4D97-AF65-F5344CB8AC3E}">
+        <p14:creationId xmlns:p14="http://schemas.microsoft.com/office/powerpoint/2010/main" val="2436253367"/>
+      </p:ext>
+    </p:extLst>
+  </p:cSld>
+  <p:clrMapOvr>
+    <a:masterClrMapping/>
+  </p:clrMapOvr>
+</p:sld>
+</file>
+
+<file path=ppt/slides/slide31.xml><?xml version="1.0" encoding="utf-8"?>
+<p:sld xmlns:a="http://schemas.openxmlformats.org/drawingml/2006/main" xmlns:r="http://schemas.openxmlformats.org/officeDocument/2006/relationships" xmlns:p="http://schemas.openxmlformats.org/presentationml/2006/main">
+  <p:cSld>
+    <p:spTree>
+      <p:nvGrpSpPr>
+        <p:cNvPr id="1" name=""/>
+        <p:cNvGrpSpPr/>
+        <p:nvPr/>
+      </p:nvGrpSpPr>
+      <p:grpSpPr>
+        <a:xfrm>
+          <a:off x="0" y="0"/>
+          <a:ext cx="0" cy="0"/>
+          <a:chOff x="0" y="0"/>
+          <a:chExt cx="0" cy="0"/>
+        </a:xfrm>
+      </p:grpSpPr>
+      <p:sp>
+        <p:nvSpPr>
+          <p:cNvPr id="3" name="Content Placeholder 2">
+            <a:extLst>
+              <a:ext uri="{FF2B5EF4-FFF2-40B4-BE49-F238E27FC236}">
+                <a16:creationId xmlns:a16="http://schemas.microsoft.com/office/drawing/2014/main" id="{53D74479-F1BA-43EA-BDD7-AE397472AA41}"/>
+              </a:ext>
+            </a:extLst>
+          </p:cNvPr>
+          <p:cNvSpPr>
+            <a:spLocks noGrp="1"/>
+          </p:cNvSpPr>
+          <p:nvPr>
+            <p:ph idx="1"/>
+          </p:nvPr>
+        </p:nvSpPr>
+        <p:spPr>
+          <a:xfrm>
+            <a:off x="628650" y="1960493"/>
+            <a:ext cx="7886700" cy="3529479"/>
+          </a:xfrm>
+        </p:spPr>
+        <p:txBody>
+          <a:bodyPr/>
+          <a:lstStyle/>
+          <a:p>
+            <a:r>
+              <a:rPr lang="en-US"/>
+              <a:t>Tạo ra các vector đầu ra dựa trên trạng thái của RNN</a:t>
+            </a:r>
+          </a:p>
+        </p:txBody>
+      </p:sp>
+      <p:pic>
+        <p:nvPicPr>
+          <p:cNvPr id="5" name="Picture 4" descr="Screen Clipping">
+            <a:extLst>
+              <a:ext uri="{FF2B5EF4-FFF2-40B4-BE49-F238E27FC236}">
+                <a16:creationId xmlns:a16="http://schemas.microsoft.com/office/drawing/2014/main" id="{3CE56B1F-D331-4B11-AD77-026F08670941}"/>
+              </a:ext>
+            </a:extLst>
+          </p:cNvPr>
+          <p:cNvPicPr>
+            <a:picLocks noChangeAspect="1"/>
+          </p:cNvPicPr>
+          <p:nvPr/>
+        </p:nvPicPr>
+        <p:blipFill>
+          <a:blip r:embed="rId2">
+            <a:extLst>
+              <a:ext uri="{28A0092B-C50C-407E-A947-70E740481C1C}">
+                <a14:useLocalDpi xmlns:a14="http://schemas.microsoft.com/office/drawing/2010/main" val="0"/>
+              </a:ext>
+            </a:extLst>
+          </a:blip>
+          <a:stretch>
+            <a:fillRect/>
+          </a:stretch>
+        </p:blipFill>
+        <p:spPr>
+          <a:xfrm>
+            <a:off x="2746517" y="2710666"/>
+            <a:ext cx="3650966" cy="2779307"/>
+          </a:xfrm>
+          <a:prstGeom prst="rect">
+            <a:avLst/>
+          </a:prstGeom>
+        </p:spPr>
+      </p:pic>
+      <p:sp>
+        <p:nvSpPr>
+          <p:cNvPr id="4" name="Slide Number Placeholder 3">
+            <a:extLst>
+              <a:ext uri="{FF2B5EF4-FFF2-40B4-BE49-F238E27FC236}">
+                <a16:creationId xmlns:a16="http://schemas.microsoft.com/office/drawing/2014/main" id="{83E4358E-2DF4-4CDC-8975-62AE84497F1C}"/>
+              </a:ext>
+            </a:extLst>
+          </p:cNvPr>
+          <p:cNvSpPr>
+            <a:spLocks noGrp="1"/>
+          </p:cNvSpPr>
+          <p:nvPr>
+            <p:ph type="sldNum" sz="quarter" idx="12"/>
+          </p:nvPr>
+        </p:nvSpPr>
+        <p:spPr/>
+        <p:txBody>
+          <a:bodyPr/>
+          <a:lstStyle/>
+          <a:p>
+            <a:fld id="{20B7F220-0825-4B9B-9156-FF79F33775FE}" type="slidenum">
+              <a:rPr lang="vi-VN" smtClean="0"/>
+              <a:t>31</a:t>
+            </a:fld>
+            <a:endParaRPr lang="vi-VN"/>
+          </a:p>
+        </p:txBody>
+      </p:sp>
+      <p:sp>
+        <p:nvSpPr>
+          <p:cNvPr id="8" name="Title 1">
+            <a:extLst>
+              <a:ext uri="{FF2B5EF4-FFF2-40B4-BE49-F238E27FC236}">
+                <a16:creationId xmlns:a16="http://schemas.microsoft.com/office/drawing/2014/main" id="{4FB2DA77-CB7F-4A62-80F6-47F5D09E27A3}"/>
+              </a:ext>
+            </a:extLst>
+          </p:cNvPr>
+          <p:cNvSpPr>
+            <a:spLocks noGrp="1"/>
+          </p:cNvSpPr>
+          <p:nvPr>
+            <p:ph type="title"/>
+          </p:nvPr>
+        </p:nvSpPr>
+        <p:spPr>
+          <a:xfrm>
+            <a:off x="1066800" y="189707"/>
+            <a:ext cx="8229600" cy="1143000"/>
+          </a:xfrm>
+        </p:spPr>
+        <p:txBody>
+          <a:bodyPr/>
+          <a:lstStyle/>
+          <a:p>
+            <a:r>
+              <a:rPr lang="en-US"/>
+              <a:t>RECURRENT NEURAL NETWORK</a:t>
+            </a:r>
+            <a:br>
+              <a:rPr lang="en-US"/>
+            </a:br>
+            <a:r>
+              <a:rPr lang="en-US"/>
+              <a:t>(RNN)</a:t>
+            </a:r>
+          </a:p>
+        </p:txBody>
+      </p:sp>
+    </p:spTree>
+    <p:extLst>
+      <p:ext uri="{BB962C8B-B14F-4D97-AF65-F5344CB8AC3E}">
+        <p14:creationId xmlns:p14="http://schemas.microsoft.com/office/powerpoint/2010/main" val="886797302"/>
+      </p:ext>
+    </p:extLst>
+  </p:cSld>
+  <p:clrMapOvr>
+    <a:masterClrMapping/>
+  </p:clrMapOvr>
+</p:sld>
+</file>
+
+<file path=ppt/slides/slide32.xml><?xml version="1.0" encoding="utf-8"?>
+<p:sld xmlns:a="http://schemas.openxmlformats.org/drawingml/2006/main" xmlns:r="http://schemas.openxmlformats.org/officeDocument/2006/relationships" xmlns:p="http://schemas.openxmlformats.org/presentationml/2006/main">
+  <p:cSld>
+    <p:spTree>
+      <p:nvGrpSpPr>
+        <p:cNvPr id="1" name=""/>
+        <p:cNvGrpSpPr/>
+        <p:nvPr/>
+      </p:nvGrpSpPr>
+      <p:grpSpPr>
+        <a:xfrm>
+          <a:off x="0" y="0"/>
+          <a:ext cx="0" cy="0"/>
+          <a:chOff x="0" y="0"/>
+          <a:chExt cx="0" cy="0"/>
+        </a:xfrm>
+      </p:grpSpPr>
+      <p:sp>
+        <p:nvSpPr>
+          <p:cNvPr id="3" name="Content Placeholder 2">
+            <a:extLst>
+              <a:ext uri="{FF2B5EF4-FFF2-40B4-BE49-F238E27FC236}">
+                <a16:creationId xmlns:a16="http://schemas.microsoft.com/office/drawing/2014/main" id="{7B2685C7-DAFA-49B6-A014-0606C09DCB8A}"/>
+              </a:ext>
+            </a:extLst>
+          </p:cNvPr>
+          <p:cNvSpPr>
+            <a:spLocks noGrp="1"/>
+          </p:cNvSpPr>
+          <p:nvPr>
+            <p:ph idx="1"/>
+          </p:nvPr>
+        </p:nvSpPr>
+        <p:spPr/>
+        <p:txBody>
+          <a:bodyPr/>
+          <a:lstStyle/>
+          <a:p>
+            <a:pPr algn="just"/>
+            <a:r>
+              <a:rPr lang="en-US" dirty="0" err="1"/>
+              <a:t>Xử</a:t>
+            </a:r>
+            <a:r>
+              <a:rPr lang="en-US" dirty="0"/>
+              <a:t> </a:t>
+            </a:r>
+            <a:r>
+              <a:rPr lang="en-US" dirty="0" err="1"/>
+              <a:t>lý</a:t>
+            </a:r>
+            <a:r>
+              <a:rPr lang="en-US" dirty="0"/>
+              <a:t> </a:t>
+            </a:r>
+            <a:r>
+              <a:rPr lang="en-US" dirty="0" err="1"/>
+              <a:t>một</a:t>
+            </a:r>
+            <a:r>
+              <a:rPr lang="en-US" dirty="0"/>
+              <a:t> </a:t>
+            </a:r>
+            <a:r>
+              <a:rPr lang="en-US" dirty="0" err="1"/>
+              <a:t>chuỗi</a:t>
+            </a:r>
+            <a:r>
+              <a:rPr lang="en-US" dirty="0"/>
+              <a:t> </a:t>
+            </a:r>
+            <a:r>
+              <a:rPr lang="en-US" dirty="0" err="1"/>
+              <a:t>các</a:t>
+            </a:r>
+            <a:r>
+              <a:rPr lang="en-US" dirty="0"/>
+              <a:t> vector X, </a:t>
+            </a:r>
+            <a:r>
+              <a:rPr lang="en-US" dirty="0" err="1"/>
+              <a:t>áp</a:t>
+            </a:r>
+            <a:r>
+              <a:rPr lang="en-US" dirty="0"/>
+              <a:t> </a:t>
+            </a:r>
+            <a:r>
+              <a:rPr lang="en-US" dirty="0" err="1"/>
+              <a:t>dụng</a:t>
+            </a:r>
+            <a:r>
+              <a:rPr lang="en-US" dirty="0"/>
+              <a:t> </a:t>
+            </a:r>
+            <a:r>
+              <a:rPr lang="en-US" dirty="0" err="1"/>
+              <a:t>công</a:t>
+            </a:r>
+            <a:r>
+              <a:rPr lang="en-US" dirty="0"/>
+              <a:t> </a:t>
+            </a:r>
+            <a:r>
+              <a:rPr lang="en-US" dirty="0" err="1"/>
+              <a:t>thức</a:t>
+            </a:r>
+            <a:r>
+              <a:rPr lang="en-US" dirty="0"/>
+              <a:t> RNN </a:t>
+            </a:r>
+            <a:r>
+              <a:rPr lang="en-US" dirty="0" err="1"/>
+              <a:t>tại</a:t>
+            </a:r>
+            <a:r>
+              <a:rPr lang="en-US" dirty="0"/>
+              <a:t> </a:t>
+            </a:r>
+            <a:r>
+              <a:rPr lang="en-US" dirty="0" err="1"/>
+              <a:t>mỗi</a:t>
+            </a:r>
+            <a:r>
+              <a:rPr lang="en-US" dirty="0"/>
+              <a:t> b</a:t>
+            </a:r>
+            <a:r>
+              <a:rPr lang="vi-VN" dirty="0"/>
+              <a:t>ư</a:t>
+            </a:r>
+            <a:r>
+              <a:rPr lang="en-US" dirty="0" err="1"/>
+              <a:t>ớc</a:t>
+            </a:r>
+            <a:r>
+              <a:rPr lang="en-US" dirty="0"/>
+              <a:t> </a:t>
+            </a:r>
+            <a:r>
+              <a:rPr lang="en-US" dirty="0" err="1"/>
+              <a:t>thời</a:t>
+            </a:r>
+            <a:r>
+              <a:rPr lang="en-US" dirty="0"/>
+              <a:t> </a:t>
+            </a:r>
+            <a:r>
+              <a:rPr lang="en-US" dirty="0" err="1"/>
+              <a:t>gian</a:t>
+            </a:r>
+            <a:r>
+              <a:rPr lang="en-US" dirty="0"/>
+              <a:t>: (chú ý </a:t>
+            </a:r>
+            <a:r>
+              <a:rPr lang="en-US" dirty="0" err="1"/>
+              <a:t>công</a:t>
+            </a:r>
+            <a:r>
+              <a:rPr lang="en-US" dirty="0"/>
+              <a:t> </a:t>
+            </a:r>
+            <a:r>
+              <a:rPr lang="en-US" dirty="0" err="1"/>
+              <a:t>thức</a:t>
+            </a:r>
+            <a:r>
+              <a:rPr lang="en-US" dirty="0"/>
+              <a:t> </a:t>
+            </a:r>
+            <a:r>
+              <a:rPr lang="en-US" dirty="0" err="1"/>
+              <a:t>va</a:t>
+            </a:r>
+            <a:r>
+              <a:rPr lang="en-US" dirty="0"/>
+              <a:t>̀ </a:t>
+            </a:r>
+            <a:r>
+              <a:rPr lang="en-US" dirty="0" err="1"/>
+              <a:t>tham</a:t>
+            </a:r>
+            <a:r>
+              <a:rPr lang="en-US" dirty="0"/>
+              <a:t> </a:t>
+            </a:r>
+            <a:r>
+              <a:rPr lang="en-US" dirty="0" err="1"/>
+              <a:t>sô</a:t>
+            </a:r>
+            <a:r>
+              <a:rPr lang="en-US" dirty="0"/>
+              <a:t>́ là </a:t>
+            </a:r>
+            <a:r>
+              <a:rPr lang="en-US" dirty="0" err="1"/>
+              <a:t>giống</a:t>
+            </a:r>
+            <a:r>
+              <a:rPr lang="en-US" dirty="0"/>
+              <a:t> </a:t>
+            </a:r>
+            <a:r>
+              <a:rPr lang="en-US" dirty="0" err="1"/>
+              <a:t>nhau</a:t>
+            </a:r>
+            <a:r>
+              <a:rPr lang="en-US" dirty="0"/>
+              <a:t> </a:t>
+            </a:r>
+            <a:r>
+              <a:rPr lang="en-US" dirty="0" err="1"/>
+              <a:t>tại</a:t>
+            </a:r>
+            <a:r>
+              <a:rPr lang="en-US" dirty="0"/>
+              <a:t> </a:t>
+            </a:r>
+            <a:r>
+              <a:rPr lang="en-US" dirty="0" err="1"/>
+              <a:t>mỗi</a:t>
+            </a:r>
+            <a:r>
+              <a:rPr lang="en-US" dirty="0"/>
+              <a:t> b</a:t>
+            </a:r>
+            <a:r>
+              <a:rPr lang="vi-VN" dirty="0"/>
+              <a:t>ư</a:t>
+            </a:r>
+            <a:r>
+              <a:rPr lang="en-US" dirty="0" err="1"/>
+              <a:t>ớc</a:t>
+            </a:r>
+            <a:r>
+              <a:rPr lang="en-US" dirty="0"/>
+              <a:t> </a:t>
+            </a:r>
+            <a:r>
+              <a:rPr lang="en-US" dirty="0" err="1"/>
+              <a:t>thời</a:t>
+            </a:r>
+            <a:r>
+              <a:rPr lang="en-US" dirty="0"/>
+              <a:t> </a:t>
+            </a:r>
+            <a:r>
+              <a:rPr lang="en-US" dirty="0" err="1"/>
+              <a:t>gian</a:t>
+            </a:r>
+            <a:r>
+              <a:rPr lang="en-US" dirty="0"/>
+              <a:t>)</a:t>
+            </a:r>
+          </a:p>
+        </p:txBody>
+      </p:sp>
+      <p:pic>
+        <p:nvPicPr>
+          <p:cNvPr id="5" name="Picture 4" descr="Screen Clipping">
+            <a:extLst>
+              <a:ext uri="{FF2B5EF4-FFF2-40B4-BE49-F238E27FC236}">
+                <a16:creationId xmlns:a16="http://schemas.microsoft.com/office/drawing/2014/main" id="{D3093ECD-3BCA-421C-88ED-D6491CF7B6B2}"/>
               </a:ext>
             </a:extLst>
           </p:cNvPr>
@@ -15315,7 +16526,7 @@
           <p:cNvPr id="7" name="Picture 6" descr="Screen Clipping">
             <a:extLst>
               <a:ext uri="{FF2B5EF4-FFF2-40B4-BE49-F238E27FC236}">
-                <a16:creationId xmlns:a16="http://schemas.microsoft.com/office/drawing/2014/main" xmlns="" id="{0C5DF7EC-10F1-4E0C-8A62-2BB215DA22D1}"/>
+                <a16:creationId xmlns:a16="http://schemas.microsoft.com/office/drawing/2014/main" id="{0C5DF7EC-10F1-4E0C-8A62-2BB215DA22D1}"/>
               </a:ext>
             </a:extLst>
           </p:cNvPr>
@@ -15351,7 +16562,7 @@
           <p:cNvPr id="4" name="Slide Number Placeholder 3">
             <a:extLst>
               <a:ext uri="{FF2B5EF4-FFF2-40B4-BE49-F238E27FC236}">
-                <a16:creationId xmlns:a16="http://schemas.microsoft.com/office/drawing/2014/main" xmlns="" id="{CC302431-6ACC-44DE-BB57-8C1414EC8D4E}"/>
+                <a16:creationId xmlns:a16="http://schemas.microsoft.com/office/drawing/2014/main" id="{CC302431-6ACC-44DE-BB57-8C1414EC8D4E}"/>
               </a:ext>
             </a:extLst>
           </p:cNvPr>
@@ -15369,7 +16580,7 @@
           <a:p>
             <a:fld id="{20B7F220-0825-4B9B-9156-FF79F33775FE}" type="slidenum">
               <a:rPr lang="vi-VN" smtClean="0"/>
-              <a:t>30</a:t>
+              <a:t>32</a:t>
             </a:fld>
             <a:endParaRPr lang="vi-VN"/>
           </a:p>
@@ -15380,7 +16591,7 @@
           <p:cNvPr id="10" name="Title 1">
             <a:extLst>
               <a:ext uri="{FF2B5EF4-FFF2-40B4-BE49-F238E27FC236}">
-                <a16:creationId xmlns:a16="http://schemas.microsoft.com/office/drawing/2014/main" xmlns="" id="{567D2B0D-3A81-486A-8EC8-D612CBA16813}"/>
+                <a16:creationId xmlns:a16="http://schemas.microsoft.com/office/drawing/2014/main" id="{567D2B0D-3A81-486A-8EC8-D612CBA16813}"/>
               </a:ext>
             </a:extLst>
           </p:cNvPr>
@@ -15428,7 +16639,7 @@
 </p:sld>
 </file>
 
-<file path=ppt/slides/slide31.xml><?xml version="1.0" encoding="utf-8"?>
+<file path=ppt/slides/slide33.xml><?xml version="1.0" encoding="utf-8"?>
 <p:sld xmlns:a="http://schemas.openxmlformats.org/drawingml/2006/main" xmlns:r="http://schemas.openxmlformats.org/officeDocument/2006/relationships" xmlns:p="http://schemas.openxmlformats.org/presentationml/2006/main">
   <p:cSld>
     <p:spTree>
@@ -15450,7 +16661,7 @@
           <p:cNvPr id="3" name="Content Placeholder 2">
             <a:extLst>
               <a:ext uri="{FF2B5EF4-FFF2-40B4-BE49-F238E27FC236}">
-                <a16:creationId xmlns:a16="http://schemas.microsoft.com/office/drawing/2014/main" xmlns="" id="{6EBDCD62-9304-4CD0-9170-F5EF203AF4C8}"/>
+                <a16:creationId xmlns:a16="http://schemas.microsoft.com/office/drawing/2014/main" id="{6EBDCD62-9304-4CD0-9170-F5EF203AF4C8}"/>
               </a:ext>
             </a:extLst>
           </p:cNvPr>
@@ -15631,7 +16842,7 @@
           <p:cNvPr id="4" name="Slide Number Placeholder 3">
             <a:extLst>
               <a:ext uri="{FF2B5EF4-FFF2-40B4-BE49-F238E27FC236}">
-                <a16:creationId xmlns:a16="http://schemas.microsoft.com/office/drawing/2014/main" xmlns="" id="{03A9B594-5E4A-4333-92B9-CBE86E4D8867}"/>
+                <a16:creationId xmlns:a16="http://schemas.microsoft.com/office/drawing/2014/main" id="{03A9B594-5E4A-4333-92B9-CBE86E4D8867}"/>
               </a:ext>
             </a:extLst>
           </p:cNvPr>
@@ -15649,7 +16860,7 @@
           <a:p>
             <a:fld id="{20B7F220-0825-4B9B-9156-FF79F33775FE}" type="slidenum">
               <a:rPr lang="vi-VN" smtClean="0"/>
-              <a:t>31</a:t>
+              <a:t>33</a:t>
             </a:fld>
             <a:endParaRPr lang="vi-VN"/>
           </a:p>
@@ -15660,7 +16871,7 @@
           <p:cNvPr id="7" name="Title 1">
             <a:extLst>
               <a:ext uri="{FF2B5EF4-FFF2-40B4-BE49-F238E27FC236}">
-                <a16:creationId xmlns:a16="http://schemas.microsoft.com/office/drawing/2014/main" xmlns="" id="{2A7B09E6-804C-48DA-8D7B-1CA97C79C076}"/>
+                <a16:creationId xmlns:a16="http://schemas.microsoft.com/office/drawing/2014/main" id="{2A7B09E6-804C-48DA-8D7B-1CA97C79C076}"/>
               </a:ext>
             </a:extLst>
           </p:cNvPr>
@@ -15700,7 +16911,7 @@
           <p:cNvPr id="8" name="Content Placeholder 4" descr="Screen Clipping">
             <a:extLst>
               <a:ext uri="{FF2B5EF4-FFF2-40B4-BE49-F238E27FC236}">
-                <a16:creationId xmlns:a16="http://schemas.microsoft.com/office/drawing/2014/main" xmlns="" id="{FEBCCAE8-1C96-41C8-B335-C56421D3874A}"/>
+                <a16:creationId xmlns:a16="http://schemas.microsoft.com/office/drawing/2014/main" id="{FEBCCAE8-1C96-41C8-B335-C56421D3874A}"/>
               </a:ext>
             </a:extLst>
           </p:cNvPr>
@@ -15744,7 +16955,7 @@
 </p:sld>
 </file>
 
-<file path=ppt/slides/slide32.xml><?xml version="1.0" encoding="utf-8"?>
+<file path=ppt/slides/slide34.xml><?xml version="1.0" encoding="utf-8"?>
 <p:sld xmlns:a="http://schemas.openxmlformats.org/drawingml/2006/main" xmlns:r="http://schemas.openxmlformats.org/officeDocument/2006/relationships" xmlns:p="http://schemas.openxmlformats.org/presentationml/2006/main">
   <p:cSld>
     <p:spTree>
@@ -15766,7 +16977,7 @@
           <p:cNvPr id="3" name="Content Placeholder 2">
             <a:extLst>
               <a:ext uri="{FF2B5EF4-FFF2-40B4-BE49-F238E27FC236}">
-                <a16:creationId xmlns:a16="http://schemas.microsoft.com/office/drawing/2014/main" xmlns="" id="{D3D792A6-5436-4E70-8B64-E4263C8F09E1}"/>
+                <a16:creationId xmlns:a16="http://schemas.microsoft.com/office/drawing/2014/main" id="{D3D792A6-5436-4E70-8B64-E4263C8F09E1}"/>
               </a:ext>
             </a:extLst>
           </p:cNvPr>
@@ -15824,7 +17035,7 @@
           <p:cNvPr id="5" name="Picture 4" descr="Screen Clipping">
             <a:extLst>
               <a:ext uri="{FF2B5EF4-FFF2-40B4-BE49-F238E27FC236}">
-                <a16:creationId xmlns:a16="http://schemas.microsoft.com/office/drawing/2014/main" xmlns="" id="{7EE9DFC5-5A6E-4DEB-B4F7-56971D432570}"/>
+                <a16:creationId xmlns:a16="http://schemas.microsoft.com/office/drawing/2014/main" id="{7EE9DFC5-5A6E-4DEB-B4F7-56971D432570}"/>
               </a:ext>
             </a:extLst>
           </p:cNvPr>
@@ -15860,7 +17071,7 @@
           <p:cNvPr id="4" name="Slide Number Placeholder 3">
             <a:extLst>
               <a:ext uri="{FF2B5EF4-FFF2-40B4-BE49-F238E27FC236}">
-                <a16:creationId xmlns:a16="http://schemas.microsoft.com/office/drawing/2014/main" xmlns="" id="{1C837316-3332-40E7-B119-B7F1EA4A19D1}"/>
+                <a16:creationId xmlns:a16="http://schemas.microsoft.com/office/drawing/2014/main" id="{1C837316-3332-40E7-B119-B7F1EA4A19D1}"/>
               </a:ext>
             </a:extLst>
           </p:cNvPr>
@@ -15878,7 +17089,7 @@
           <a:p>
             <a:fld id="{20B7F220-0825-4B9B-9156-FF79F33775FE}" type="slidenum">
               <a:rPr lang="vi-VN" smtClean="0"/>
-              <a:t>32</a:t>
+              <a:t>34</a:t>
             </a:fld>
             <a:endParaRPr lang="vi-VN"/>
           </a:p>
@@ -15889,7 +17100,7 @@
           <p:cNvPr id="8" name="Title 1">
             <a:extLst>
               <a:ext uri="{FF2B5EF4-FFF2-40B4-BE49-F238E27FC236}">
-                <a16:creationId xmlns:a16="http://schemas.microsoft.com/office/drawing/2014/main" xmlns="" id="{FB941173-05C0-4E91-B7BB-E588D4385FD3}"/>
+                <a16:creationId xmlns:a16="http://schemas.microsoft.com/office/drawing/2014/main" id="{FB941173-05C0-4E91-B7BB-E588D4385FD3}"/>
               </a:ext>
             </a:extLst>
           </p:cNvPr>
@@ -15937,7 +17148,7 @@
 </p:sld>
 </file>
 
-<file path=ppt/slides/slide33.xml><?xml version="1.0" encoding="utf-8"?>
+<file path=ppt/slides/slide35.xml><?xml version="1.0" encoding="utf-8"?>
 <p:sld xmlns:a="http://schemas.openxmlformats.org/drawingml/2006/main" xmlns:r="http://schemas.openxmlformats.org/officeDocument/2006/relationships" xmlns:p="http://schemas.openxmlformats.org/presentationml/2006/main">
   <p:cSld>
     <p:spTree>
@@ -15959,7 +17170,7 @@
           <p:cNvPr id="3" name="Content Placeholder 2">
             <a:extLst>
               <a:ext uri="{FF2B5EF4-FFF2-40B4-BE49-F238E27FC236}">
-                <a16:creationId xmlns:a16="http://schemas.microsoft.com/office/drawing/2014/main" xmlns="" id="{BA748294-09C2-41FD-B2B5-13C1C0BE1406}"/>
+                <a16:creationId xmlns:a16="http://schemas.microsoft.com/office/drawing/2014/main" id="{BA748294-09C2-41FD-B2B5-13C1C0BE1406}"/>
               </a:ext>
             </a:extLst>
           </p:cNvPr>
@@ -16000,7 +17211,7 @@
           <p:cNvPr id="5" name="Picture 4" descr="Screen Clipping">
             <a:extLst>
               <a:ext uri="{FF2B5EF4-FFF2-40B4-BE49-F238E27FC236}">
-                <a16:creationId xmlns:a16="http://schemas.microsoft.com/office/drawing/2014/main" xmlns="" id="{484AD513-B03C-46D4-92A4-2263AB97CFA1}"/>
+                <a16:creationId xmlns:a16="http://schemas.microsoft.com/office/drawing/2014/main" id="{484AD513-B03C-46D4-92A4-2263AB97CFA1}"/>
               </a:ext>
             </a:extLst>
           </p:cNvPr>
@@ -16036,7 +17247,7 @@
           <p:cNvPr id="2" name="Slide Number Placeholder 1">
             <a:extLst>
               <a:ext uri="{FF2B5EF4-FFF2-40B4-BE49-F238E27FC236}">
-                <a16:creationId xmlns:a16="http://schemas.microsoft.com/office/drawing/2014/main" xmlns="" id="{A914B5DF-5B6C-4B58-992A-3E44E2ECF4C1}"/>
+                <a16:creationId xmlns:a16="http://schemas.microsoft.com/office/drawing/2014/main" id="{A914B5DF-5B6C-4B58-992A-3E44E2ECF4C1}"/>
               </a:ext>
             </a:extLst>
           </p:cNvPr>
@@ -16054,7 +17265,7 @@
           <a:p>
             <a:fld id="{20B7F220-0825-4B9B-9156-FF79F33775FE}" type="slidenum">
               <a:rPr lang="vi-VN" smtClean="0"/>
-              <a:t>33</a:t>
+              <a:t>35</a:t>
             </a:fld>
             <a:endParaRPr lang="vi-VN"/>
           </a:p>
@@ -16065,7 +17276,7 @@
           <p:cNvPr id="6" name="Title 1">
             <a:extLst>
               <a:ext uri="{FF2B5EF4-FFF2-40B4-BE49-F238E27FC236}">
-                <a16:creationId xmlns:a16="http://schemas.microsoft.com/office/drawing/2014/main" xmlns="" id="{469D2842-D5EC-4727-9C5B-8D4B4D0EAEFC}"/>
+                <a16:creationId xmlns:a16="http://schemas.microsoft.com/office/drawing/2014/main" id="{469D2842-D5EC-4727-9C5B-8D4B4D0EAEFC}"/>
               </a:ext>
             </a:extLst>
           </p:cNvPr>
@@ -16113,7 +17324,7 @@
 </p:sld>
 </file>
 
-<file path=ppt/slides/slide34.xml><?xml version="1.0" encoding="utf-8"?>
+<file path=ppt/slides/slide36.xml><?xml version="1.0" encoding="utf-8"?>
 <p:sld xmlns:a="http://schemas.openxmlformats.org/drawingml/2006/main" xmlns:r="http://schemas.openxmlformats.org/officeDocument/2006/relationships" xmlns:p="http://schemas.openxmlformats.org/presentationml/2006/main">
   <p:cSld>
     <p:spTree>
@@ -16135,7 +17346,7 @@
           <p:cNvPr id="3" name="Content Placeholder 2">
             <a:extLst>
               <a:ext uri="{FF2B5EF4-FFF2-40B4-BE49-F238E27FC236}">
-                <a16:creationId xmlns:a16="http://schemas.microsoft.com/office/drawing/2014/main" xmlns="" id="{456B1E7B-9E14-409C-B6E5-DD95B9E86DF4}"/>
+                <a16:creationId xmlns:a16="http://schemas.microsoft.com/office/drawing/2014/main" id="{456B1E7B-9E14-409C-B6E5-DD95B9E86DF4}"/>
               </a:ext>
             </a:extLst>
           </p:cNvPr>
@@ -16186,7 +17397,7 @@
           <p:cNvPr id="5" name="Picture 4" descr="Screen Clipping">
             <a:extLst>
               <a:ext uri="{FF2B5EF4-FFF2-40B4-BE49-F238E27FC236}">
-                <a16:creationId xmlns:a16="http://schemas.microsoft.com/office/drawing/2014/main" xmlns="" id="{6135B2A2-3C14-4998-A9A8-4795ADD0A887}"/>
+                <a16:creationId xmlns:a16="http://schemas.microsoft.com/office/drawing/2014/main" id="{6135B2A2-3C14-4998-A9A8-4795ADD0A887}"/>
               </a:ext>
             </a:extLst>
           </p:cNvPr>
@@ -16222,7 +17433,7 @@
           <p:cNvPr id="2" name="Slide Number Placeholder 1">
             <a:extLst>
               <a:ext uri="{FF2B5EF4-FFF2-40B4-BE49-F238E27FC236}">
-                <a16:creationId xmlns:a16="http://schemas.microsoft.com/office/drawing/2014/main" xmlns="" id="{B9DEDEBA-99F2-4541-82CC-EB50B3514604}"/>
+                <a16:creationId xmlns:a16="http://schemas.microsoft.com/office/drawing/2014/main" id="{B9DEDEBA-99F2-4541-82CC-EB50B3514604}"/>
               </a:ext>
             </a:extLst>
           </p:cNvPr>
@@ -16240,7 +17451,7 @@
           <a:p>
             <a:fld id="{20B7F220-0825-4B9B-9156-FF79F33775FE}" type="slidenum">
               <a:rPr lang="vi-VN" smtClean="0"/>
-              <a:t>34</a:t>
+              <a:t>36</a:t>
             </a:fld>
             <a:endParaRPr lang="vi-VN"/>
           </a:p>
@@ -16251,7 +17462,7 @@
           <p:cNvPr id="6" name="Title 1">
             <a:extLst>
               <a:ext uri="{FF2B5EF4-FFF2-40B4-BE49-F238E27FC236}">
-                <a16:creationId xmlns:a16="http://schemas.microsoft.com/office/drawing/2014/main" xmlns="" id="{1907A51F-7B38-4FB0-BC46-4C73E827F680}"/>
+                <a16:creationId xmlns:a16="http://schemas.microsoft.com/office/drawing/2014/main" id="{1907A51F-7B38-4FB0-BC46-4C73E827F680}"/>
               </a:ext>
             </a:extLst>
           </p:cNvPr>
@@ -16299,7 +17510,7 @@
 </p:sld>
 </file>
 
-<file path=ppt/slides/slide35.xml><?xml version="1.0" encoding="utf-8"?>
+<file path=ppt/slides/slide37.xml><?xml version="1.0" encoding="utf-8"?>
 <p:sld xmlns:a="http://schemas.openxmlformats.org/drawingml/2006/main" xmlns:r="http://schemas.openxmlformats.org/officeDocument/2006/relationships" xmlns:p="http://schemas.openxmlformats.org/presentationml/2006/main">
   <p:cSld>
     <p:spTree>
@@ -16318,7 +17529,66 @@
       </p:grpSpPr>
       <p:sp>
         <p:nvSpPr>
-          <p:cNvPr id="2" name="Title 1"/>
+          <p:cNvPr id="4" name="Content Placeholder 2">
+            <a:extLst>
+              <a:ext uri="{FF2B5EF4-FFF2-40B4-BE49-F238E27FC236}">
+                <a16:creationId xmlns:a16="http://schemas.microsoft.com/office/drawing/2014/main" id="{C1693D15-E7BF-42F8-9E6B-ED10A35BBB1C}"/>
+              </a:ext>
+            </a:extLst>
+          </p:cNvPr>
+          <p:cNvSpPr>
+            <a:spLocks noGrp="1"/>
+          </p:cNvSpPr>
+          <p:nvPr>
+            <p:ph idx="1"/>
+          </p:nvPr>
+        </p:nvSpPr>
+        <p:spPr>
+          <a:xfrm>
+            <a:off x="344557" y="1574800"/>
+            <a:ext cx="8570844" cy="4781561"/>
+          </a:xfrm>
+        </p:spPr>
+        <p:txBody>
+          <a:bodyPr/>
+          <a:lstStyle/>
+          <a:p>
+            <a:pPr marL="0" indent="0" algn="just">
+              <a:buNone/>
+            </a:pPr>
+            <a:r>
+              <a:rPr lang="vi-VN" dirty="0"/>
+              <a:t>Bước 2:</a:t>
+            </a:r>
+            <a:r>
+              <a:rPr lang="en-US" dirty="0"/>
+              <a:t> </a:t>
+            </a:r>
+            <a:r>
+              <a:rPr lang="vi-VN" dirty="0"/>
+              <a:t>Áp dụng LSTM với y0 là từ đầu tiên</a:t>
+            </a:r>
+            <a:r>
+              <a:rPr lang="en-US" dirty="0"/>
+              <a:t> “Straw”</a:t>
+            </a:r>
+            <a:r>
+              <a:rPr lang="vi-VN" dirty="0"/>
+              <a:t> (cái nón).</a:t>
+            </a:r>
+            <a:endParaRPr lang="en-US" dirty="0"/>
+          </a:p>
+        </p:txBody>
+      </p:sp>
+      <p:sp>
+        <p:nvSpPr>
+          <p:cNvPr id="5" name="Title 1">
+            <a:extLst>
+              <a:ext uri="{FF2B5EF4-FFF2-40B4-BE49-F238E27FC236}">
+                <a16:creationId xmlns:a16="http://schemas.microsoft.com/office/drawing/2014/main" id="{28375B81-B5C6-4127-BFB7-AC0A76916918}"/>
+              </a:ext>
+            </a:extLst>
+          </p:cNvPr>
           <p:cNvSpPr>
             <a:spLocks noGrp="1"/>
           </p:cNvSpPr>
@@ -16326,375 +17596,33 @@
             <p:ph type="title"/>
           </p:nvPr>
         </p:nvSpPr>
-        <p:spPr/>
+        <p:spPr>
+          <a:xfrm>
+            <a:off x="1066800" y="189707"/>
+            <a:ext cx="8229600" cy="1143000"/>
+          </a:xfrm>
+        </p:spPr>
         <p:txBody>
           <a:bodyPr/>
           <a:lstStyle/>
           <a:p>
             <a:r>
-              <a:rPr lang="en-US" dirty="0" smtClean="0"/>
-              <a:t>LOGISTIC REGRESSTION</a:t>
-            </a:r>
-            <a:endParaRPr lang="en-US" dirty="0"/>
+              <a:rPr lang="vi-VN"/>
+              <a:t>XỬ LÝ NGÔN NGỮ TỰ NHIÊN</a:t>
+            </a:r>
+            <a:endParaRPr lang="en-US"/>
           </a:p>
         </p:txBody>
       </p:sp>
-      <mc:AlternateContent xmlns:mc="http://schemas.openxmlformats.org/markup-compatibility/2006">
-        <mc:Choice xmlns:a14="http://schemas.microsoft.com/office/drawing/2010/main" Requires="a14">
-          <p:sp>
-            <p:nvSpPr>
-              <p:cNvPr id="3" name="Content Placeholder 2"/>
-              <p:cNvSpPr>
-                <a:spLocks noGrp="1"/>
-              </p:cNvSpPr>
-              <p:nvPr>
-                <p:ph idx="1"/>
-              </p:nvPr>
-            </p:nvSpPr>
-            <p:spPr/>
-            <p:txBody>
-              <a:bodyPr>
-                <a:normAutofit/>
-              </a:bodyPr>
-              <a:lstStyle/>
-              <a:p>
-                <a:pPr algn="just"/>
-                <a:r>
-                  <a:rPr lang="vi-VN" dirty="0" smtClean="0"/>
-                  <a:t>linear </a:t>
-                </a:r>
-                <a:r>
-                  <a:rPr lang="vi-VN" dirty="0"/>
-                  <a:t>regression và perceptron (PLA), đều có thể viết chung dưới </a:t>
-                </a:r>
-                <a:r>
-                  <a:rPr lang="vi-VN" dirty="0" smtClean="0"/>
-                  <a:t>dạng</a:t>
-                </a:r>
-                <a14:m>
-                  <m:oMath xmlns:m="http://schemas.openxmlformats.org/officeDocument/2006/math">
-                    <m:r>
-                      <a:rPr lang="vi-VN" b="0" i="0" smtClean="0">
-                        <a:latin typeface="Cambria Math" panose="02040503050406030204" pitchFamily="18" charset="0"/>
-                      </a:rPr>
-                      <m:t> </m:t>
-                    </m:r>
-                    <m:r>
-                      <a:rPr lang="vi-VN" b="0" i="1" smtClean="0">
-                        <a:latin typeface="Cambria Math" panose="02040503050406030204" pitchFamily="18" charset="0"/>
-                      </a:rPr>
-                      <m:t>𝑦</m:t>
-                    </m:r>
-                    <m:r>
-                      <a:rPr lang="vi-VN" b="0" i="1" smtClean="0">
-                        <a:latin typeface="Cambria Math" panose="02040503050406030204" pitchFamily="18" charset="0"/>
-                      </a:rPr>
-                      <m:t>=</m:t>
-                    </m:r>
-                    <m:r>
-                      <a:rPr lang="vi-VN" b="0" i="1" smtClean="0">
-                        <a:latin typeface="Cambria Math" panose="02040503050406030204" pitchFamily="18" charset="0"/>
-                      </a:rPr>
-                      <m:t>𝑓</m:t>
-                    </m:r>
-                    <m:r>
-                      <a:rPr lang="vi-VN" b="0" i="1" smtClean="0">
-                        <a:latin typeface="Cambria Math" panose="02040503050406030204" pitchFamily="18" charset="0"/>
-                      </a:rPr>
-                      <m:t>(</m:t>
-                    </m:r>
-                    <m:sSup>
-                      <m:sSupPr>
-                        <m:ctrlPr>
-                          <a:rPr lang="vi-VN" b="0" i="1" smtClean="0">
-                            <a:latin typeface="Cambria Math" panose="02040503050406030204" pitchFamily="18" charset="0"/>
-                          </a:rPr>
-                        </m:ctrlPr>
-                      </m:sSupPr>
-                      <m:e>
-                        <m:r>
-                          <a:rPr lang="vi-VN" b="0" i="1" smtClean="0">
-                            <a:latin typeface="Cambria Math" panose="02040503050406030204" pitchFamily="18" charset="0"/>
-                          </a:rPr>
-                          <m:t>𝑤</m:t>
-                        </m:r>
-                      </m:e>
-                      <m:sup>
-                        <m:r>
-                          <a:rPr lang="vi-VN" b="0" i="1" smtClean="0">
-                            <a:latin typeface="Cambria Math" panose="02040503050406030204" pitchFamily="18" charset="0"/>
-                          </a:rPr>
-                          <m:t>𝑇</m:t>
-                        </m:r>
-                      </m:sup>
-                    </m:sSup>
-                    <m:r>
-                      <a:rPr lang="vi-VN" b="0" i="1" smtClean="0">
-                        <a:latin typeface="Cambria Math" panose="02040503050406030204" pitchFamily="18" charset="0"/>
-                      </a:rPr>
-                      <m:t>𝑥</m:t>
-                    </m:r>
-                    <m:r>
-                      <a:rPr lang="vi-VN" b="0" i="1" smtClean="0">
-                        <a:latin typeface="Cambria Math" panose="02040503050406030204" pitchFamily="18" charset="0"/>
-                      </a:rPr>
-                      <m:t>)</m:t>
-                    </m:r>
-                  </m:oMath>
-                </a14:m>
-                <a:r>
-                  <a:rPr lang="vi-VN" dirty="0" smtClean="0"/>
-                  <a:t> </a:t>
-                </a:r>
-                <a:r>
-                  <a:rPr lang="vi-VN" dirty="0"/>
-                  <a:t>với </a:t>
-                </a:r>
-                <a14:m>
-                  <m:oMath xmlns:m="http://schemas.openxmlformats.org/officeDocument/2006/math">
-                    <m:r>
-                      <a:rPr lang="vi-VN" i="1">
-                        <a:latin typeface="Cambria Math" panose="02040503050406030204" pitchFamily="18" charset="0"/>
-                      </a:rPr>
-                      <m:t>𝑓</m:t>
-                    </m:r>
-                    <m:r>
-                      <a:rPr lang="vi-VN" i="1">
-                        <a:latin typeface="Cambria Math" panose="02040503050406030204" pitchFamily="18" charset="0"/>
-                      </a:rPr>
-                      <m:t>(</m:t>
-                    </m:r>
-                    <m:r>
-                      <a:rPr lang="vi-VN" b="0" i="1" smtClean="0">
-                        <a:latin typeface="Cambria Math" panose="02040503050406030204" pitchFamily="18" charset="0"/>
-                      </a:rPr>
-                      <m:t>𝑠</m:t>
-                    </m:r>
-                    <m:r>
-                      <a:rPr lang="vi-VN" i="1">
-                        <a:latin typeface="Cambria Math" panose="02040503050406030204" pitchFamily="18" charset="0"/>
-                      </a:rPr>
-                      <m:t>) </m:t>
-                    </m:r>
-                  </m:oMath>
-                </a14:m>
-                <a:r>
-                  <a:rPr lang="vi-VN" dirty="0"/>
-                  <a:t>là một hàm kích hoạt. Với </a:t>
-                </a:r>
-                <a14:m>
-                  <m:oMath xmlns:m="http://schemas.openxmlformats.org/officeDocument/2006/math">
-                    <m:r>
-                      <a:rPr lang="vi-VN" i="1">
-                        <a:latin typeface="Cambria Math" panose="02040503050406030204" pitchFamily="18" charset="0"/>
-                      </a:rPr>
-                      <m:t>𝑓</m:t>
-                    </m:r>
-                    <m:d>
-                      <m:dPr>
-                        <m:ctrlPr>
-                          <a:rPr lang="vi-VN" i="1">
-                            <a:latin typeface="Cambria Math" panose="02040503050406030204" pitchFamily="18" charset="0"/>
-                          </a:rPr>
-                        </m:ctrlPr>
-                      </m:dPr>
-                      <m:e>
-                        <m:r>
-                          <a:rPr lang="vi-VN" i="1">
-                            <a:latin typeface="Cambria Math" panose="02040503050406030204" pitchFamily="18" charset="0"/>
-                          </a:rPr>
-                          <m:t>𝑠</m:t>
-                        </m:r>
-                      </m:e>
-                    </m:d>
-                    <m:r>
-                      <a:rPr lang="vi-VN" b="0" i="1" smtClean="0">
-                        <a:latin typeface="Cambria Math" panose="02040503050406030204" pitchFamily="18" charset="0"/>
-                      </a:rPr>
-                      <m:t>=</m:t>
-                    </m:r>
-                    <m:r>
-                      <a:rPr lang="vi-VN" b="0" i="1" smtClean="0">
-                        <a:latin typeface="Cambria Math" panose="02040503050406030204" pitchFamily="18" charset="0"/>
-                      </a:rPr>
-                      <m:t>𝑠</m:t>
-                    </m:r>
-                  </m:oMath>
-                </a14:m>
-                <a:r>
-                  <a:rPr lang="vi-VN" dirty="0" smtClean="0"/>
-                  <a:t> </a:t>
-                </a:r>
-                <a:r>
-                  <a:rPr lang="vi-VN" dirty="0"/>
-                  <a:t>trong linear regression, và </a:t>
-                </a:r>
-                <a14:m>
-                  <m:oMath xmlns:m="http://schemas.openxmlformats.org/officeDocument/2006/math">
-                    <m:r>
-                      <a:rPr lang="vi-VN" i="1">
-                        <a:latin typeface="Cambria Math" panose="02040503050406030204" pitchFamily="18" charset="0"/>
-                      </a:rPr>
-                      <m:t>𝑓</m:t>
-                    </m:r>
-                    <m:d>
-                      <m:dPr>
-                        <m:ctrlPr>
-                          <a:rPr lang="vi-VN" i="1">
-                            <a:latin typeface="Cambria Math" panose="02040503050406030204" pitchFamily="18" charset="0"/>
-                          </a:rPr>
-                        </m:ctrlPr>
-                      </m:dPr>
-                      <m:e>
-                        <m:r>
-                          <a:rPr lang="vi-VN" i="1">
-                            <a:latin typeface="Cambria Math" panose="02040503050406030204" pitchFamily="18" charset="0"/>
-                          </a:rPr>
-                          <m:t>𝑠</m:t>
-                        </m:r>
-                      </m:e>
-                    </m:d>
-                    <m:r>
-                      <a:rPr lang="vi-VN" i="1">
-                        <a:latin typeface="Cambria Math" panose="02040503050406030204" pitchFamily="18" charset="0"/>
-                      </a:rPr>
-                      <m:t>=</m:t>
-                    </m:r>
-                    <m:r>
-                      <a:rPr lang="vi-VN" i="1">
-                        <a:latin typeface="Cambria Math" panose="02040503050406030204" pitchFamily="18" charset="0"/>
-                      </a:rPr>
-                      <m:t>𝑠</m:t>
-                    </m:r>
-                  </m:oMath>
-                </a14:m>
-                <a:r>
-                  <a:rPr lang="vi-VN" dirty="0" smtClean="0"/>
-                  <a:t>gn(s) </a:t>
-                </a:r>
-                <a:r>
-                  <a:rPr lang="vi-VN" dirty="0"/>
-                  <a:t>trong PLA</a:t>
-                </a:r>
-                <a:r>
-                  <a:rPr lang="vi-VN" dirty="0" smtClean="0"/>
-                  <a:t>.</a:t>
-                </a:r>
-              </a:p>
-              <a:p>
-                <a:pPr algn="just"/>
-                <a:endParaRPr lang="vi-VN" dirty="0" smtClean="0"/>
-              </a:p>
-              <a:p>
-                <a:pPr algn="just"/>
-                <a:r>
-                  <a:rPr lang="vi-VN" dirty="0" smtClean="0"/>
-                  <a:t> </a:t>
-                </a:r>
-                <a:r>
-                  <a:rPr lang="vi-VN" dirty="0"/>
-                  <a:t>Trong linear regression, tích vô hướng </a:t>
-                </a:r>
-                <a14:m>
-                  <m:oMath xmlns:m="http://schemas.openxmlformats.org/officeDocument/2006/math">
-                    <m:sSup>
-                      <m:sSupPr>
-                        <m:ctrlPr>
-                          <a:rPr lang="vi-VN" i="1">
-                            <a:latin typeface="Cambria Math" panose="02040503050406030204" pitchFamily="18" charset="0"/>
-                          </a:rPr>
-                        </m:ctrlPr>
-                      </m:sSupPr>
-                      <m:e>
-                        <m:r>
-                          <a:rPr lang="vi-VN" i="1">
-                            <a:latin typeface="Cambria Math" panose="02040503050406030204" pitchFamily="18" charset="0"/>
-                          </a:rPr>
-                          <m:t>𝑤</m:t>
-                        </m:r>
-                      </m:e>
-                      <m:sup>
-                        <m:r>
-                          <a:rPr lang="vi-VN" i="1">
-                            <a:latin typeface="Cambria Math" panose="02040503050406030204" pitchFamily="18" charset="0"/>
-                          </a:rPr>
-                          <m:t>𝑇</m:t>
-                        </m:r>
-                      </m:sup>
-                    </m:sSup>
-                    <m:r>
-                      <a:rPr lang="vi-VN" i="1">
-                        <a:latin typeface="Cambria Math" panose="02040503050406030204" pitchFamily="18" charset="0"/>
-                      </a:rPr>
-                      <m:t>𝑥</m:t>
-                    </m:r>
-                  </m:oMath>
-                </a14:m>
-                <a:r>
-                  <a:rPr lang="vi-VN" dirty="0"/>
-                  <a:t> được trực tiếp sử dụng để dự đoán output y, loại này phù hợp nếu ta cần dự đoán một đầu ra không bị chặn trên và dưới. </a:t>
-                </a:r>
-                <a:endParaRPr lang="vi-VN" dirty="0" smtClean="0"/>
-              </a:p>
-              <a:p>
-                <a:pPr algn="just"/>
-                <a:endParaRPr lang="vi-VN" dirty="0" smtClean="0"/>
-              </a:p>
-              <a:p>
-                <a:pPr algn="just"/>
-                <a:r>
-                  <a:rPr lang="vi-VN" dirty="0" smtClean="0"/>
-                  <a:t>Trong </a:t>
-                </a:r>
-                <a:r>
-                  <a:rPr lang="vi-VN" dirty="0"/>
-                  <a:t>PLA, đầu ra chỉ nhận một trong hai giá trị 1 hoặc −1, phù hợp với các bài toán phân lớp nhị phân</a:t>
-                </a:r>
-                <a:r>
-                  <a:rPr lang="vi-VN" dirty="0" smtClean="0"/>
-                  <a:t>.</a:t>
-                </a:r>
-              </a:p>
-            </p:txBody>
-          </p:sp>
-        </mc:Choice>
-        <mc:Fallback>
-          <p:sp>
-            <p:nvSpPr>
-              <p:cNvPr id="3" name="Content Placeholder 2"/>
-              <p:cNvSpPr>
-                <a:spLocks noGrp="1" noRot="1" noChangeAspect="1" noMove="1" noResize="1" noEditPoints="1" noAdjustHandles="1" noChangeArrowheads="1" noChangeShapeType="1" noTextEdit="1"/>
-              </p:cNvSpPr>
-              <p:nvPr>
-                <p:ph idx="1"/>
-              </p:nvPr>
-            </p:nvSpPr>
-            <p:spPr>
-              <a:blipFill rotWithShape="0">
-                <a:blip r:embed="rId2"/>
-                <a:stretch>
-                  <a:fillRect l="-741" t="-943" r="-889"/>
-                </a:stretch>
-              </a:blipFill>
-            </p:spPr>
-            <p:txBody>
-              <a:bodyPr/>
-              <a:lstStyle/>
-              <a:p>
-                <a:r>
-                  <a:rPr lang="en-US">
-                    <a:noFill/>
-                  </a:rPr>
-                  <a:t> </a:t>
-                </a:r>
-              </a:p>
-            </p:txBody>
-          </p:sp>
-        </mc:Fallback>
-      </mc:AlternateContent>
       <p:sp>
         <p:nvSpPr>
-          <p:cNvPr id="4" name="Slide Number Placeholder 3"/>
+          <p:cNvPr id="3" name="Slide Number Placeholder 2">
+            <a:extLst>
+              <a:ext uri="{FF2B5EF4-FFF2-40B4-BE49-F238E27FC236}">
+                <a16:creationId xmlns:a16="http://schemas.microsoft.com/office/drawing/2014/main" id="{3FE1F7BB-8CA9-4B36-95D4-711AFD6B557B}"/>
+              </a:ext>
+            </a:extLst>
+          </p:cNvPr>
           <p:cNvSpPr>
             <a:spLocks noGrp="1"/>
           </p:cNvSpPr>
@@ -16709,16 +17637,109 @@
           <a:p>
             <a:fld id="{20B7F220-0825-4B9B-9156-FF79F33775FE}" type="slidenum">
               <a:rPr lang="vi-VN" smtClean="0"/>
-              <a:t>35</a:t>
+              <a:t>37</a:t>
             </a:fld>
             <a:endParaRPr lang="vi-VN"/>
           </a:p>
         </p:txBody>
       </p:sp>
+      <p:grpSp>
+        <p:nvGrpSpPr>
+          <p:cNvPr id="8" name="Group 7"/>
+          <p:cNvGrpSpPr/>
+          <p:nvPr/>
+        </p:nvGrpSpPr>
+        <p:grpSpPr>
+          <a:xfrm>
+            <a:off x="2321560" y="2528430"/>
+            <a:ext cx="5806440" cy="3901557"/>
+            <a:chOff x="2321560" y="2528430"/>
+            <a:chExt cx="5806440" cy="3901557"/>
+          </a:xfrm>
+        </p:grpSpPr>
+        <p:pic>
+          <p:nvPicPr>
+            <p:cNvPr id="2" name="Picture 1"/>
+            <p:cNvPicPr>
+              <a:picLocks noChangeAspect="1"/>
+            </p:cNvPicPr>
+            <p:nvPr/>
+          </p:nvPicPr>
+          <p:blipFill>
+            <a:blip r:embed="rId2" cstate="print">
+              <a:extLst>
+                <a:ext uri="{28A0092B-C50C-407E-A947-70E740481C1C}">
+                  <a14:useLocalDpi xmlns:a14="http://schemas.microsoft.com/office/drawing/2010/main" val="0"/>
+                </a:ext>
+              </a:extLst>
+            </a:blip>
+            <a:stretch>
+              <a:fillRect/>
+            </a:stretch>
+          </p:blipFill>
+          <p:spPr>
+            <a:xfrm>
+              <a:off x="2321560" y="2528430"/>
+              <a:ext cx="5720080" cy="3901557"/>
+            </a:xfrm>
+            <a:prstGeom prst="rect">
+              <a:avLst/>
+            </a:prstGeom>
+          </p:spPr>
+        </p:pic>
+        <p:sp>
+          <p:nvSpPr>
+            <p:cNvPr id="7" name="Rectangle 6"/>
+            <p:cNvSpPr/>
+            <p:nvPr/>
+          </p:nvSpPr>
+          <p:spPr>
+            <a:xfrm>
+              <a:off x="5181600" y="4104640"/>
+              <a:ext cx="2946400" cy="1747520"/>
+            </a:xfrm>
+            <a:prstGeom prst="rect">
+              <a:avLst/>
+            </a:prstGeom>
+            <a:solidFill>
+              <a:schemeClr val="bg1"/>
+            </a:solidFill>
+            <a:ln>
+              <a:solidFill>
+                <a:schemeClr val="bg1"/>
+              </a:solidFill>
+            </a:ln>
+          </p:spPr>
+          <p:style>
+            <a:lnRef idx="2">
+              <a:schemeClr val="accent1">
+                <a:shade val="50000"/>
+              </a:schemeClr>
+            </a:lnRef>
+            <a:fillRef idx="1">
+              <a:schemeClr val="accent1"/>
+            </a:fillRef>
+            <a:effectRef idx="0">
+              <a:schemeClr val="accent1"/>
+            </a:effectRef>
+            <a:fontRef idx="minor">
+              <a:schemeClr val="lt1"/>
+            </a:fontRef>
+          </p:style>
+          <p:txBody>
+            <a:bodyPr rtlCol="0" anchor="ctr"/>
+            <a:lstStyle/>
+            <a:p>
+              <a:pPr algn="ctr"/>
+              <a:endParaRPr lang="en-US"/>
+            </a:p>
+          </p:txBody>
+        </p:sp>
+      </p:grpSp>
     </p:spTree>
     <p:extLst>
       <p:ext uri="{BB962C8B-B14F-4D97-AF65-F5344CB8AC3E}">
-        <p14:creationId xmlns:p14="http://schemas.microsoft.com/office/powerpoint/2010/main" val="1996549190"/>
+        <p14:creationId xmlns:p14="http://schemas.microsoft.com/office/powerpoint/2010/main" val="933421225"/>
       </p:ext>
     </p:extLst>
   </p:cSld>
@@ -16728,7 +17749,7 @@
 </p:sld>
 </file>
 
-<file path=ppt/slides/slide36.xml><?xml version="1.0" encoding="utf-8"?>
+<file path=ppt/slides/slide38.xml><?xml version="1.0" encoding="utf-8"?>
 <p:sld xmlns:a="http://schemas.openxmlformats.org/drawingml/2006/main" xmlns:r="http://schemas.openxmlformats.org/officeDocument/2006/relationships" xmlns:p="http://schemas.openxmlformats.org/presentationml/2006/main">
   <p:cSld>
     <p:spTree>
@@ -16747,7 +17768,66 @@
       </p:grpSpPr>
       <p:sp>
         <p:nvSpPr>
-          <p:cNvPr id="2" name="Title 1"/>
+          <p:cNvPr id="4" name="Content Placeholder 2">
+            <a:extLst>
+              <a:ext uri="{FF2B5EF4-FFF2-40B4-BE49-F238E27FC236}">
+                <a16:creationId xmlns:a16="http://schemas.microsoft.com/office/drawing/2014/main" id="{FA499402-D5BB-4AE0-8E2B-344FFAB531C7}"/>
+              </a:ext>
+            </a:extLst>
+          </p:cNvPr>
+          <p:cNvSpPr>
+            <a:spLocks noGrp="1"/>
+          </p:cNvSpPr>
+          <p:nvPr>
+            <p:ph idx="1"/>
+          </p:nvPr>
+        </p:nvSpPr>
+        <p:spPr>
+          <a:xfrm>
+            <a:off x="344557" y="1749286"/>
+            <a:ext cx="8570843" cy="1376921"/>
+          </a:xfrm>
+        </p:spPr>
+        <p:txBody>
+          <a:bodyPr/>
+          <a:lstStyle/>
+          <a:p>
+            <a:pPr marL="0" indent="0" algn="just">
+              <a:buNone/>
+            </a:pPr>
+            <a:r>
+              <a:rPr lang="vi-VN"/>
+              <a:t>Bước 3: Huấn luyện dự đoán từ tiếp theo và lưu nhớ thông tin của bước trước. Lấy từ </a:t>
+            </a:r>
+            <a:r>
+              <a:rPr lang="en-US"/>
+              <a:t>“Straw” </a:t>
+            </a:r>
+            <a:r>
+              <a:rPr lang="vi-VN"/>
+              <a:t>để làm đầu vào của LSTM tiếp theo. </a:t>
+            </a:r>
+            <a:r>
+              <a:rPr lang="en-US"/>
+              <a:t>“Straw”</a:t>
+            </a:r>
+            <a:r>
+              <a:rPr lang="vi-VN"/>
+              <a:t> sẽ có mối quan hệ với không gian vector, được học với mỗi từ trong bộ từ vựng. Từ đó tính toán xác suất từ tiếp theo.</a:t>
+            </a:r>
+            <a:endParaRPr lang="en-US"/>
+          </a:p>
+        </p:txBody>
+      </p:sp>
+      <p:sp>
+        <p:nvSpPr>
+          <p:cNvPr id="5" name="Title 1">
+            <a:extLst>
+              <a:ext uri="{FF2B5EF4-FFF2-40B4-BE49-F238E27FC236}">
+                <a16:creationId xmlns:a16="http://schemas.microsoft.com/office/drawing/2014/main" id="{E1BC3E5E-3B4E-4C1E-9F9A-C2F77FD19DA5}"/>
+              </a:ext>
+            </a:extLst>
+          </p:cNvPr>
           <p:cNvSpPr>
             <a:spLocks noGrp="1"/>
           </p:cNvSpPr>
@@ -16755,75 +17835,33 @@
             <p:ph type="title"/>
           </p:nvPr>
         </p:nvSpPr>
-        <p:spPr/>
+        <p:spPr>
+          <a:xfrm>
+            <a:off x="1066800" y="189707"/>
+            <a:ext cx="8229600" cy="1143000"/>
+          </a:xfrm>
+        </p:spPr>
         <p:txBody>
           <a:bodyPr/>
           <a:lstStyle/>
           <a:p>
             <a:r>
-              <a:rPr lang="en-US" dirty="0"/>
-              <a:t>LOGISTIC REGRESSTION</a:t>
-            </a:r>
+              <a:rPr lang="vi-VN"/>
+              <a:t>XỬ LÝ NGÔN NGỮ TỰ NHIÊN</a:t>
+            </a:r>
+            <a:endParaRPr lang="en-US"/>
           </a:p>
         </p:txBody>
       </p:sp>
       <p:sp>
         <p:nvSpPr>
-          <p:cNvPr id="3" name="Content Placeholder 2"/>
-          <p:cNvSpPr>
-            <a:spLocks noGrp="1"/>
-          </p:cNvSpPr>
-          <p:nvPr>
-            <p:ph idx="1"/>
-          </p:nvPr>
-        </p:nvSpPr>
-        <p:spPr/>
-        <p:txBody>
-          <a:bodyPr/>
-          <a:lstStyle/>
-          <a:p>
-            <a:r>
-              <a:rPr lang="vi-VN" dirty="0"/>
-              <a:t> Trong chương này, chúng ta sẽ thảo luận một mô hình tuyến tính với một hàm kích hoạt khác, thường được áp dụng cho các bài toán phân lớp nhị phân. </a:t>
-            </a:r>
-            <a:endParaRPr lang="vi-VN" dirty="0" smtClean="0"/>
-          </a:p>
-          <a:p>
-            <a:endParaRPr lang="vi-VN" dirty="0"/>
-          </a:p>
-          <a:p>
-            <a:r>
-              <a:rPr lang="vi-VN" dirty="0" smtClean="0"/>
-              <a:t>Trong </a:t>
-            </a:r>
-            <a:r>
-              <a:rPr lang="vi-VN" dirty="0"/>
-              <a:t>mô hình này, đầu ra có thể được thể hiện dưới dạng xác suất. Ví dụ, xác suất thi đỗ nếu biết thời gian ôn thi, xác suất ngày mai có mưa dựa trên những thông tin đo được trong ngày hôm nay, v.v.. </a:t>
-            </a:r>
-            <a:endParaRPr lang="vi-VN" dirty="0" smtClean="0"/>
-          </a:p>
-          <a:p>
-            <a:endParaRPr lang="vi-VN" dirty="0"/>
-          </a:p>
-          <a:p>
-            <a:r>
-              <a:rPr lang="vi-VN" dirty="0" smtClean="0"/>
-              <a:t>Mô </a:t>
-            </a:r>
-            <a:r>
-              <a:rPr lang="vi-VN" dirty="0"/>
-              <a:t>hình này có tên là logistic regression. Mặc dù trong tên có chứa từ regression, logistic regression thường được sử dụng nhiều hơn cho các bài toán phân lớp.</a:t>
-            </a:r>
-            <a:endParaRPr lang="en-US" dirty="0"/>
-          </a:p>
-          <a:p>
-            <a:endParaRPr lang="en-US" dirty="0"/>
-          </a:p>
-        </p:txBody>
-      </p:sp>
-      <p:sp>
-        <p:nvSpPr>
-          <p:cNvPr id="4" name="Slide Number Placeholder 3"/>
+          <p:cNvPr id="3" name="Slide Number Placeholder 2">
+            <a:extLst>
+              <a:ext uri="{FF2B5EF4-FFF2-40B4-BE49-F238E27FC236}">
+                <a16:creationId xmlns:a16="http://schemas.microsoft.com/office/drawing/2014/main" id="{27E99F2B-C52E-4B13-9DAC-1920738E5025}"/>
+              </a:ext>
+            </a:extLst>
+          </p:cNvPr>
           <p:cNvSpPr>
             <a:spLocks noGrp="1"/>
           </p:cNvSpPr>
@@ -16838,7 +17876,422 @@
           <a:p>
             <a:fld id="{20B7F220-0825-4B9B-9156-FF79F33775FE}" type="slidenum">
               <a:rPr lang="vi-VN" smtClean="0"/>
-              <a:t>36</a:t>
+              <a:t>38</a:t>
+            </a:fld>
+            <a:endParaRPr lang="vi-VN"/>
+          </a:p>
+        </p:txBody>
+      </p:sp>
+      <p:pic>
+        <p:nvPicPr>
+          <p:cNvPr id="7" name="Picture 6">
+            <a:extLst>
+              <a:ext uri="{FF2B5EF4-FFF2-40B4-BE49-F238E27FC236}">
+                <a16:creationId xmlns:a16="http://schemas.microsoft.com/office/drawing/2014/main" id="{37AFAC1E-A1C9-4633-B531-284F7BA901E5}"/>
+              </a:ext>
+            </a:extLst>
+          </p:cNvPr>
+          <p:cNvPicPr>
+            <a:picLocks noChangeAspect="1"/>
+          </p:cNvPicPr>
+          <p:nvPr/>
+        </p:nvPicPr>
+        <p:blipFill>
+          <a:blip r:embed="rId2">
+            <a:extLst>
+              <a:ext uri="{28A0092B-C50C-407E-A947-70E740481C1C}">
+                <a14:useLocalDpi xmlns:a14="http://schemas.microsoft.com/office/drawing/2010/main" val="0"/>
+              </a:ext>
+            </a:extLst>
+          </a:blip>
+          <a:stretch>
+            <a:fillRect/>
+          </a:stretch>
+        </p:blipFill>
+        <p:spPr>
+          <a:xfrm>
+            <a:off x="4510309" y="3197327"/>
+            <a:ext cx="4633691" cy="3230154"/>
+          </a:xfrm>
+          <a:prstGeom prst="rect">
+            <a:avLst/>
+          </a:prstGeom>
+        </p:spPr>
+      </p:pic>
+      <p:pic>
+        <p:nvPicPr>
+          <p:cNvPr id="9" name="Picture 8">
+            <a:extLst>
+              <a:ext uri="{FF2B5EF4-FFF2-40B4-BE49-F238E27FC236}">
+                <a16:creationId xmlns:a16="http://schemas.microsoft.com/office/drawing/2014/main" id="{FDFD68D4-34B0-47D2-8509-C0BFC2A060E3}"/>
+              </a:ext>
+            </a:extLst>
+          </p:cNvPr>
+          <p:cNvPicPr>
+            <a:picLocks noChangeAspect="1"/>
+          </p:cNvPicPr>
+          <p:nvPr/>
+        </p:nvPicPr>
+        <p:blipFill>
+          <a:blip r:embed="rId3">
+            <a:extLst>
+              <a:ext uri="{28A0092B-C50C-407E-A947-70E740481C1C}">
+                <a14:useLocalDpi xmlns:a14="http://schemas.microsoft.com/office/drawing/2010/main" val="0"/>
+              </a:ext>
+            </a:extLst>
+          </a:blip>
+          <a:stretch>
+            <a:fillRect/>
+          </a:stretch>
+        </p:blipFill>
+        <p:spPr>
+          <a:xfrm>
+            <a:off x="0" y="3183731"/>
+            <a:ext cx="4325815" cy="3230154"/>
+          </a:xfrm>
+          <a:prstGeom prst="rect">
+            <a:avLst/>
+          </a:prstGeom>
+        </p:spPr>
+      </p:pic>
+    </p:spTree>
+    <p:extLst>
+      <p:ext uri="{BB962C8B-B14F-4D97-AF65-F5344CB8AC3E}">
+        <p14:creationId xmlns:p14="http://schemas.microsoft.com/office/powerpoint/2010/main" val="1007683077"/>
+      </p:ext>
+    </p:extLst>
+  </p:cSld>
+  <p:clrMapOvr>
+    <a:masterClrMapping/>
+  </p:clrMapOvr>
+</p:sld>
+</file>
+
+<file path=ppt/slides/slide39.xml><?xml version="1.0" encoding="utf-8"?>
+<p:sld xmlns:a="http://schemas.openxmlformats.org/drawingml/2006/main" xmlns:r="http://schemas.openxmlformats.org/officeDocument/2006/relationships" xmlns:p="http://schemas.openxmlformats.org/presentationml/2006/main">
+  <p:cSld>
+    <p:spTree>
+      <p:nvGrpSpPr>
+        <p:cNvPr id="1" name=""/>
+        <p:cNvGrpSpPr/>
+        <p:nvPr/>
+      </p:nvGrpSpPr>
+      <p:grpSpPr>
+        <a:xfrm>
+          <a:off x="0" y="0"/>
+          <a:ext cx="0" cy="0"/>
+          <a:chOff x="0" y="0"/>
+          <a:chExt cx="0" cy="0"/>
+        </a:xfrm>
+      </p:grpSpPr>
+      <p:sp>
+        <p:nvSpPr>
+          <p:cNvPr id="4" name="Content Placeholder 2">
+            <a:extLst>
+              <a:ext uri="{FF2B5EF4-FFF2-40B4-BE49-F238E27FC236}">
+                <a16:creationId xmlns:a16="http://schemas.microsoft.com/office/drawing/2014/main" id="{C1693D15-E7BF-42F8-9E6B-ED10A35BBB1C}"/>
+              </a:ext>
+            </a:extLst>
+          </p:cNvPr>
+          <p:cNvSpPr>
+            <a:spLocks noGrp="1"/>
+          </p:cNvSpPr>
+          <p:nvPr/>
+        </p:nvSpPr>
+        <p:spPr>
+          <a:xfrm>
+            <a:off x="397565" y="1696454"/>
+            <a:ext cx="8512866" cy="4659908"/>
+          </a:xfrm>
+          <a:prstGeom prst="rect">
+            <a:avLst/>
+          </a:prstGeom>
+        </p:spPr>
+        <p:txBody>
+          <a:bodyPr vert="horz" lIns="68580" tIns="34290" rIns="68580" bIns="34290" rtlCol="0">
+            <a:normAutofit/>
+          </a:bodyPr>
+          <a:lstStyle>
+            <a:lvl1pPr marL="228600" indent="-228600" algn="l" defTabSz="914400" rtl="0" eaLnBrk="1" latinLnBrk="0" hangingPunct="1">
+              <a:lnSpc>
+                <a:spcPct val="90000"/>
+              </a:lnSpc>
+              <a:spcBef>
+                <a:spcPts val="1000"/>
+              </a:spcBef>
+              <a:buFont typeface="Arial" panose="020B0604020202020204" pitchFamily="34" charset="0"/>
+              <a:buChar char="•"/>
+              <a:defRPr sz="2800" kern="1200">
+                <a:solidFill>
+                  <a:schemeClr val="tx1"/>
+                </a:solidFill>
+                <a:latin typeface="+mn-lt"/>
+                <a:ea typeface="+mn-ea"/>
+                <a:cs typeface="+mn-cs"/>
+              </a:defRPr>
+            </a:lvl1pPr>
+            <a:lvl2pPr marL="685800" indent="-228600" algn="l" defTabSz="914400" rtl="0" eaLnBrk="1" latinLnBrk="0" hangingPunct="1">
+              <a:lnSpc>
+                <a:spcPct val="90000"/>
+              </a:lnSpc>
+              <a:spcBef>
+                <a:spcPts val="500"/>
+              </a:spcBef>
+              <a:buFont typeface="Arial" panose="020B0604020202020204" pitchFamily="34" charset="0"/>
+              <a:buChar char="•"/>
+              <a:defRPr sz="2400" kern="1200">
+                <a:solidFill>
+                  <a:schemeClr val="tx1"/>
+                </a:solidFill>
+                <a:latin typeface="+mn-lt"/>
+                <a:ea typeface="+mn-ea"/>
+                <a:cs typeface="+mn-cs"/>
+              </a:defRPr>
+            </a:lvl2pPr>
+            <a:lvl3pPr marL="1143000" indent="-228600" algn="l" defTabSz="914400" rtl="0" eaLnBrk="1" latinLnBrk="0" hangingPunct="1">
+              <a:lnSpc>
+                <a:spcPct val="90000"/>
+              </a:lnSpc>
+              <a:spcBef>
+                <a:spcPts val="500"/>
+              </a:spcBef>
+              <a:buFont typeface="Arial" panose="020B0604020202020204" pitchFamily="34" charset="0"/>
+              <a:buChar char="•"/>
+              <a:defRPr sz="2000" kern="1200">
+                <a:solidFill>
+                  <a:schemeClr val="tx1"/>
+                </a:solidFill>
+                <a:latin typeface="+mn-lt"/>
+                <a:ea typeface="+mn-ea"/>
+                <a:cs typeface="+mn-cs"/>
+              </a:defRPr>
+            </a:lvl3pPr>
+            <a:lvl4pPr marL="1600200" indent="-228600" algn="l" defTabSz="914400" rtl="0" eaLnBrk="1" latinLnBrk="0" hangingPunct="1">
+              <a:lnSpc>
+                <a:spcPct val="90000"/>
+              </a:lnSpc>
+              <a:spcBef>
+                <a:spcPts val="500"/>
+              </a:spcBef>
+              <a:buFont typeface="Arial" panose="020B0604020202020204" pitchFamily="34" charset="0"/>
+              <a:buChar char="•"/>
+              <a:defRPr sz="1800" kern="1200">
+                <a:solidFill>
+                  <a:schemeClr val="tx1"/>
+                </a:solidFill>
+                <a:latin typeface="+mn-lt"/>
+                <a:ea typeface="+mn-ea"/>
+                <a:cs typeface="+mn-cs"/>
+              </a:defRPr>
+            </a:lvl4pPr>
+            <a:lvl5pPr marL="2057400" indent="-228600" algn="l" defTabSz="914400" rtl="0" eaLnBrk="1" latinLnBrk="0" hangingPunct="1">
+              <a:lnSpc>
+                <a:spcPct val="90000"/>
+              </a:lnSpc>
+              <a:spcBef>
+                <a:spcPts val="500"/>
+              </a:spcBef>
+              <a:buFont typeface="Arial" panose="020B0604020202020204" pitchFamily="34" charset="0"/>
+              <a:buChar char="•"/>
+              <a:defRPr sz="1800" kern="1200">
+                <a:solidFill>
+                  <a:schemeClr val="tx1"/>
+                </a:solidFill>
+                <a:latin typeface="+mn-lt"/>
+                <a:ea typeface="+mn-ea"/>
+                <a:cs typeface="+mn-cs"/>
+              </a:defRPr>
+            </a:lvl5pPr>
+            <a:lvl6pPr marL="2514600" indent="-228600" algn="l" defTabSz="914400" rtl="0" eaLnBrk="1" latinLnBrk="0" hangingPunct="1">
+              <a:lnSpc>
+                <a:spcPct val="90000"/>
+              </a:lnSpc>
+              <a:spcBef>
+                <a:spcPts val="500"/>
+              </a:spcBef>
+              <a:buFont typeface="Arial" panose="020B0604020202020204" pitchFamily="34" charset="0"/>
+              <a:buChar char="•"/>
+              <a:defRPr sz="1800" kern="1200">
+                <a:solidFill>
+                  <a:schemeClr val="tx1"/>
+                </a:solidFill>
+                <a:latin typeface="+mn-lt"/>
+                <a:ea typeface="+mn-ea"/>
+                <a:cs typeface="+mn-cs"/>
+              </a:defRPr>
+            </a:lvl6pPr>
+            <a:lvl7pPr marL="2971800" indent="-228600" algn="l" defTabSz="914400" rtl="0" eaLnBrk="1" latinLnBrk="0" hangingPunct="1">
+              <a:lnSpc>
+                <a:spcPct val="90000"/>
+              </a:lnSpc>
+              <a:spcBef>
+                <a:spcPts val="500"/>
+              </a:spcBef>
+              <a:buFont typeface="Arial" panose="020B0604020202020204" pitchFamily="34" charset="0"/>
+              <a:buChar char="•"/>
+              <a:defRPr sz="1800" kern="1200">
+                <a:solidFill>
+                  <a:schemeClr val="tx1"/>
+                </a:solidFill>
+                <a:latin typeface="+mn-lt"/>
+                <a:ea typeface="+mn-ea"/>
+                <a:cs typeface="+mn-cs"/>
+              </a:defRPr>
+            </a:lvl7pPr>
+            <a:lvl8pPr marL="3429000" indent="-228600" algn="l" defTabSz="914400" rtl="0" eaLnBrk="1" latinLnBrk="0" hangingPunct="1">
+              <a:lnSpc>
+                <a:spcPct val="90000"/>
+              </a:lnSpc>
+              <a:spcBef>
+                <a:spcPts val="500"/>
+              </a:spcBef>
+              <a:buFont typeface="Arial" panose="020B0604020202020204" pitchFamily="34" charset="0"/>
+              <a:buChar char="•"/>
+              <a:defRPr sz="1800" kern="1200">
+                <a:solidFill>
+                  <a:schemeClr val="tx1"/>
+                </a:solidFill>
+                <a:latin typeface="+mn-lt"/>
+                <a:ea typeface="+mn-ea"/>
+                <a:cs typeface="+mn-cs"/>
+              </a:defRPr>
+            </a:lvl8pPr>
+            <a:lvl9pPr marL="3886200" indent="-228600" algn="l" defTabSz="914400" rtl="0" eaLnBrk="1" latinLnBrk="0" hangingPunct="1">
+              <a:lnSpc>
+                <a:spcPct val="90000"/>
+              </a:lnSpc>
+              <a:spcBef>
+                <a:spcPts val="500"/>
+              </a:spcBef>
+              <a:buFont typeface="Arial" panose="020B0604020202020204" pitchFamily="34" charset="0"/>
+              <a:buChar char="•"/>
+              <a:defRPr sz="1800" kern="1200">
+                <a:solidFill>
+                  <a:schemeClr val="tx1"/>
+                </a:solidFill>
+                <a:latin typeface="+mn-lt"/>
+                <a:ea typeface="+mn-ea"/>
+                <a:cs typeface="+mn-cs"/>
+              </a:defRPr>
+            </a:lvl9pPr>
+          </a:lstStyle>
+          <a:p>
+            <a:pPr marL="0" indent="0" algn="just">
+              <a:buNone/>
+            </a:pPr>
+            <a:r>
+              <a:rPr lang="vi-VN" sz="2100">
+                <a:latin typeface="Times New Roman" charset="0"/>
+                <a:ea typeface="Times New Roman" charset="0"/>
+                <a:cs typeface="Times New Roman" charset="0"/>
+              </a:rPr>
+              <a:t>Bước 4: Giả sử từ “hat” được tìm thấy tiếp theo và tiếp tục tính toán</a:t>
+            </a:r>
+            <a:r>
+              <a:rPr lang="en-US" sz="2100">
+                <a:latin typeface="Times New Roman" charset="0"/>
+                <a:ea typeface="Times New Roman" charset="0"/>
+                <a:cs typeface="Times New Roman" charset="0"/>
+              </a:rPr>
+              <a:t>. </a:t>
+            </a:r>
+          </a:p>
+        </p:txBody>
+      </p:sp>
+      <p:pic>
+        <p:nvPicPr>
+          <p:cNvPr id="6" name="Picture 5" descr="Screen Clipping">
+            <a:extLst>
+              <a:ext uri="{FF2B5EF4-FFF2-40B4-BE49-F238E27FC236}">
+                <a16:creationId xmlns:a16="http://schemas.microsoft.com/office/drawing/2014/main" id="{850E8242-8388-4B33-BC4B-27F853DFE978}"/>
+              </a:ext>
+            </a:extLst>
+          </p:cNvPr>
+          <p:cNvPicPr>
+            <a:picLocks noChangeAspect="1"/>
+          </p:cNvPicPr>
+          <p:nvPr/>
+        </p:nvPicPr>
+        <p:blipFill>
+          <a:blip r:embed="rId2">
+            <a:extLst>
+              <a:ext uri="{28A0092B-C50C-407E-A947-70E740481C1C}">
+                <a14:useLocalDpi xmlns:a14="http://schemas.microsoft.com/office/drawing/2010/main" val="0"/>
+              </a:ext>
+            </a:extLst>
+          </a:blip>
+          <a:stretch>
+            <a:fillRect/>
+          </a:stretch>
+        </p:blipFill>
+        <p:spPr>
+          <a:xfrm>
+            <a:off x="2181915" y="2848291"/>
+            <a:ext cx="4944165" cy="3508071"/>
+          </a:xfrm>
+          <a:prstGeom prst="rect">
+            <a:avLst/>
+          </a:prstGeom>
+        </p:spPr>
+      </p:pic>
+      <p:sp>
+        <p:nvSpPr>
+          <p:cNvPr id="5" name="Title 1">
+            <a:extLst>
+              <a:ext uri="{FF2B5EF4-FFF2-40B4-BE49-F238E27FC236}">
+                <a16:creationId xmlns:a16="http://schemas.microsoft.com/office/drawing/2014/main" id="{000F5E7F-5E0B-4293-AD91-E69A5D531741}"/>
+              </a:ext>
+            </a:extLst>
+          </p:cNvPr>
+          <p:cNvSpPr>
+            <a:spLocks noGrp="1"/>
+          </p:cNvSpPr>
+          <p:nvPr>
+            <p:ph type="title"/>
+          </p:nvPr>
+        </p:nvSpPr>
+        <p:spPr>
+          <a:xfrm>
+            <a:off x="1066800" y="189707"/>
+            <a:ext cx="8229600" cy="1143000"/>
+          </a:xfrm>
+        </p:spPr>
+        <p:txBody>
+          <a:bodyPr/>
+          <a:lstStyle/>
+          <a:p>
+            <a:r>
+              <a:rPr lang="vi-VN"/>
+              <a:t>XỬ LÝ NGÔN NGỮ TỰ NHIÊN</a:t>
+            </a:r>
+            <a:endParaRPr lang="en-US"/>
+          </a:p>
+        </p:txBody>
+      </p:sp>
+      <p:sp>
+        <p:nvSpPr>
+          <p:cNvPr id="3" name="Slide Number Placeholder 2">
+            <a:extLst>
+              <a:ext uri="{FF2B5EF4-FFF2-40B4-BE49-F238E27FC236}">
+                <a16:creationId xmlns:a16="http://schemas.microsoft.com/office/drawing/2014/main" id="{3AEB106C-C50D-41F7-A609-37CE142F5615}"/>
+              </a:ext>
+            </a:extLst>
+          </p:cNvPr>
+          <p:cNvSpPr>
+            <a:spLocks noGrp="1"/>
+          </p:cNvSpPr>
+          <p:nvPr>
+            <p:ph type="sldNum" sz="quarter" idx="12"/>
+          </p:nvPr>
+        </p:nvSpPr>
+        <p:spPr/>
+        <p:txBody>
+          <a:bodyPr/>
+          <a:lstStyle/>
+          <a:p>
+            <a:fld id="{20B7F220-0825-4B9B-9156-FF79F33775FE}" type="slidenum">
+              <a:rPr lang="vi-VN" smtClean="0"/>
+              <a:t>39</a:t>
             </a:fld>
             <a:endParaRPr lang="vi-VN"/>
           </a:p>
@@ -16847,7 +18300,7 @@
     </p:spTree>
     <p:extLst>
       <p:ext uri="{BB962C8B-B14F-4D97-AF65-F5344CB8AC3E}">
-        <p14:creationId xmlns:p14="http://schemas.microsoft.com/office/powerpoint/2010/main" val="867491662"/>
+        <p14:creationId xmlns:p14="http://schemas.microsoft.com/office/powerpoint/2010/main" val="1287790891"/>
       </p:ext>
     </p:extLst>
   </p:cSld>
@@ -16879,7 +18332,7 @@
           <p:cNvPr id="2" name="Title 1">
             <a:extLst>
               <a:ext uri="{FF2B5EF4-FFF2-40B4-BE49-F238E27FC236}">
-                <a16:creationId xmlns:a16="http://schemas.microsoft.com/office/drawing/2014/main" xmlns="" id="{11F16C88-923A-D945-B372-000178DBDDA2}"/>
+                <a16:creationId xmlns:a16="http://schemas.microsoft.com/office/drawing/2014/main" id="{11F16C88-923A-D945-B372-000178DBDDA2}"/>
               </a:ext>
             </a:extLst>
           </p:cNvPr>
@@ -16910,7 +18363,7 @@
               <p:cNvPr id="3" name="Content Placeholder 2">
                 <a:extLst>
                   <a:ext uri="{FF2B5EF4-FFF2-40B4-BE49-F238E27FC236}">
-                    <a16:creationId xmlns:a16="http://schemas.microsoft.com/office/drawing/2014/main" xmlns="" id="{7A2A2061-5046-4048-AAC6-7AE4628FDFDA}"/>
+                    <a16:creationId xmlns:a16="http://schemas.microsoft.com/office/drawing/2014/main" id="{7A2A2061-5046-4048-AAC6-7AE4628FDFDA}"/>
                   </a:ext>
                 </a:extLst>
               </p:cNvPr>
@@ -17275,13 +18728,7 @@
                           <a:rPr lang="vi-VN" sz="2000" b="0" i="1" smtClean="0">
                             <a:latin typeface="Cambria Math" panose="02040503050406030204" pitchFamily="18" charset="0"/>
                           </a:rPr>
-                          <m:t>=</m:t>
-                        </m:r>
-                        <m:r>
-                          <a:rPr lang="vi-VN" sz="2000" b="0" i="1" smtClean="0">
-                            <a:latin typeface="Cambria Math" panose="02040503050406030204" pitchFamily="18" charset="0"/>
-                          </a:rPr>
-                          <m:t>1</m:t>
+                          <m:t>=1</m:t>
                         </m:r>
                       </m:sub>
                       <m:sup>
@@ -17828,7 +19275,7 @@
           <p:cNvPr id="4" name="Slide Number Placeholder 3">
             <a:extLst>
               <a:ext uri="{FF2B5EF4-FFF2-40B4-BE49-F238E27FC236}">
-                <a16:creationId xmlns:a16="http://schemas.microsoft.com/office/drawing/2014/main" xmlns="" id="{B7F47E72-3CAA-DC49-9761-5068192F259E}"/>
+                <a16:creationId xmlns:a16="http://schemas.microsoft.com/office/drawing/2014/main" id="{B7F47E72-3CAA-DC49-9761-5068192F259E}"/>
               </a:ext>
             </a:extLst>
           </p:cNvPr>
@@ -17856,6 +19303,1316 @@
     <p:extLst>
       <p:ext uri="{BB962C8B-B14F-4D97-AF65-F5344CB8AC3E}">
         <p14:creationId xmlns:p14="http://schemas.microsoft.com/office/powerpoint/2010/main" val="2844077133"/>
+      </p:ext>
+    </p:extLst>
+  </p:cSld>
+  <p:clrMapOvr>
+    <a:masterClrMapping/>
+  </p:clrMapOvr>
+</p:sld>
+</file>
+
+<file path=ppt/slides/slide40.xml><?xml version="1.0" encoding="utf-8"?>
+<p:sld xmlns:a="http://schemas.openxmlformats.org/drawingml/2006/main" xmlns:r="http://schemas.openxmlformats.org/officeDocument/2006/relationships" xmlns:p="http://schemas.openxmlformats.org/presentationml/2006/main">
+  <p:cSld>
+    <p:spTree>
+      <p:nvGrpSpPr>
+        <p:cNvPr id="1" name=""/>
+        <p:cNvGrpSpPr/>
+        <p:nvPr/>
+      </p:nvGrpSpPr>
+      <p:grpSpPr>
+        <a:xfrm>
+          <a:off x="0" y="0"/>
+          <a:ext cx="0" cy="0"/>
+          <a:chOff x="0" y="0"/>
+          <a:chExt cx="0" cy="0"/>
+        </a:xfrm>
+      </p:grpSpPr>
+      <p:sp>
+        <p:nvSpPr>
+          <p:cNvPr id="4" name="Content Placeholder 2">
+            <a:extLst>
+              <a:ext uri="{FF2B5EF4-FFF2-40B4-BE49-F238E27FC236}">
+                <a16:creationId xmlns:a16="http://schemas.microsoft.com/office/drawing/2014/main" id="{C1693D15-E7BF-42F8-9E6B-ED10A35BBB1C}"/>
+              </a:ext>
+            </a:extLst>
+          </p:cNvPr>
+          <p:cNvSpPr>
+            <a:spLocks noGrp="1"/>
+          </p:cNvSpPr>
+          <p:nvPr/>
+        </p:nvSpPr>
+        <p:spPr>
+          <a:xfrm>
+            <a:off x="291548" y="1563756"/>
+            <a:ext cx="8618883" cy="4717774"/>
+          </a:xfrm>
+          <a:prstGeom prst="rect">
+            <a:avLst/>
+          </a:prstGeom>
+        </p:spPr>
+        <p:txBody>
+          <a:bodyPr vert="horz" lIns="68580" tIns="34290" rIns="68580" bIns="34290" rtlCol="0">
+            <a:normAutofit/>
+          </a:bodyPr>
+          <a:lstStyle>
+            <a:lvl1pPr marL="228600" indent="-228600" algn="l" defTabSz="914400" rtl="0" eaLnBrk="1" latinLnBrk="0" hangingPunct="1">
+              <a:lnSpc>
+                <a:spcPct val="90000"/>
+              </a:lnSpc>
+              <a:spcBef>
+                <a:spcPts val="1000"/>
+              </a:spcBef>
+              <a:buFont typeface="Arial" panose="020B0604020202020204" pitchFamily="34" charset="0"/>
+              <a:buChar char="•"/>
+              <a:defRPr sz="2800" kern="1200">
+                <a:solidFill>
+                  <a:schemeClr val="tx1"/>
+                </a:solidFill>
+                <a:latin typeface="+mn-lt"/>
+                <a:ea typeface="+mn-ea"/>
+                <a:cs typeface="+mn-cs"/>
+              </a:defRPr>
+            </a:lvl1pPr>
+            <a:lvl2pPr marL="685800" indent="-228600" algn="l" defTabSz="914400" rtl="0" eaLnBrk="1" latinLnBrk="0" hangingPunct="1">
+              <a:lnSpc>
+                <a:spcPct val="90000"/>
+              </a:lnSpc>
+              <a:spcBef>
+                <a:spcPts val="500"/>
+              </a:spcBef>
+              <a:buFont typeface="Arial" panose="020B0604020202020204" pitchFamily="34" charset="0"/>
+              <a:buChar char="•"/>
+              <a:defRPr sz="2400" kern="1200">
+                <a:solidFill>
+                  <a:schemeClr val="tx1"/>
+                </a:solidFill>
+                <a:latin typeface="+mn-lt"/>
+                <a:ea typeface="+mn-ea"/>
+                <a:cs typeface="+mn-cs"/>
+              </a:defRPr>
+            </a:lvl2pPr>
+            <a:lvl3pPr marL="1143000" indent="-228600" algn="l" defTabSz="914400" rtl="0" eaLnBrk="1" latinLnBrk="0" hangingPunct="1">
+              <a:lnSpc>
+                <a:spcPct val="90000"/>
+              </a:lnSpc>
+              <a:spcBef>
+                <a:spcPts val="500"/>
+              </a:spcBef>
+              <a:buFont typeface="Arial" panose="020B0604020202020204" pitchFamily="34" charset="0"/>
+              <a:buChar char="•"/>
+              <a:defRPr sz="2000" kern="1200">
+                <a:solidFill>
+                  <a:schemeClr val="tx1"/>
+                </a:solidFill>
+                <a:latin typeface="+mn-lt"/>
+                <a:ea typeface="+mn-ea"/>
+                <a:cs typeface="+mn-cs"/>
+              </a:defRPr>
+            </a:lvl3pPr>
+            <a:lvl4pPr marL="1600200" indent="-228600" algn="l" defTabSz="914400" rtl="0" eaLnBrk="1" latinLnBrk="0" hangingPunct="1">
+              <a:lnSpc>
+                <a:spcPct val="90000"/>
+              </a:lnSpc>
+              <a:spcBef>
+                <a:spcPts val="500"/>
+              </a:spcBef>
+              <a:buFont typeface="Arial" panose="020B0604020202020204" pitchFamily="34" charset="0"/>
+              <a:buChar char="•"/>
+              <a:defRPr sz="1800" kern="1200">
+                <a:solidFill>
+                  <a:schemeClr val="tx1"/>
+                </a:solidFill>
+                <a:latin typeface="+mn-lt"/>
+                <a:ea typeface="+mn-ea"/>
+                <a:cs typeface="+mn-cs"/>
+              </a:defRPr>
+            </a:lvl4pPr>
+            <a:lvl5pPr marL="2057400" indent="-228600" algn="l" defTabSz="914400" rtl="0" eaLnBrk="1" latinLnBrk="0" hangingPunct="1">
+              <a:lnSpc>
+                <a:spcPct val="90000"/>
+              </a:lnSpc>
+              <a:spcBef>
+                <a:spcPts val="500"/>
+              </a:spcBef>
+              <a:buFont typeface="Arial" panose="020B0604020202020204" pitchFamily="34" charset="0"/>
+              <a:buChar char="•"/>
+              <a:defRPr sz="1800" kern="1200">
+                <a:solidFill>
+                  <a:schemeClr val="tx1"/>
+                </a:solidFill>
+                <a:latin typeface="+mn-lt"/>
+                <a:ea typeface="+mn-ea"/>
+                <a:cs typeface="+mn-cs"/>
+              </a:defRPr>
+            </a:lvl5pPr>
+            <a:lvl6pPr marL="2514600" indent="-228600" algn="l" defTabSz="914400" rtl="0" eaLnBrk="1" latinLnBrk="0" hangingPunct="1">
+              <a:lnSpc>
+                <a:spcPct val="90000"/>
+              </a:lnSpc>
+              <a:spcBef>
+                <a:spcPts val="500"/>
+              </a:spcBef>
+              <a:buFont typeface="Arial" panose="020B0604020202020204" pitchFamily="34" charset="0"/>
+              <a:buChar char="•"/>
+              <a:defRPr sz="1800" kern="1200">
+                <a:solidFill>
+                  <a:schemeClr val="tx1"/>
+                </a:solidFill>
+                <a:latin typeface="+mn-lt"/>
+                <a:ea typeface="+mn-ea"/>
+                <a:cs typeface="+mn-cs"/>
+              </a:defRPr>
+            </a:lvl6pPr>
+            <a:lvl7pPr marL="2971800" indent="-228600" algn="l" defTabSz="914400" rtl="0" eaLnBrk="1" latinLnBrk="0" hangingPunct="1">
+              <a:lnSpc>
+                <a:spcPct val="90000"/>
+              </a:lnSpc>
+              <a:spcBef>
+                <a:spcPts val="500"/>
+              </a:spcBef>
+              <a:buFont typeface="Arial" panose="020B0604020202020204" pitchFamily="34" charset="0"/>
+              <a:buChar char="•"/>
+              <a:defRPr sz="1800" kern="1200">
+                <a:solidFill>
+                  <a:schemeClr val="tx1"/>
+                </a:solidFill>
+                <a:latin typeface="+mn-lt"/>
+                <a:ea typeface="+mn-ea"/>
+                <a:cs typeface="+mn-cs"/>
+              </a:defRPr>
+            </a:lvl7pPr>
+            <a:lvl8pPr marL="3429000" indent="-228600" algn="l" defTabSz="914400" rtl="0" eaLnBrk="1" latinLnBrk="0" hangingPunct="1">
+              <a:lnSpc>
+                <a:spcPct val="90000"/>
+              </a:lnSpc>
+              <a:spcBef>
+                <a:spcPts val="500"/>
+              </a:spcBef>
+              <a:buFont typeface="Arial" panose="020B0604020202020204" pitchFamily="34" charset="0"/>
+              <a:buChar char="•"/>
+              <a:defRPr sz="1800" kern="1200">
+                <a:solidFill>
+                  <a:schemeClr val="tx1"/>
+                </a:solidFill>
+                <a:latin typeface="+mn-lt"/>
+                <a:ea typeface="+mn-ea"/>
+                <a:cs typeface="+mn-cs"/>
+              </a:defRPr>
+            </a:lvl8pPr>
+            <a:lvl9pPr marL="3886200" indent="-228600" algn="l" defTabSz="914400" rtl="0" eaLnBrk="1" latinLnBrk="0" hangingPunct="1">
+              <a:lnSpc>
+                <a:spcPct val="90000"/>
+              </a:lnSpc>
+              <a:spcBef>
+                <a:spcPts val="500"/>
+              </a:spcBef>
+              <a:buFont typeface="Arial" panose="020B0604020202020204" pitchFamily="34" charset="0"/>
+              <a:buChar char="•"/>
+              <a:defRPr sz="1800" kern="1200">
+                <a:solidFill>
+                  <a:schemeClr val="tx1"/>
+                </a:solidFill>
+                <a:latin typeface="+mn-lt"/>
+                <a:ea typeface="+mn-ea"/>
+                <a:cs typeface="+mn-cs"/>
+              </a:defRPr>
+            </a:lvl9pPr>
+          </a:lstStyle>
+          <a:p>
+            <a:pPr marL="0" indent="0" algn="just">
+              <a:buNone/>
+            </a:pPr>
+            <a:r>
+              <a:rPr lang="vi-VN" sz="2100" dirty="0">
+                <a:latin typeface="Times New Roman" charset="0"/>
+                <a:ea typeface="Times New Roman" charset="0"/>
+                <a:cs typeface="Times New Roman" charset="0"/>
+              </a:rPr>
+              <a:t>Bước 5: </a:t>
+            </a:r>
+            <a:r>
+              <a:rPr lang="en-US" sz="2100" dirty="0">
+                <a:latin typeface="Times New Roman" charset="0"/>
+                <a:ea typeface="Times New Roman" charset="0"/>
+                <a:cs typeface="Times New Roman" charset="0"/>
+              </a:rPr>
+              <a:t>Cho </a:t>
+            </a:r>
+            <a:r>
+              <a:rPr lang="en-US" sz="2100" dirty="0" err="1">
+                <a:latin typeface="Times New Roman" charset="0"/>
+                <a:ea typeface="Times New Roman" charset="0"/>
+                <a:cs typeface="Times New Roman" charset="0"/>
+              </a:rPr>
+              <a:t>đến</a:t>
+            </a:r>
+            <a:r>
+              <a:rPr lang="en-US" sz="2100" dirty="0">
+                <a:latin typeface="Times New Roman" charset="0"/>
+                <a:ea typeface="Times New Roman" charset="0"/>
+                <a:cs typeface="Times New Roman" charset="0"/>
+              </a:rPr>
+              <a:t> thẻ &lt;end&gt; token </a:t>
+            </a:r>
+            <a:r>
+              <a:rPr lang="vi-VN" sz="2100" dirty="0">
+                <a:latin typeface="Times New Roman" charset="0"/>
+                <a:ea typeface="Times New Roman" charset="0"/>
+                <a:cs typeface="Times New Roman" charset="0"/>
+              </a:rPr>
+              <a:t>thì</a:t>
+            </a:r>
+            <a:r>
+              <a:rPr lang="en-US" sz="2100" dirty="0">
+                <a:latin typeface="Times New Roman" charset="0"/>
+                <a:ea typeface="Times New Roman" charset="0"/>
+                <a:cs typeface="Times New Roman" charset="0"/>
+              </a:rPr>
+              <a:t> </a:t>
+            </a:r>
+            <a:r>
+              <a:rPr lang="en-US" sz="2100" dirty="0" err="1">
+                <a:latin typeface="Times New Roman" charset="0"/>
+                <a:ea typeface="Times New Roman" charset="0"/>
+                <a:cs typeface="Times New Roman" charset="0"/>
+              </a:rPr>
+              <a:t>dừng</a:t>
+            </a:r>
+            <a:r>
+              <a:rPr lang="en-US" sz="2100" dirty="0">
+                <a:latin typeface="Times New Roman" charset="0"/>
+                <a:ea typeface="Times New Roman" charset="0"/>
+                <a:cs typeface="Times New Roman" charset="0"/>
+              </a:rPr>
+              <a:t> </a:t>
+            </a:r>
+            <a:r>
+              <a:rPr lang="en-US" sz="2100" dirty="0" err="1">
+                <a:latin typeface="Times New Roman" charset="0"/>
+                <a:ea typeface="Times New Roman" charset="0"/>
+                <a:cs typeface="Times New Roman" charset="0"/>
+              </a:rPr>
+              <a:t>lại</a:t>
+            </a:r>
+            <a:r>
+              <a:rPr lang="en-US" sz="2100" dirty="0">
+                <a:latin typeface="Times New Roman" charset="0"/>
+                <a:ea typeface="Times New Roman" charset="0"/>
+                <a:cs typeface="Times New Roman" charset="0"/>
+              </a:rPr>
+              <a:t>, </a:t>
+            </a:r>
+            <a:r>
+              <a:rPr lang="en-US" sz="2100" dirty="0" err="1">
+                <a:latin typeface="Times New Roman" charset="0"/>
+                <a:ea typeface="Times New Roman" charset="0"/>
+                <a:cs typeface="Times New Roman" charset="0"/>
+              </a:rPr>
+              <a:t>báo</a:t>
+            </a:r>
+            <a:r>
+              <a:rPr lang="en-US" sz="2100" dirty="0">
+                <a:latin typeface="Times New Roman" charset="0"/>
+                <a:ea typeface="Times New Roman" charset="0"/>
+                <a:cs typeface="Times New Roman" charset="0"/>
+              </a:rPr>
+              <a:t> </a:t>
+            </a:r>
+            <a:r>
+              <a:rPr lang="en-US" sz="2100" dirty="0" err="1">
+                <a:latin typeface="Times New Roman" charset="0"/>
+                <a:ea typeface="Times New Roman" charset="0"/>
+                <a:cs typeface="Times New Roman" charset="0"/>
+              </a:rPr>
+              <a:t>hiệu</a:t>
+            </a:r>
+            <a:r>
+              <a:rPr lang="en-US" sz="2100" dirty="0">
+                <a:latin typeface="Times New Roman" charset="0"/>
+                <a:ea typeface="Times New Roman" charset="0"/>
+                <a:cs typeface="Times New Roman" charset="0"/>
+              </a:rPr>
+              <a:t> </a:t>
+            </a:r>
+            <a:r>
+              <a:rPr lang="en-US" sz="2100" dirty="0" err="1">
+                <a:latin typeface="Times New Roman" charset="0"/>
+                <a:ea typeface="Times New Roman" charset="0"/>
+                <a:cs typeface="Times New Roman" charset="0"/>
+              </a:rPr>
+              <a:t>kết</a:t>
+            </a:r>
+            <a:r>
+              <a:rPr lang="en-US" sz="2100" dirty="0">
+                <a:latin typeface="Times New Roman" charset="0"/>
+                <a:ea typeface="Times New Roman" charset="0"/>
+                <a:cs typeface="Times New Roman" charset="0"/>
+              </a:rPr>
+              <a:t> </a:t>
+            </a:r>
+            <a:r>
+              <a:rPr lang="en-US" sz="2100" dirty="0" err="1">
+                <a:latin typeface="Times New Roman" charset="0"/>
+                <a:ea typeface="Times New Roman" charset="0"/>
+                <a:cs typeface="Times New Roman" charset="0"/>
+              </a:rPr>
+              <a:t>thúc</a:t>
+            </a:r>
+            <a:r>
+              <a:rPr lang="en-US" sz="2100" dirty="0">
+                <a:latin typeface="Times New Roman" charset="0"/>
+                <a:ea typeface="Times New Roman" charset="0"/>
+                <a:cs typeface="Times New Roman" charset="0"/>
+              </a:rPr>
+              <a:t> </a:t>
+            </a:r>
+            <a:r>
+              <a:rPr lang="en-US" sz="2100" dirty="0" err="1">
+                <a:latin typeface="Times New Roman" charset="0"/>
+                <a:ea typeface="Times New Roman" charset="0"/>
+                <a:cs typeface="Times New Roman" charset="0"/>
+              </a:rPr>
+              <a:t>câu</a:t>
+            </a:r>
+            <a:r>
+              <a:rPr lang="en-US" sz="2100" dirty="0">
+                <a:latin typeface="Times New Roman" charset="0"/>
+                <a:ea typeface="Times New Roman" charset="0"/>
+                <a:cs typeface="Times New Roman" charset="0"/>
+              </a:rPr>
+              <a:t> </a:t>
+            </a:r>
+          </a:p>
+          <a:p>
+            <a:pPr marL="0" indent="0" algn="just">
+              <a:buNone/>
+            </a:pPr>
+            <a:r>
+              <a:rPr lang="en-US" sz="2100" dirty="0">
+                <a:latin typeface="Times New Roman" charset="0"/>
+                <a:ea typeface="Times New Roman" charset="0"/>
+                <a:cs typeface="Times New Roman" charset="0"/>
+              </a:rPr>
+              <a:t>(</a:t>
+            </a:r>
+            <a:r>
+              <a:rPr lang="en-US" sz="2100" dirty="0" err="1">
+                <a:latin typeface="Times New Roman" charset="0"/>
+                <a:ea typeface="Times New Roman" charset="0"/>
+                <a:cs typeface="Times New Roman" charset="0"/>
+              </a:rPr>
+              <a:t>Trong</a:t>
+            </a:r>
+            <a:r>
+              <a:rPr lang="en-US" sz="2100" dirty="0">
+                <a:latin typeface="Times New Roman" charset="0"/>
+                <a:ea typeface="Times New Roman" charset="0"/>
+                <a:cs typeface="Times New Roman" charset="0"/>
+              </a:rPr>
+              <a:t> </a:t>
+            </a:r>
+            <a:r>
+              <a:rPr lang="en-US" sz="2100" dirty="0" err="1">
+                <a:latin typeface="Times New Roman" charset="0"/>
+                <a:ea typeface="Times New Roman" charset="0"/>
+                <a:cs typeface="Times New Roman" charset="0"/>
+              </a:rPr>
+              <a:t>tập</a:t>
+            </a:r>
+            <a:r>
+              <a:rPr lang="en-US" sz="2100" dirty="0">
+                <a:latin typeface="Times New Roman" charset="0"/>
+                <a:ea typeface="Times New Roman" charset="0"/>
+                <a:cs typeface="Times New Roman" charset="0"/>
+              </a:rPr>
+              <a:t> </a:t>
+            </a:r>
+            <a:r>
+              <a:rPr lang="en-US" sz="2100" dirty="0" err="1">
+                <a:latin typeface="Times New Roman" charset="0"/>
+                <a:ea typeface="Times New Roman" charset="0"/>
+                <a:cs typeface="Times New Roman" charset="0"/>
+              </a:rPr>
+              <a:t>huấn</a:t>
+            </a:r>
+            <a:r>
+              <a:rPr lang="en-US" sz="2100" dirty="0">
+                <a:latin typeface="Times New Roman" charset="0"/>
+                <a:ea typeface="Times New Roman" charset="0"/>
+                <a:cs typeface="Times New Roman" charset="0"/>
+              </a:rPr>
+              <a:t> </a:t>
+            </a:r>
+            <a:r>
+              <a:rPr lang="en-US" sz="2100" dirty="0" err="1">
+                <a:latin typeface="Times New Roman" charset="0"/>
+                <a:ea typeface="Times New Roman" charset="0"/>
+                <a:cs typeface="Times New Roman" charset="0"/>
+              </a:rPr>
+              <a:t>luyện</a:t>
+            </a:r>
+            <a:r>
+              <a:rPr lang="en-US" sz="2100" dirty="0">
+                <a:latin typeface="Times New Roman" charset="0"/>
+                <a:ea typeface="Times New Roman" charset="0"/>
+                <a:cs typeface="Times New Roman" charset="0"/>
+              </a:rPr>
+              <a:t>, </a:t>
+            </a:r>
+            <a:r>
+              <a:rPr lang="en-US" sz="2100" dirty="0" err="1">
+                <a:latin typeface="Times New Roman" charset="0"/>
+                <a:ea typeface="Times New Roman" charset="0"/>
+                <a:cs typeface="Times New Roman" charset="0"/>
+              </a:rPr>
+              <a:t>cấu</a:t>
+            </a:r>
+            <a:r>
+              <a:rPr lang="en-US" sz="2100" dirty="0">
+                <a:latin typeface="Times New Roman" charset="0"/>
+                <a:ea typeface="Times New Roman" charset="0"/>
+                <a:cs typeface="Times New Roman" charset="0"/>
+              </a:rPr>
+              <a:t> </a:t>
+            </a:r>
+            <a:r>
+              <a:rPr lang="en-US" sz="2100" dirty="0" err="1">
+                <a:latin typeface="Times New Roman" charset="0"/>
+                <a:ea typeface="Times New Roman" charset="0"/>
+                <a:cs typeface="Times New Roman" charset="0"/>
+              </a:rPr>
+              <a:t>trúc</a:t>
+            </a:r>
+            <a:r>
+              <a:rPr lang="en-US" sz="2100" dirty="0">
+                <a:latin typeface="Times New Roman" charset="0"/>
+                <a:ea typeface="Times New Roman" charset="0"/>
+                <a:cs typeface="Times New Roman" charset="0"/>
+              </a:rPr>
+              <a:t> </a:t>
+            </a:r>
+            <a:r>
+              <a:rPr lang="en-US" sz="2100" dirty="0" err="1">
+                <a:latin typeface="Times New Roman" charset="0"/>
+                <a:ea typeface="Times New Roman" charset="0"/>
+                <a:cs typeface="Times New Roman" charset="0"/>
+              </a:rPr>
+              <a:t>câu</a:t>
+            </a:r>
+            <a:r>
+              <a:rPr lang="en-US" sz="2100" dirty="0">
+                <a:latin typeface="Times New Roman" charset="0"/>
+                <a:ea typeface="Times New Roman" charset="0"/>
+                <a:cs typeface="Times New Roman" charset="0"/>
+              </a:rPr>
+              <a:t> </a:t>
+            </a:r>
+            <a:r>
+              <a:rPr lang="en-US" sz="2100" dirty="0" err="1">
+                <a:latin typeface="Times New Roman" charset="0"/>
+                <a:ea typeface="Times New Roman" charset="0"/>
+                <a:cs typeface="Times New Roman" charset="0"/>
+              </a:rPr>
+              <a:t>có</a:t>
+            </a:r>
+            <a:r>
+              <a:rPr lang="en-US" sz="2100" dirty="0">
+                <a:latin typeface="Times New Roman" charset="0"/>
+                <a:ea typeface="Times New Roman" charset="0"/>
+                <a:cs typeface="Times New Roman" charset="0"/>
+              </a:rPr>
+              <a:t> </a:t>
+            </a:r>
+            <a:r>
+              <a:rPr lang="en-US" sz="2100" dirty="0" err="1">
+                <a:latin typeface="Times New Roman" charset="0"/>
+                <a:ea typeface="Times New Roman" charset="0"/>
+                <a:cs typeface="Times New Roman" charset="0"/>
+              </a:rPr>
+              <a:t>dạng</a:t>
+            </a:r>
+            <a:r>
+              <a:rPr lang="en-US" sz="2100" dirty="0">
+                <a:latin typeface="Times New Roman" charset="0"/>
+                <a:ea typeface="Times New Roman" charset="0"/>
+                <a:cs typeface="Times New Roman" charset="0"/>
+              </a:rPr>
+              <a:t> “</a:t>
+            </a:r>
+            <a:r>
+              <a:rPr lang="en-US" sz="2100" dirty="0" err="1">
+                <a:latin typeface="Times New Roman" charset="0"/>
+                <a:ea typeface="Times New Roman" charset="0"/>
+                <a:cs typeface="Times New Roman" charset="0"/>
+              </a:rPr>
+              <a:t>Tư</a:t>
+            </a:r>
+            <a:r>
+              <a:rPr lang="en-US" sz="2100" dirty="0">
+                <a:latin typeface="Times New Roman" charset="0"/>
+                <a:ea typeface="Times New Roman" charset="0"/>
+                <a:cs typeface="Times New Roman" charset="0"/>
+              </a:rPr>
+              <a:t>̀ 1 + </a:t>
+            </a:r>
+            <a:r>
+              <a:rPr lang="en-US" sz="2100" dirty="0" err="1">
+                <a:latin typeface="Times New Roman" charset="0"/>
+                <a:ea typeface="Times New Roman" charset="0"/>
+                <a:cs typeface="Times New Roman" charset="0"/>
+              </a:rPr>
+              <a:t>Tư</a:t>
+            </a:r>
+            <a:r>
+              <a:rPr lang="en-US" sz="2100" dirty="0">
+                <a:latin typeface="Times New Roman" charset="0"/>
+                <a:ea typeface="Times New Roman" charset="0"/>
+                <a:cs typeface="Times New Roman" charset="0"/>
+              </a:rPr>
+              <a:t>̀ 2 + End”). </a:t>
+            </a:r>
+            <a:endParaRPr lang="en-US" sz="2100" dirty="0">
+              <a:solidFill>
+                <a:srgbClr val="FF0000"/>
+              </a:solidFill>
+              <a:latin typeface="Times New Roman" charset="0"/>
+              <a:ea typeface="Times New Roman" charset="0"/>
+              <a:cs typeface="Times New Roman" charset="0"/>
+            </a:endParaRPr>
+          </a:p>
+          <a:p>
+            <a:pPr marL="0" indent="0" algn="just">
+              <a:buNone/>
+            </a:pPr>
+            <a:r>
+              <a:rPr lang="en-US" sz="2100" dirty="0">
+                <a:latin typeface="Times New Roman" charset="0"/>
+                <a:ea typeface="Times New Roman" charset="0"/>
+                <a:cs typeface="Times New Roman" charset="0"/>
+              </a:rPr>
+              <a:t>- </a:t>
+            </a:r>
+            <a:r>
+              <a:rPr lang="en-US" sz="2100" dirty="0" err="1">
+                <a:latin typeface="Times New Roman" charset="0"/>
+                <a:ea typeface="Times New Roman" charset="0"/>
+                <a:cs typeface="Times New Roman" charset="0"/>
+              </a:rPr>
+              <a:t>LSTM</a:t>
+            </a:r>
+            <a:r>
+              <a:rPr lang="en-US" sz="2100" dirty="0">
+                <a:latin typeface="Times New Roman" charset="0"/>
+                <a:ea typeface="Times New Roman" charset="0"/>
+                <a:cs typeface="Times New Roman" charset="0"/>
+              </a:rPr>
+              <a:t> </a:t>
+            </a:r>
+            <a:r>
+              <a:rPr lang="en-US" sz="2100" dirty="0" err="1">
+                <a:latin typeface="Times New Roman" charset="0"/>
+                <a:ea typeface="Times New Roman" charset="0"/>
+                <a:cs typeface="Times New Roman" charset="0"/>
+              </a:rPr>
+              <a:t>kết</a:t>
+            </a:r>
+            <a:r>
+              <a:rPr lang="en-US" sz="2100" dirty="0">
+                <a:latin typeface="Times New Roman" charset="0"/>
+                <a:ea typeface="Times New Roman" charset="0"/>
+                <a:cs typeface="Times New Roman" charset="0"/>
+              </a:rPr>
+              <a:t> </a:t>
+            </a:r>
+            <a:r>
+              <a:rPr lang="en-US" sz="2100" dirty="0" err="1">
+                <a:latin typeface="Times New Roman" charset="0"/>
+                <a:ea typeface="Times New Roman" charset="0"/>
+                <a:cs typeface="Times New Roman" charset="0"/>
+              </a:rPr>
+              <a:t>thúc</a:t>
+            </a:r>
+            <a:r>
+              <a:rPr lang="en-US" sz="2100" dirty="0">
+                <a:latin typeface="Times New Roman" charset="0"/>
+                <a:ea typeface="Times New Roman" charset="0"/>
+                <a:cs typeface="Times New Roman" charset="0"/>
+              </a:rPr>
+              <a:t> v</a:t>
+            </a:r>
+            <a:r>
+              <a:rPr lang="vi-VN" sz="2100" dirty="0">
+                <a:latin typeface="Times New Roman" charset="0"/>
+                <a:ea typeface="Times New Roman" charset="0"/>
+                <a:cs typeface="Times New Roman" charset="0"/>
+              </a:rPr>
+              <a:t>à mô tả</a:t>
+            </a:r>
+            <a:r>
+              <a:rPr lang="en-US" sz="2100" dirty="0">
+                <a:latin typeface="Times New Roman" charset="0"/>
+                <a:ea typeface="Times New Roman" charset="0"/>
+                <a:cs typeface="Times New Roman" charset="0"/>
+              </a:rPr>
+              <a:t> </a:t>
+            </a:r>
+            <a:r>
+              <a:rPr lang="en-US" sz="2100" dirty="0" err="1">
+                <a:latin typeface="Times New Roman" charset="0"/>
+                <a:ea typeface="Times New Roman" charset="0"/>
+                <a:cs typeface="Times New Roman" charset="0"/>
+              </a:rPr>
+              <a:t>cho</a:t>
+            </a:r>
+            <a:r>
+              <a:rPr lang="en-US" sz="2100" dirty="0">
+                <a:latin typeface="Times New Roman" charset="0"/>
+                <a:ea typeface="Times New Roman" charset="0"/>
+                <a:cs typeface="Times New Roman" charset="0"/>
+              </a:rPr>
+              <a:t> </a:t>
+            </a:r>
+            <a:r>
+              <a:rPr lang="en-US" sz="2100" dirty="0" err="1">
+                <a:latin typeface="Times New Roman" charset="0"/>
+                <a:ea typeface="Times New Roman" charset="0"/>
+                <a:cs typeface="Times New Roman" charset="0"/>
+              </a:rPr>
+              <a:t>hình</a:t>
+            </a:r>
+            <a:r>
+              <a:rPr lang="en-US" sz="2100" dirty="0">
+                <a:latin typeface="Times New Roman" charset="0"/>
+                <a:ea typeface="Times New Roman" charset="0"/>
+                <a:cs typeface="Times New Roman" charset="0"/>
+              </a:rPr>
+              <a:t> </a:t>
+            </a:r>
+            <a:r>
+              <a:rPr lang="en-US" sz="2100" dirty="0" err="1">
+                <a:latin typeface="Times New Roman" charset="0"/>
+                <a:ea typeface="Times New Roman" charset="0"/>
+                <a:cs typeface="Times New Roman" charset="0"/>
+              </a:rPr>
+              <a:t>ảnh</a:t>
+            </a:r>
+            <a:r>
+              <a:rPr lang="en-US" sz="2100" dirty="0">
+                <a:latin typeface="Times New Roman" charset="0"/>
+                <a:ea typeface="Times New Roman" charset="0"/>
+                <a:cs typeface="Times New Roman" charset="0"/>
+              </a:rPr>
+              <a:t> là “Straw hat.”</a:t>
+            </a:r>
+          </a:p>
+        </p:txBody>
+      </p:sp>
+      <p:pic>
+        <p:nvPicPr>
+          <p:cNvPr id="6" name="Picture 5" descr="Screen Clipping">
+            <a:extLst>
+              <a:ext uri="{FF2B5EF4-FFF2-40B4-BE49-F238E27FC236}">
+                <a16:creationId xmlns:a16="http://schemas.microsoft.com/office/drawing/2014/main" id="{BA3BB8B8-18A3-40AA-B611-5CF3FD0087D0}"/>
+              </a:ext>
+            </a:extLst>
+          </p:cNvPr>
+          <p:cNvPicPr>
+            <a:picLocks noChangeAspect="1"/>
+          </p:cNvPicPr>
+          <p:nvPr/>
+        </p:nvPicPr>
+        <p:blipFill>
+          <a:blip r:embed="rId2">
+            <a:extLst>
+              <a:ext uri="{28A0092B-C50C-407E-A947-70E740481C1C}">
+                <a14:useLocalDpi xmlns:a14="http://schemas.microsoft.com/office/drawing/2010/main" val="0"/>
+              </a:ext>
+            </a:extLst>
+          </a:blip>
+          <a:stretch>
+            <a:fillRect/>
+          </a:stretch>
+        </p:blipFill>
+        <p:spPr>
+          <a:xfrm>
+            <a:off x="2128724" y="2997363"/>
+            <a:ext cx="5337126" cy="3515216"/>
+          </a:xfrm>
+          <a:prstGeom prst="rect">
+            <a:avLst/>
+          </a:prstGeom>
+        </p:spPr>
+      </p:pic>
+      <p:sp>
+        <p:nvSpPr>
+          <p:cNvPr id="9" name="Title 1">
+            <a:extLst>
+              <a:ext uri="{FF2B5EF4-FFF2-40B4-BE49-F238E27FC236}">
+                <a16:creationId xmlns:a16="http://schemas.microsoft.com/office/drawing/2014/main" id="{6BDA1EF4-A6F6-4CD6-B6B2-12AC9BFD2EE9}"/>
+              </a:ext>
+            </a:extLst>
+          </p:cNvPr>
+          <p:cNvSpPr>
+            <a:spLocks noGrp="1"/>
+          </p:cNvSpPr>
+          <p:nvPr>
+            <p:ph type="title"/>
+          </p:nvPr>
+        </p:nvSpPr>
+        <p:spPr>
+          <a:xfrm>
+            <a:off x="1066800" y="189707"/>
+            <a:ext cx="8229600" cy="1143000"/>
+          </a:xfrm>
+        </p:spPr>
+        <p:txBody>
+          <a:bodyPr/>
+          <a:lstStyle/>
+          <a:p>
+            <a:r>
+              <a:rPr lang="vi-VN"/>
+              <a:t>XỬ LÝ NGÔN NGỮ TỰ NHIÊN</a:t>
+            </a:r>
+            <a:endParaRPr lang="en-US"/>
+          </a:p>
+        </p:txBody>
+      </p:sp>
+      <p:sp>
+        <p:nvSpPr>
+          <p:cNvPr id="3" name="Slide Number Placeholder 2">
+            <a:extLst>
+              <a:ext uri="{FF2B5EF4-FFF2-40B4-BE49-F238E27FC236}">
+                <a16:creationId xmlns:a16="http://schemas.microsoft.com/office/drawing/2014/main" id="{B2A02B86-5F3B-409B-B0F7-301D3E6B570F}"/>
+              </a:ext>
+            </a:extLst>
+          </p:cNvPr>
+          <p:cNvSpPr>
+            <a:spLocks noGrp="1"/>
+          </p:cNvSpPr>
+          <p:nvPr>
+            <p:ph type="sldNum" sz="quarter" idx="12"/>
+          </p:nvPr>
+        </p:nvSpPr>
+        <p:spPr/>
+        <p:txBody>
+          <a:bodyPr/>
+          <a:lstStyle/>
+          <a:p>
+            <a:fld id="{20B7F220-0825-4B9B-9156-FF79F33775FE}" type="slidenum">
+              <a:rPr lang="vi-VN" smtClean="0"/>
+              <a:t>40</a:t>
+            </a:fld>
+            <a:endParaRPr lang="vi-VN"/>
+          </a:p>
+        </p:txBody>
+      </p:sp>
+    </p:spTree>
+    <p:extLst>
+      <p:ext uri="{BB962C8B-B14F-4D97-AF65-F5344CB8AC3E}">
+        <p14:creationId xmlns:p14="http://schemas.microsoft.com/office/powerpoint/2010/main" val="1095953966"/>
+      </p:ext>
+    </p:extLst>
+  </p:cSld>
+  <p:clrMapOvr>
+    <a:masterClrMapping/>
+  </p:clrMapOvr>
+</p:sld>
+</file>
+
+<file path=ppt/slides/slide41.xml><?xml version="1.0" encoding="utf-8"?>
+<p:sld xmlns:a="http://schemas.openxmlformats.org/drawingml/2006/main" xmlns:r="http://schemas.openxmlformats.org/officeDocument/2006/relationships" xmlns:p="http://schemas.openxmlformats.org/presentationml/2006/main">
+  <p:cSld>
+    <p:spTree>
+      <p:nvGrpSpPr>
+        <p:cNvPr id="1" name=""/>
+        <p:cNvGrpSpPr/>
+        <p:nvPr/>
+      </p:nvGrpSpPr>
+      <p:grpSpPr>
+        <a:xfrm>
+          <a:off x="0" y="0"/>
+          <a:ext cx="0" cy="0"/>
+          <a:chOff x="0" y="0"/>
+          <a:chExt cx="0" cy="0"/>
+        </a:xfrm>
+      </p:grpSpPr>
+      <p:sp>
+        <p:nvSpPr>
+          <p:cNvPr id="2" name="Title 1"/>
+          <p:cNvSpPr>
+            <a:spLocks noGrp="1"/>
+          </p:cNvSpPr>
+          <p:nvPr>
+            <p:ph type="title"/>
+          </p:nvPr>
+        </p:nvSpPr>
+        <p:spPr/>
+        <p:txBody>
+          <a:bodyPr/>
+          <a:lstStyle/>
+          <a:p>
+            <a:r>
+              <a:rPr lang="en-US" dirty="0"/>
+              <a:t>LOGISTIC REGRESSTION</a:t>
+            </a:r>
+          </a:p>
+        </p:txBody>
+      </p:sp>
+      <mc:AlternateContent xmlns:mc="http://schemas.openxmlformats.org/markup-compatibility/2006" xmlns:a14="http://schemas.microsoft.com/office/drawing/2010/main">
+        <mc:Choice Requires="a14">
+          <p:sp>
+            <p:nvSpPr>
+              <p:cNvPr id="3" name="Content Placeholder 2"/>
+              <p:cNvSpPr>
+                <a:spLocks noGrp="1"/>
+              </p:cNvSpPr>
+              <p:nvPr>
+                <p:ph idx="1"/>
+              </p:nvPr>
+            </p:nvSpPr>
+            <p:spPr/>
+            <p:txBody>
+              <a:bodyPr>
+                <a:normAutofit/>
+              </a:bodyPr>
+              <a:lstStyle/>
+              <a:p>
+                <a:pPr algn="just"/>
+                <a:r>
+                  <a:rPr lang="vi-VN" dirty="0"/>
+                  <a:t>linear regression và perceptron (PLA), đều có thể viết chung dưới dạng</a:t>
+                </a:r>
+                <a14:m>
+                  <m:oMath xmlns:m="http://schemas.openxmlformats.org/officeDocument/2006/math">
+                    <m:r>
+                      <a:rPr lang="vi-VN" b="0" i="0" smtClean="0">
+                        <a:latin typeface="Cambria Math" panose="02040503050406030204" pitchFamily="18" charset="0"/>
+                      </a:rPr>
+                      <m:t> </m:t>
+                    </m:r>
+                    <m:r>
+                      <a:rPr lang="vi-VN" b="0" i="1" smtClean="0">
+                        <a:latin typeface="Cambria Math" panose="02040503050406030204" pitchFamily="18" charset="0"/>
+                      </a:rPr>
+                      <m:t>𝑦</m:t>
+                    </m:r>
+                    <m:r>
+                      <a:rPr lang="vi-VN" b="0" i="1" smtClean="0">
+                        <a:latin typeface="Cambria Math" panose="02040503050406030204" pitchFamily="18" charset="0"/>
+                      </a:rPr>
+                      <m:t>=</m:t>
+                    </m:r>
+                    <m:r>
+                      <a:rPr lang="vi-VN" b="0" i="1" smtClean="0">
+                        <a:latin typeface="Cambria Math" panose="02040503050406030204" pitchFamily="18" charset="0"/>
+                      </a:rPr>
+                      <m:t>𝑓</m:t>
+                    </m:r>
+                    <m:r>
+                      <a:rPr lang="vi-VN" b="0" i="1" smtClean="0">
+                        <a:latin typeface="Cambria Math" panose="02040503050406030204" pitchFamily="18" charset="0"/>
+                      </a:rPr>
+                      <m:t>(</m:t>
+                    </m:r>
+                    <m:sSup>
+                      <m:sSupPr>
+                        <m:ctrlPr>
+                          <a:rPr lang="vi-VN" b="0" i="1" smtClean="0">
+                            <a:latin typeface="Cambria Math" panose="02040503050406030204" pitchFamily="18" charset="0"/>
+                          </a:rPr>
+                        </m:ctrlPr>
+                      </m:sSupPr>
+                      <m:e>
+                        <m:r>
+                          <a:rPr lang="vi-VN" b="0" i="1" smtClean="0">
+                            <a:latin typeface="Cambria Math" panose="02040503050406030204" pitchFamily="18" charset="0"/>
+                          </a:rPr>
+                          <m:t>𝑤</m:t>
+                        </m:r>
+                      </m:e>
+                      <m:sup>
+                        <m:r>
+                          <a:rPr lang="vi-VN" b="0" i="1" smtClean="0">
+                            <a:latin typeface="Cambria Math" panose="02040503050406030204" pitchFamily="18" charset="0"/>
+                          </a:rPr>
+                          <m:t>𝑇</m:t>
+                        </m:r>
+                      </m:sup>
+                    </m:sSup>
+                    <m:r>
+                      <a:rPr lang="vi-VN" b="0" i="1" smtClean="0">
+                        <a:latin typeface="Cambria Math" panose="02040503050406030204" pitchFamily="18" charset="0"/>
+                      </a:rPr>
+                      <m:t>𝑥</m:t>
+                    </m:r>
+                    <m:r>
+                      <a:rPr lang="vi-VN" b="0" i="1" smtClean="0">
+                        <a:latin typeface="Cambria Math" panose="02040503050406030204" pitchFamily="18" charset="0"/>
+                      </a:rPr>
+                      <m:t>)</m:t>
+                    </m:r>
+                  </m:oMath>
+                </a14:m>
+                <a:r>
+                  <a:rPr lang="vi-VN" dirty="0"/>
+                  <a:t> với </a:t>
+                </a:r>
+                <a14:m>
+                  <m:oMath xmlns:m="http://schemas.openxmlformats.org/officeDocument/2006/math">
+                    <m:r>
+                      <a:rPr lang="vi-VN" i="1">
+                        <a:latin typeface="Cambria Math" panose="02040503050406030204" pitchFamily="18" charset="0"/>
+                      </a:rPr>
+                      <m:t>𝑓</m:t>
+                    </m:r>
+                    <m:r>
+                      <a:rPr lang="vi-VN" i="1">
+                        <a:latin typeface="Cambria Math" panose="02040503050406030204" pitchFamily="18" charset="0"/>
+                      </a:rPr>
+                      <m:t>(</m:t>
+                    </m:r>
+                    <m:r>
+                      <a:rPr lang="vi-VN" b="0" i="1" smtClean="0">
+                        <a:latin typeface="Cambria Math" panose="02040503050406030204" pitchFamily="18" charset="0"/>
+                      </a:rPr>
+                      <m:t>𝑠</m:t>
+                    </m:r>
+                    <m:r>
+                      <a:rPr lang="vi-VN" i="1">
+                        <a:latin typeface="Cambria Math" panose="02040503050406030204" pitchFamily="18" charset="0"/>
+                      </a:rPr>
+                      <m:t>) </m:t>
+                    </m:r>
+                  </m:oMath>
+                </a14:m>
+                <a:r>
+                  <a:rPr lang="vi-VN" dirty="0"/>
+                  <a:t>là một hàm kích hoạt. Với </a:t>
+                </a:r>
+                <a14:m>
+                  <m:oMath xmlns:m="http://schemas.openxmlformats.org/officeDocument/2006/math">
+                    <m:r>
+                      <a:rPr lang="vi-VN" i="1">
+                        <a:latin typeface="Cambria Math" panose="02040503050406030204" pitchFamily="18" charset="0"/>
+                      </a:rPr>
+                      <m:t>𝑓</m:t>
+                    </m:r>
+                    <m:d>
+                      <m:dPr>
+                        <m:ctrlPr>
+                          <a:rPr lang="vi-VN" i="1">
+                            <a:latin typeface="Cambria Math" panose="02040503050406030204" pitchFamily="18" charset="0"/>
+                          </a:rPr>
+                        </m:ctrlPr>
+                      </m:dPr>
+                      <m:e>
+                        <m:r>
+                          <a:rPr lang="vi-VN" i="1">
+                            <a:latin typeface="Cambria Math" panose="02040503050406030204" pitchFamily="18" charset="0"/>
+                          </a:rPr>
+                          <m:t>𝑠</m:t>
+                        </m:r>
+                      </m:e>
+                    </m:d>
+                    <m:r>
+                      <a:rPr lang="vi-VN" b="0" i="1" smtClean="0">
+                        <a:latin typeface="Cambria Math" panose="02040503050406030204" pitchFamily="18" charset="0"/>
+                      </a:rPr>
+                      <m:t>=</m:t>
+                    </m:r>
+                    <m:r>
+                      <a:rPr lang="vi-VN" b="0" i="1" smtClean="0">
+                        <a:latin typeface="Cambria Math" panose="02040503050406030204" pitchFamily="18" charset="0"/>
+                      </a:rPr>
+                      <m:t>𝑠</m:t>
+                    </m:r>
+                  </m:oMath>
+                </a14:m>
+                <a:r>
+                  <a:rPr lang="vi-VN" dirty="0"/>
+                  <a:t> trong linear regression, và </a:t>
+                </a:r>
+                <a14:m>
+                  <m:oMath xmlns:m="http://schemas.openxmlformats.org/officeDocument/2006/math">
+                    <m:r>
+                      <a:rPr lang="vi-VN" i="1">
+                        <a:latin typeface="Cambria Math" panose="02040503050406030204" pitchFamily="18" charset="0"/>
+                      </a:rPr>
+                      <m:t>𝑓</m:t>
+                    </m:r>
+                    <m:d>
+                      <m:dPr>
+                        <m:ctrlPr>
+                          <a:rPr lang="vi-VN" i="1">
+                            <a:latin typeface="Cambria Math" panose="02040503050406030204" pitchFamily="18" charset="0"/>
+                          </a:rPr>
+                        </m:ctrlPr>
+                      </m:dPr>
+                      <m:e>
+                        <m:r>
+                          <a:rPr lang="vi-VN" i="1">
+                            <a:latin typeface="Cambria Math" panose="02040503050406030204" pitchFamily="18" charset="0"/>
+                          </a:rPr>
+                          <m:t>𝑠</m:t>
+                        </m:r>
+                      </m:e>
+                    </m:d>
+                    <m:r>
+                      <a:rPr lang="vi-VN" i="1">
+                        <a:latin typeface="Cambria Math" panose="02040503050406030204" pitchFamily="18" charset="0"/>
+                      </a:rPr>
+                      <m:t>=</m:t>
+                    </m:r>
+                    <m:r>
+                      <a:rPr lang="vi-VN" i="1">
+                        <a:latin typeface="Cambria Math" panose="02040503050406030204" pitchFamily="18" charset="0"/>
+                      </a:rPr>
+                      <m:t>𝑠</m:t>
+                    </m:r>
+                  </m:oMath>
+                </a14:m>
+                <a:r>
+                  <a:rPr lang="vi-VN" dirty="0"/>
+                  <a:t>gn(s) trong PLA.</a:t>
+                </a:r>
+              </a:p>
+              <a:p>
+                <a:pPr algn="just"/>
+                <a:endParaRPr lang="vi-VN" dirty="0"/>
+              </a:p>
+              <a:p>
+                <a:pPr algn="just"/>
+                <a:r>
+                  <a:rPr lang="vi-VN" dirty="0"/>
+                  <a:t> Trong linear regression, tích vô hướng </a:t>
+                </a:r>
+                <a14:m>
+                  <m:oMath xmlns:m="http://schemas.openxmlformats.org/officeDocument/2006/math">
+                    <m:sSup>
+                      <m:sSupPr>
+                        <m:ctrlPr>
+                          <a:rPr lang="vi-VN" i="1">
+                            <a:latin typeface="Cambria Math" panose="02040503050406030204" pitchFamily="18" charset="0"/>
+                          </a:rPr>
+                        </m:ctrlPr>
+                      </m:sSupPr>
+                      <m:e>
+                        <m:r>
+                          <a:rPr lang="vi-VN" i="1">
+                            <a:latin typeface="Cambria Math" panose="02040503050406030204" pitchFamily="18" charset="0"/>
+                          </a:rPr>
+                          <m:t>𝑤</m:t>
+                        </m:r>
+                      </m:e>
+                      <m:sup>
+                        <m:r>
+                          <a:rPr lang="vi-VN" i="1">
+                            <a:latin typeface="Cambria Math" panose="02040503050406030204" pitchFamily="18" charset="0"/>
+                          </a:rPr>
+                          <m:t>𝑇</m:t>
+                        </m:r>
+                      </m:sup>
+                    </m:sSup>
+                    <m:r>
+                      <a:rPr lang="vi-VN" i="1">
+                        <a:latin typeface="Cambria Math" panose="02040503050406030204" pitchFamily="18" charset="0"/>
+                      </a:rPr>
+                      <m:t>𝑥</m:t>
+                    </m:r>
+                  </m:oMath>
+                </a14:m>
+                <a:r>
+                  <a:rPr lang="vi-VN" dirty="0"/>
+                  <a:t> được trực tiếp sử dụng để dự đoán output y, loại này phù hợp nếu ta cần dự đoán một đầu ra không bị chặn trên và dưới. </a:t>
+                </a:r>
+              </a:p>
+              <a:p>
+                <a:pPr algn="just"/>
+                <a:endParaRPr lang="vi-VN" dirty="0"/>
+              </a:p>
+              <a:p>
+                <a:pPr algn="just"/>
+                <a:r>
+                  <a:rPr lang="vi-VN" dirty="0"/>
+                  <a:t>Trong PLA, đầu ra chỉ nhận một trong hai giá trị 1 hoặc −1, phù hợp với các bài toán phân lớp nhị phân.</a:t>
+                </a:r>
+              </a:p>
+            </p:txBody>
+          </p:sp>
+        </mc:Choice>
+        <mc:Fallback xmlns="">
+          <p:sp>
+            <p:nvSpPr>
+              <p:cNvPr id="3" name="Content Placeholder 2"/>
+              <p:cNvSpPr>
+                <a:spLocks noGrp="1" noRot="1" noChangeAspect="1" noMove="1" noResize="1" noEditPoints="1" noAdjustHandles="1" noChangeArrowheads="1" noChangeShapeType="1" noTextEdit="1"/>
+              </p:cNvSpPr>
+              <p:nvPr>
+                <p:ph idx="1"/>
+              </p:nvPr>
+            </p:nvSpPr>
+            <p:spPr>
+              <a:blipFill rotWithShape="0">
+                <a:blip r:embed="rId2"/>
+                <a:stretch>
+                  <a:fillRect l="-741" t="-943" r="-889"/>
+                </a:stretch>
+              </a:blipFill>
+            </p:spPr>
+            <p:txBody>
+              <a:bodyPr/>
+              <a:lstStyle/>
+              <a:p>
+                <a:r>
+                  <a:rPr lang="en-US">
+                    <a:noFill/>
+                  </a:rPr>
+                  <a:t> </a:t>
+                </a:r>
+              </a:p>
+            </p:txBody>
+          </p:sp>
+        </mc:Fallback>
+      </mc:AlternateContent>
+      <p:sp>
+        <p:nvSpPr>
+          <p:cNvPr id="4" name="Slide Number Placeholder 3"/>
+          <p:cNvSpPr>
+            <a:spLocks noGrp="1"/>
+          </p:cNvSpPr>
+          <p:nvPr>
+            <p:ph type="sldNum" sz="quarter" idx="12"/>
+          </p:nvPr>
+        </p:nvSpPr>
+        <p:spPr/>
+        <p:txBody>
+          <a:bodyPr/>
+          <a:lstStyle/>
+          <a:p>
+            <a:fld id="{20B7F220-0825-4B9B-9156-FF79F33775FE}" type="slidenum">
+              <a:rPr lang="vi-VN" smtClean="0"/>
+              <a:t>41</a:t>
+            </a:fld>
+            <a:endParaRPr lang="vi-VN"/>
+          </a:p>
+        </p:txBody>
+      </p:sp>
+    </p:spTree>
+    <p:extLst>
+      <p:ext uri="{BB962C8B-B14F-4D97-AF65-F5344CB8AC3E}">
+        <p14:creationId xmlns:p14="http://schemas.microsoft.com/office/powerpoint/2010/main" val="1996549190"/>
+      </p:ext>
+    </p:extLst>
+  </p:cSld>
+  <p:clrMapOvr>
+    <a:masterClrMapping/>
+  </p:clrMapOvr>
+</p:sld>
+</file>
+
+<file path=ppt/slides/slide42.xml><?xml version="1.0" encoding="utf-8"?>
+<p:sld xmlns:a="http://schemas.openxmlformats.org/drawingml/2006/main" xmlns:r="http://schemas.openxmlformats.org/officeDocument/2006/relationships" xmlns:p="http://schemas.openxmlformats.org/presentationml/2006/main">
+  <p:cSld>
+    <p:spTree>
+      <p:nvGrpSpPr>
+        <p:cNvPr id="1" name=""/>
+        <p:cNvGrpSpPr/>
+        <p:nvPr/>
+      </p:nvGrpSpPr>
+      <p:grpSpPr>
+        <a:xfrm>
+          <a:off x="0" y="0"/>
+          <a:ext cx="0" cy="0"/>
+          <a:chOff x="0" y="0"/>
+          <a:chExt cx="0" cy="0"/>
+        </a:xfrm>
+      </p:grpSpPr>
+      <p:sp>
+        <p:nvSpPr>
+          <p:cNvPr id="2" name="Title 1"/>
+          <p:cNvSpPr>
+            <a:spLocks noGrp="1"/>
+          </p:cNvSpPr>
+          <p:nvPr>
+            <p:ph type="title"/>
+          </p:nvPr>
+        </p:nvSpPr>
+        <p:spPr/>
+        <p:txBody>
+          <a:bodyPr/>
+          <a:lstStyle/>
+          <a:p>
+            <a:r>
+              <a:rPr lang="en-US" dirty="0"/>
+              <a:t>LOGISTIC REGRESSTION</a:t>
+            </a:r>
+          </a:p>
+        </p:txBody>
+      </p:sp>
+      <p:sp>
+        <p:nvSpPr>
+          <p:cNvPr id="3" name="Content Placeholder 2"/>
+          <p:cNvSpPr>
+            <a:spLocks noGrp="1"/>
+          </p:cNvSpPr>
+          <p:nvPr>
+            <p:ph idx="1"/>
+          </p:nvPr>
+        </p:nvSpPr>
+        <p:spPr/>
+        <p:txBody>
+          <a:bodyPr/>
+          <a:lstStyle/>
+          <a:p>
+            <a:r>
+              <a:rPr lang="vi-VN" dirty="0"/>
+              <a:t>Trong mô hình này, đầu ra có thể được thể hiện dưới dạng xác suất. Ví dụ, xác suất thi đỗ nếu biết thời gian ôn thi, xác suất ngày mai có mưa dựa trên những thông tin đo được trong ngày hôm nay, v.v.. </a:t>
+            </a:r>
+          </a:p>
+          <a:p>
+            <a:endParaRPr lang="vi-VN" dirty="0"/>
+          </a:p>
+          <a:p>
+            <a:r>
+              <a:rPr lang="vi-VN" dirty="0"/>
+              <a:t>Mô hình này có tên là logistic regression. Mặc dù trong tên có chứa từ regression, logistic regression thường được sử dụng nhiều hơn cho các bài toán phân lớp.</a:t>
+            </a:r>
+            <a:endParaRPr lang="en-US" dirty="0"/>
+          </a:p>
+          <a:p>
+            <a:endParaRPr lang="en-US" dirty="0"/>
+          </a:p>
+        </p:txBody>
+      </p:sp>
+      <p:sp>
+        <p:nvSpPr>
+          <p:cNvPr id="4" name="Slide Number Placeholder 3"/>
+          <p:cNvSpPr>
+            <a:spLocks noGrp="1"/>
+          </p:cNvSpPr>
+          <p:nvPr>
+            <p:ph type="sldNum" sz="quarter" idx="12"/>
+          </p:nvPr>
+        </p:nvSpPr>
+        <p:spPr/>
+        <p:txBody>
+          <a:bodyPr/>
+          <a:lstStyle/>
+          <a:p>
+            <a:fld id="{20B7F220-0825-4B9B-9156-FF79F33775FE}" type="slidenum">
+              <a:rPr lang="vi-VN" smtClean="0"/>
+              <a:t>42</a:t>
+            </a:fld>
+            <a:endParaRPr lang="vi-VN"/>
+          </a:p>
+        </p:txBody>
+      </p:sp>
+    </p:spTree>
+    <p:extLst>
+      <p:ext uri="{BB962C8B-B14F-4D97-AF65-F5344CB8AC3E}">
+        <p14:creationId xmlns:p14="http://schemas.microsoft.com/office/powerpoint/2010/main" val="867491662"/>
       </p:ext>
     </p:extLst>
   </p:cSld>
@@ -17887,7 +20644,7 @@
           <p:cNvPr id="2" name="Title 1">
             <a:extLst>
               <a:ext uri="{FF2B5EF4-FFF2-40B4-BE49-F238E27FC236}">
-                <a16:creationId xmlns:a16="http://schemas.microsoft.com/office/drawing/2014/main" xmlns="" id="{09935642-0297-644A-A534-5F9ED3C60F3F}"/>
+                <a16:creationId xmlns:a16="http://schemas.microsoft.com/office/drawing/2014/main" id="{09935642-0297-644A-A534-5F9ED3C60F3F}"/>
               </a:ext>
             </a:extLst>
           </p:cNvPr>
@@ -17916,7 +20673,7 @@
           <p:cNvPr id="3" name="Content Placeholder 2">
             <a:extLst>
               <a:ext uri="{FF2B5EF4-FFF2-40B4-BE49-F238E27FC236}">
-                <a16:creationId xmlns:a16="http://schemas.microsoft.com/office/drawing/2014/main" xmlns="" id="{DED3827E-E379-0142-A2D9-2B2216CE8989}"/>
+                <a16:creationId xmlns:a16="http://schemas.microsoft.com/office/drawing/2014/main" id="{DED3827E-E379-0142-A2D9-2B2216CE8989}"/>
               </a:ext>
             </a:extLst>
           </p:cNvPr>
@@ -17942,7 +20699,7 @@
           <p:cNvPr id="4" name="Slide Number Placeholder 3">
             <a:extLst>
               <a:ext uri="{FF2B5EF4-FFF2-40B4-BE49-F238E27FC236}">
-                <a16:creationId xmlns:a16="http://schemas.microsoft.com/office/drawing/2014/main" xmlns="" id="{91DDCBD2-8178-1843-AB24-A6AB86653D51}"/>
+                <a16:creationId xmlns:a16="http://schemas.microsoft.com/office/drawing/2014/main" id="{91DDCBD2-8178-1843-AB24-A6AB86653D51}"/>
               </a:ext>
             </a:extLst>
           </p:cNvPr>
@@ -17971,7 +20728,7 @@
           <p:cNvPr id="6" name="Picture 5">
             <a:extLst>
               <a:ext uri="{FF2B5EF4-FFF2-40B4-BE49-F238E27FC236}">
-                <a16:creationId xmlns:a16="http://schemas.microsoft.com/office/drawing/2014/main" xmlns="" id="{0F6C29D7-D6A7-F449-A724-CF9293F44706}"/>
+                <a16:creationId xmlns:a16="http://schemas.microsoft.com/office/drawing/2014/main" id="{0F6C29D7-D6A7-F449-A724-CF9293F44706}"/>
               </a:ext>
             </a:extLst>
           </p:cNvPr>
@@ -18031,7 +20788,7 @@
           <p:cNvPr id="2" name="Title 1">
             <a:extLst>
               <a:ext uri="{FF2B5EF4-FFF2-40B4-BE49-F238E27FC236}">
-                <a16:creationId xmlns:a16="http://schemas.microsoft.com/office/drawing/2014/main" xmlns="" id="{D2585721-5167-C849-BC07-3916877554E0}"/>
+                <a16:creationId xmlns:a16="http://schemas.microsoft.com/office/drawing/2014/main" id="{D2585721-5167-C849-BC07-3916877554E0}"/>
               </a:ext>
             </a:extLst>
           </p:cNvPr>
@@ -18060,7 +20817,7 @@
           <p:cNvPr id="3" name="Content Placeholder 2">
             <a:extLst>
               <a:ext uri="{FF2B5EF4-FFF2-40B4-BE49-F238E27FC236}">
-                <a16:creationId xmlns:a16="http://schemas.microsoft.com/office/drawing/2014/main" xmlns="" id="{29ECBF0F-31EC-8F44-BCF5-04EA768DB24D}"/>
+                <a16:creationId xmlns:a16="http://schemas.microsoft.com/office/drawing/2014/main" id="{29ECBF0F-31EC-8F44-BCF5-04EA768DB24D}"/>
               </a:ext>
             </a:extLst>
           </p:cNvPr>
@@ -18539,7 +21296,7 @@
           <p:cNvPr id="4" name="Slide Number Placeholder 3">
             <a:extLst>
               <a:ext uri="{FF2B5EF4-FFF2-40B4-BE49-F238E27FC236}">
-                <a16:creationId xmlns:a16="http://schemas.microsoft.com/office/drawing/2014/main" xmlns="" id="{4DA07D26-D10B-2842-903F-1CA582A44CDD}"/>
+                <a16:creationId xmlns:a16="http://schemas.microsoft.com/office/drawing/2014/main" id="{4DA07D26-D10B-2842-903F-1CA582A44CDD}"/>
               </a:ext>
             </a:extLst>
           </p:cNvPr>
@@ -18598,7 +21355,7 @@
           <p:cNvPr id="2" name="Title 1">
             <a:extLst>
               <a:ext uri="{FF2B5EF4-FFF2-40B4-BE49-F238E27FC236}">
-                <a16:creationId xmlns:a16="http://schemas.microsoft.com/office/drawing/2014/main" xmlns="" id="{8B67E952-9B37-7E46-8566-242B156DE23B}"/>
+                <a16:creationId xmlns:a16="http://schemas.microsoft.com/office/drawing/2014/main" id="{8B67E952-9B37-7E46-8566-242B156DE23B}"/>
               </a:ext>
             </a:extLst>
           </p:cNvPr>
@@ -18628,7 +21385,7 @@
               <p:cNvPr id="3" name="Content Placeholder 2">
                 <a:extLst>
                   <a:ext uri="{FF2B5EF4-FFF2-40B4-BE49-F238E27FC236}">
-                    <a16:creationId xmlns:a16="http://schemas.microsoft.com/office/drawing/2014/main" xmlns="" id="{70DFEC9A-D922-3040-929B-251128C91D85}"/>
+                    <a16:creationId xmlns:a16="http://schemas.microsoft.com/office/drawing/2014/main" id="{70DFEC9A-D922-3040-929B-251128C91D85}"/>
                   </a:ext>
                 </a:extLst>
               </p:cNvPr>
@@ -18932,13 +21689,7 @@
                           <a:rPr lang="vi-VN" b="0" i="1" smtClean="0">
                             <a:latin typeface="Cambria Math" panose="02040503050406030204" pitchFamily="18" charset="0"/>
                           </a:rPr>
-                          <m:t>+</m:t>
-                        </m:r>
-                        <m:r>
-                          <a:rPr lang="vi-VN" b="0" i="1" smtClean="0">
-                            <a:latin typeface="Cambria Math" panose="02040503050406030204" pitchFamily="18" charset="0"/>
-                          </a:rPr>
-                          <m:t>1</m:t>
+                          <m:t>+1</m:t>
                         </m:r>
                       </m:sub>
                     </m:sSub>
@@ -19197,13 +21948,7 @@
                           <a:rPr lang="vi-VN" b="0" i="1" smtClean="0">
                             <a:latin typeface="Cambria Math" panose="02040503050406030204" pitchFamily="18" charset="0"/>
                           </a:rPr>
-                          <m:t>+</m:t>
-                        </m:r>
-                        <m:r>
-                          <a:rPr lang="vi-VN" b="0" i="1" smtClean="0">
-                            <a:latin typeface="Cambria Math" panose="02040503050406030204" pitchFamily="18" charset="0"/>
-                          </a:rPr>
-                          <m:t>1</m:t>
+                          <m:t>+1</m:t>
                         </m:r>
                       </m:sub>
                     </m:sSub>
@@ -19419,7 +22164,7 @@
           <p:cNvPr id="4" name="Slide Number Placeholder 3">
             <a:extLst>
               <a:ext uri="{FF2B5EF4-FFF2-40B4-BE49-F238E27FC236}">
-                <a16:creationId xmlns:a16="http://schemas.microsoft.com/office/drawing/2014/main" xmlns="" id="{FD974DF3-1DD7-F84E-B2C6-53826575D81C}"/>
+                <a16:creationId xmlns:a16="http://schemas.microsoft.com/office/drawing/2014/main" id="{FD974DF3-1DD7-F84E-B2C6-53826575D81C}"/>
               </a:ext>
             </a:extLst>
           </p:cNvPr>
@@ -19478,7 +22223,7 @@
           <p:cNvPr id="2" name="Title 1">
             <a:extLst>
               <a:ext uri="{FF2B5EF4-FFF2-40B4-BE49-F238E27FC236}">
-                <a16:creationId xmlns:a16="http://schemas.microsoft.com/office/drawing/2014/main" xmlns="" id="{5AB40AF4-4B0D-2F41-BCD7-21C8969A2BD7}"/>
+                <a16:creationId xmlns:a16="http://schemas.microsoft.com/office/drawing/2014/main" id="{5AB40AF4-4B0D-2F41-BCD7-21C8969A2BD7}"/>
               </a:ext>
             </a:extLst>
           </p:cNvPr>
@@ -19506,7 +22251,7 @@
           <p:cNvPr id="3" name="Content Placeholder 2">
             <a:extLst>
               <a:ext uri="{FF2B5EF4-FFF2-40B4-BE49-F238E27FC236}">
-                <a16:creationId xmlns:a16="http://schemas.microsoft.com/office/drawing/2014/main" xmlns="" id="{FA377A76-7ABD-3946-9D0D-71A7FC1D6E8B}"/>
+                <a16:creationId xmlns:a16="http://schemas.microsoft.com/office/drawing/2014/main" id="{FA377A76-7ABD-3946-9D0D-71A7FC1D6E8B}"/>
               </a:ext>
             </a:extLst>
           </p:cNvPr>
@@ -20346,7 +23091,7 @@
           <p:cNvPr id="4" name="Slide Number Placeholder 3">
             <a:extLst>
               <a:ext uri="{FF2B5EF4-FFF2-40B4-BE49-F238E27FC236}">
-                <a16:creationId xmlns:a16="http://schemas.microsoft.com/office/drawing/2014/main" xmlns="" id="{AB232FAD-A492-574D-A56F-04AD116B065C}"/>
+                <a16:creationId xmlns:a16="http://schemas.microsoft.com/office/drawing/2014/main" id="{AB232FAD-A492-574D-A56F-04AD116B065C}"/>
               </a:ext>
             </a:extLst>
           </p:cNvPr>
@@ -20405,7 +23150,7 @@
           <p:cNvPr id="2" name="Title 1">
             <a:extLst>
               <a:ext uri="{FF2B5EF4-FFF2-40B4-BE49-F238E27FC236}">
-                <a16:creationId xmlns:a16="http://schemas.microsoft.com/office/drawing/2014/main" xmlns="" id="{4644354B-77BD-F543-A8A6-8D12DB0BA4E1}"/>
+                <a16:creationId xmlns:a16="http://schemas.microsoft.com/office/drawing/2014/main" id="{4644354B-77BD-F543-A8A6-8D12DB0BA4E1}"/>
               </a:ext>
             </a:extLst>
           </p:cNvPr>
@@ -20435,7 +23180,7 @@
               <p:cNvPr id="3" name="Content Placeholder 2">
                 <a:extLst>
                   <a:ext uri="{FF2B5EF4-FFF2-40B4-BE49-F238E27FC236}">
-                    <a16:creationId xmlns:a16="http://schemas.microsoft.com/office/drawing/2014/main" xmlns="" id="{28A7D338-CAF1-A848-BCC0-FE0B6D492421}"/>
+                    <a16:creationId xmlns:a16="http://schemas.microsoft.com/office/drawing/2014/main" id="{28A7D338-CAF1-A848-BCC0-FE0B6D492421}"/>
                   </a:ext>
                 </a:extLst>
               </p:cNvPr>
@@ -20812,7 +23557,7 @@
                             <a:latin typeface="Cambria Math" panose="02040503050406030204" pitchFamily="18" charset="0"/>
                             <a:ea typeface="Cambria Math" panose="02040503050406030204" pitchFamily="18" charset="0"/>
                           </a:rPr>
-                          <m:t>∇</m:t>
+                          <m:t>𝛻</m:t>
                         </m:r>
                       </m:e>
                       <m:sub>
@@ -21316,7 +24061,7 @@
           <p:cNvPr id="4" name="Slide Number Placeholder 3">
             <a:extLst>
               <a:ext uri="{FF2B5EF4-FFF2-40B4-BE49-F238E27FC236}">
-                <a16:creationId xmlns:a16="http://schemas.microsoft.com/office/drawing/2014/main" xmlns="" id="{F567C7EB-8AE6-3E41-8D64-7B05D1B7DE74}"/>
+                <a16:creationId xmlns:a16="http://schemas.microsoft.com/office/drawing/2014/main" id="{F567C7EB-8AE6-3E41-8D64-7B05D1B7DE74}"/>
               </a:ext>
             </a:extLst>
           </p:cNvPr>
